--- a/ppt/Diapositivas v2.pptx
+++ b/ppt/Diapositivas v2.pptx
@@ -5,7 +5,7 @@
     <p:sldMasterId id="2147483696" r:id="rId1"/>
   </p:sldMasterIdLst>
   <p:notesMasterIdLst>
-    <p:notesMasterId r:id="rId21"/>
+    <p:notesMasterId r:id="rId23"/>
   </p:notesMasterIdLst>
   <p:sldIdLst>
     <p:sldId id="256" r:id="rId2"/>
@@ -17,16 +17,18 @@
     <p:sldId id="464" r:id="rId8"/>
     <p:sldId id="463" r:id="rId9"/>
     <p:sldId id="473" r:id="rId10"/>
-    <p:sldId id="462" r:id="rId11"/>
-    <p:sldId id="450" r:id="rId12"/>
-    <p:sldId id="456" r:id="rId13"/>
-    <p:sldId id="469" r:id="rId14"/>
-    <p:sldId id="453" r:id="rId15"/>
-    <p:sldId id="466" r:id="rId16"/>
-    <p:sldId id="465" r:id="rId17"/>
-    <p:sldId id="470" r:id="rId18"/>
-    <p:sldId id="477" r:id="rId19"/>
-    <p:sldId id="475" r:id="rId20"/>
+    <p:sldId id="478" r:id="rId11"/>
+    <p:sldId id="479" r:id="rId12"/>
+    <p:sldId id="462" r:id="rId13"/>
+    <p:sldId id="450" r:id="rId14"/>
+    <p:sldId id="456" r:id="rId15"/>
+    <p:sldId id="469" r:id="rId16"/>
+    <p:sldId id="453" r:id="rId17"/>
+    <p:sldId id="466" r:id="rId18"/>
+    <p:sldId id="465" r:id="rId19"/>
+    <p:sldId id="470" r:id="rId20"/>
+    <p:sldId id="477" r:id="rId21"/>
+    <p:sldId id="475" r:id="rId22"/>
   </p:sldIdLst>
   <p:sldSz cx="9144000" cy="6858000" type="screen4x3"/>
   <p:notesSz cx="6858000" cy="9144000"/>
@@ -126,6 +128,2825 @@
     </a:lvl9pPr>
   </p:defaultTextStyle>
 </p:presentation>
+</file>
+
+<file path=ppt/diagrams/colors1.xml><?xml version="1.0" encoding="utf-8"?>
+<dgm:colorsDef xmlns:dgm="http://schemas.openxmlformats.org/drawingml/2006/diagram" xmlns:a="http://schemas.openxmlformats.org/drawingml/2006/main" uniqueId="urn:microsoft.com/office/officeart/2005/8/colors/accent1_2">
+  <dgm:title val=""/>
+  <dgm:desc val=""/>
+  <dgm:catLst>
+    <dgm:cat type="accent1" pri="11200"/>
+  </dgm:catLst>
+  <dgm:styleLbl name="node0">
+    <dgm:fillClrLst meth="repeat">
+      <a:schemeClr val="accent1"/>
+    </dgm:fillClrLst>
+    <dgm:linClrLst meth="repeat">
+      <a:schemeClr val="lt1"/>
+    </dgm:linClrLst>
+    <dgm:effectClrLst/>
+    <dgm:txLinClrLst/>
+    <dgm:txFillClrLst/>
+    <dgm:txEffectClrLst/>
+  </dgm:styleLbl>
+  <dgm:styleLbl name="alignNode1">
+    <dgm:fillClrLst meth="repeat">
+      <a:schemeClr val="accent1"/>
+    </dgm:fillClrLst>
+    <dgm:linClrLst meth="repeat">
+      <a:schemeClr val="accent1"/>
+    </dgm:linClrLst>
+    <dgm:effectClrLst/>
+    <dgm:txLinClrLst/>
+    <dgm:txFillClrLst/>
+    <dgm:txEffectClrLst/>
+  </dgm:styleLbl>
+  <dgm:styleLbl name="node1">
+    <dgm:fillClrLst meth="repeat">
+      <a:schemeClr val="accent1"/>
+    </dgm:fillClrLst>
+    <dgm:linClrLst meth="repeat">
+      <a:schemeClr val="lt1"/>
+    </dgm:linClrLst>
+    <dgm:effectClrLst/>
+    <dgm:txLinClrLst/>
+    <dgm:txFillClrLst/>
+    <dgm:txEffectClrLst/>
+  </dgm:styleLbl>
+  <dgm:styleLbl name="lnNode1">
+    <dgm:fillClrLst meth="repeat">
+      <a:schemeClr val="accent1"/>
+    </dgm:fillClrLst>
+    <dgm:linClrLst meth="repeat">
+      <a:schemeClr val="lt1"/>
+    </dgm:linClrLst>
+    <dgm:effectClrLst/>
+    <dgm:txLinClrLst/>
+    <dgm:txFillClrLst/>
+    <dgm:txEffectClrLst/>
+  </dgm:styleLbl>
+  <dgm:styleLbl name="vennNode1">
+    <dgm:fillClrLst meth="repeat">
+      <a:schemeClr val="accent1">
+        <a:alpha val="50000"/>
+      </a:schemeClr>
+    </dgm:fillClrLst>
+    <dgm:linClrLst meth="repeat">
+      <a:schemeClr val="lt1"/>
+    </dgm:linClrLst>
+    <dgm:effectClrLst/>
+    <dgm:txLinClrLst/>
+    <dgm:txFillClrLst/>
+    <dgm:txEffectClrLst/>
+  </dgm:styleLbl>
+  <dgm:styleLbl name="node2">
+    <dgm:fillClrLst meth="repeat">
+      <a:schemeClr val="accent1"/>
+    </dgm:fillClrLst>
+    <dgm:linClrLst meth="repeat">
+      <a:schemeClr val="lt1"/>
+    </dgm:linClrLst>
+    <dgm:effectClrLst/>
+    <dgm:txLinClrLst/>
+    <dgm:txFillClrLst/>
+    <dgm:txEffectClrLst/>
+  </dgm:styleLbl>
+  <dgm:styleLbl name="node3">
+    <dgm:fillClrLst meth="repeat">
+      <a:schemeClr val="accent1"/>
+    </dgm:fillClrLst>
+    <dgm:linClrLst meth="repeat">
+      <a:schemeClr val="lt1"/>
+    </dgm:linClrLst>
+    <dgm:effectClrLst/>
+    <dgm:txLinClrLst/>
+    <dgm:txFillClrLst/>
+    <dgm:txEffectClrLst/>
+  </dgm:styleLbl>
+  <dgm:styleLbl name="node4">
+    <dgm:fillClrLst meth="repeat">
+      <a:schemeClr val="accent1"/>
+    </dgm:fillClrLst>
+    <dgm:linClrLst meth="repeat">
+      <a:schemeClr val="lt1"/>
+    </dgm:linClrLst>
+    <dgm:effectClrLst/>
+    <dgm:txLinClrLst/>
+    <dgm:txFillClrLst/>
+    <dgm:txEffectClrLst/>
+  </dgm:styleLbl>
+  <dgm:styleLbl name="fgImgPlace1">
+    <dgm:fillClrLst meth="repeat">
+      <a:schemeClr val="accent1">
+        <a:tint val="50000"/>
+      </a:schemeClr>
+    </dgm:fillClrLst>
+    <dgm:linClrLst meth="repeat">
+      <a:schemeClr val="lt1"/>
+    </dgm:linClrLst>
+    <dgm:effectClrLst/>
+    <dgm:txLinClrLst/>
+    <dgm:txFillClrLst meth="repeat">
+      <a:schemeClr val="lt1"/>
+    </dgm:txFillClrLst>
+    <dgm:txEffectClrLst/>
+  </dgm:styleLbl>
+  <dgm:styleLbl name="alignImgPlace1">
+    <dgm:fillClrLst meth="repeat">
+      <a:schemeClr val="accent1">
+        <a:tint val="50000"/>
+      </a:schemeClr>
+    </dgm:fillClrLst>
+    <dgm:linClrLst meth="repeat">
+      <a:schemeClr val="lt1"/>
+    </dgm:linClrLst>
+    <dgm:effectClrLst/>
+    <dgm:txLinClrLst/>
+    <dgm:txFillClrLst meth="repeat">
+      <a:schemeClr val="lt1"/>
+    </dgm:txFillClrLst>
+    <dgm:txEffectClrLst/>
+  </dgm:styleLbl>
+  <dgm:styleLbl name="bgImgPlace1">
+    <dgm:fillClrLst meth="repeat">
+      <a:schemeClr val="accent1">
+        <a:tint val="50000"/>
+      </a:schemeClr>
+    </dgm:fillClrLst>
+    <dgm:linClrLst meth="repeat">
+      <a:schemeClr val="lt1"/>
+    </dgm:linClrLst>
+    <dgm:effectClrLst/>
+    <dgm:txLinClrLst/>
+    <dgm:txFillClrLst meth="repeat">
+      <a:schemeClr val="lt1"/>
+    </dgm:txFillClrLst>
+    <dgm:txEffectClrLst/>
+  </dgm:styleLbl>
+  <dgm:styleLbl name="sibTrans2D1">
+    <dgm:fillClrLst meth="repeat">
+      <a:schemeClr val="accent1">
+        <a:tint val="60000"/>
+      </a:schemeClr>
+    </dgm:fillClrLst>
+    <dgm:linClrLst meth="repeat">
+      <a:schemeClr val="accent1">
+        <a:tint val="60000"/>
+      </a:schemeClr>
+    </dgm:linClrLst>
+    <dgm:effectClrLst/>
+    <dgm:txLinClrLst/>
+    <dgm:txFillClrLst/>
+    <dgm:txEffectClrLst/>
+  </dgm:styleLbl>
+  <dgm:styleLbl name="fgSibTrans2D1">
+    <dgm:fillClrLst meth="repeat">
+      <a:schemeClr val="accent1">
+        <a:tint val="60000"/>
+      </a:schemeClr>
+    </dgm:fillClrLst>
+    <dgm:linClrLst meth="repeat">
+      <a:schemeClr val="accent1">
+        <a:tint val="60000"/>
+      </a:schemeClr>
+    </dgm:linClrLst>
+    <dgm:effectClrLst/>
+    <dgm:txLinClrLst/>
+    <dgm:txFillClrLst/>
+    <dgm:txEffectClrLst/>
+  </dgm:styleLbl>
+  <dgm:styleLbl name="bgSibTrans2D1">
+    <dgm:fillClrLst meth="repeat">
+      <a:schemeClr val="accent1">
+        <a:tint val="60000"/>
+      </a:schemeClr>
+    </dgm:fillClrLst>
+    <dgm:linClrLst meth="repeat">
+      <a:schemeClr val="accent1">
+        <a:tint val="60000"/>
+      </a:schemeClr>
+    </dgm:linClrLst>
+    <dgm:effectClrLst/>
+    <dgm:txLinClrLst/>
+    <dgm:txFillClrLst/>
+    <dgm:txEffectClrLst/>
+  </dgm:styleLbl>
+  <dgm:styleLbl name="sibTrans1D1">
+    <dgm:fillClrLst meth="repeat">
+      <a:schemeClr val="accent1"/>
+    </dgm:fillClrLst>
+    <dgm:linClrLst meth="repeat">
+      <a:schemeClr val="accent1"/>
+    </dgm:linClrLst>
+    <dgm:effectClrLst/>
+    <dgm:txLinClrLst/>
+    <dgm:txFillClrLst meth="repeat">
+      <a:schemeClr val="tx1"/>
+    </dgm:txFillClrLst>
+    <dgm:txEffectClrLst/>
+  </dgm:styleLbl>
+  <dgm:styleLbl name="callout">
+    <dgm:fillClrLst meth="repeat">
+      <a:schemeClr val="accent1"/>
+    </dgm:fillClrLst>
+    <dgm:linClrLst meth="repeat">
+      <a:schemeClr val="accent1">
+        <a:tint val="50000"/>
+      </a:schemeClr>
+    </dgm:linClrLst>
+    <dgm:effectClrLst/>
+    <dgm:txLinClrLst/>
+    <dgm:txFillClrLst meth="repeat">
+      <a:schemeClr val="tx1"/>
+    </dgm:txFillClrLst>
+    <dgm:txEffectClrLst/>
+  </dgm:styleLbl>
+  <dgm:styleLbl name="asst0">
+    <dgm:fillClrLst meth="repeat">
+      <a:schemeClr val="accent1"/>
+    </dgm:fillClrLst>
+    <dgm:linClrLst meth="repeat">
+      <a:schemeClr val="lt1"/>
+    </dgm:linClrLst>
+    <dgm:effectClrLst/>
+    <dgm:txLinClrLst/>
+    <dgm:txFillClrLst/>
+    <dgm:txEffectClrLst/>
+  </dgm:styleLbl>
+  <dgm:styleLbl name="asst1">
+    <dgm:fillClrLst meth="repeat">
+      <a:schemeClr val="accent1"/>
+    </dgm:fillClrLst>
+    <dgm:linClrLst meth="repeat">
+      <a:schemeClr val="lt1"/>
+    </dgm:linClrLst>
+    <dgm:effectClrLst/>
+    <dgm:txLinClrLst/>
+    <dgm:txFillClrLst/>
+    <dgm:txEffectClrLst/>
+  </dgm:styleLbl>
+  <dgm:styleLbl name="asst2">
+    <dgm:fillClrLst meth="repeat">
+      <a:schemeClr val="accent1"/>
+    </dgm:fillClrLst>
+    <dgm:linClrLst meth="repeat">
+      <a:schemeClr val="lt1"/>
+    </dgm:linClrLst>
+    <dgm:effectClrLst/>
+    <dgm:txLinClrLst/>
+    <dgm:txFillClrLst/>
+    <dgm:txEffectClrLst/>
+  </dgm:styleLbl>
+  <dgm:styleLbl name="asst3">
+    <dgm:fillClrLst meth="repeat">
+      <a:schemeClr val="accent1"/>
+    </dgm:fillClrLst>
+    <dgm:linClrLst meth="repeat">
+      <a:schemeClr val="lt1"/>
+    </dgm:linClrLst>
+    <dgm:effectClrLst/>
+    <dgm:txLinClrLst/>
+    <dgm:txFillClrLst/>
+    <dgm:txEffectClrLst/>
+  </dgm:styleLbl>
+  <dgm:styleLbl name="asst4">
+    <dgm:fillClrLst meth="repeat">
+      <a:schemeClr val="accent1"/>
+    </dgm:fillClrLst>
+    <dgm:linClrLst meth="repeat">
+      <a:schemeClr val="lt1"/>
+    </dgm:linClrLst>
+    <dgm:effectClrLst/>
+    <dgm:txLinClrLst/>
+    <dgm:txFillClrLst/>
+    <dgm:txEffectClrLst/>
+  </dgm:styleLbl>
+  <dgm:styleLbl name="parChTrans2D1">
+    <dgm:fillClrLst meth="repeat">
+      <a:schemeClr val="accent1">
+        <a:tint val="60000"/>
+      </a:schemeClr>
+    </dgm:fillClrLst>
+    <dgm:linClrLst meth="repeat">
+      <a:schemeClr val="accent1">
+        <a:tint val="60000"/>
+      </a:schemeClr>
+    </dgm:linClrLst>
+    <dgm:effectClrLst/>
+    <dgm:txLinClrLst/>
+    <dgm:txFillClrLst meth="repeat">
+      <a:schemeClr val="lt1"/>
+    </dgm:txFillClrLst>
+    <dgm:txEffectClrLst/>
+  </dgm:styleLbl>
+  <dgm:styleLbl name="parChTrans2D2">
+    <dgm:fillClrLst meth="repeat">
+      <a:schemeClr val="accent1"/>
+    </dgm:fillClrLst>
+    <dgm:linClrLst meth="repeat">
+      <a:schemeClr val="accent1"/>
+    </dgm:linClrLst>
+    <dgm:effectClrLst/>
+    <dgm:txLinClrLst/>
+    <dgm:txFillClrLst meth="repeat">
+      <a:schemeClr val="lt1"/>
+    </dgm:txFillClrLst>
+    <dgm:txEffectClrLst/>
+  </dgm:styleLbl>
+  <dgm:styleLbl name="parChTrans2D3">
+    <dgm:fillClrLst meth="repeat">
+      <a:schemeClr val="accent1"/>
+    </dgm:fillClrLst>
+    <dgm:linClrLst meth="repeat">
+      <a:schemeClr val="accent1"/>
+    </dgm:linClrLst>
+    <dgm:effectClrLst/>
+    <dgm:txLinClrLst/>
+    <dgm:txFillClrLst meth="repeat">
+      <a:schemeClr val="lt1"/>
+    </dgm:txFillClrLst>
+    <dgm:txEffectClrLst/>
+  </dgm:styleLbl>
+  <dgm:styleLbl name="parChTrans2D4">
+    <dgm:fillClrLst meth="repeat">
+      <a:schemeClr val="accent1"/>
+    </dgm:fillClrLst>
+    <dgm:linClrLst meth="repeat">
+      <a:schemeClr val="accent1"/>
+    </dgm:linClrLst>
+    <dgm:effectClrLst/>
+    <dgm:txLinClrLst/>
+    <dgm:txFillClrLst meth="repeat">
+      <a:schemeClr val="lt1"/>
+    </dgm:txFillClrLst>
+    <dgm:txEffectClrLst/>
+  </dgm:styleLbl>
+  <dgm:styleLbl name="parChTrans1D1">
+    <dgm:fillClrLst meth="repeat">
+      <a:schemeClr val="accent1"/>
+    </dgm:fillClrLst>
+    <dgm:linClrLst meth="repeat">
+      <a:schemeClr val="accent1">
+        <a:shade val="60000"/>
+      </a:schemeClr>
+    </dgm:linClrLst>
+    <dgm:effectClrLst/>
+    <dgm:txLinClrLst/>
+    <dgm:txFillClrLst meth="repeat">
+      <a:schemeClr val="tx1"/>
+    </dgm:txFillClrLst>
+    <dgm:txEffectClrLst/>
+  </dgm:styleLbl>
+  <dgm:styleLbl name="parChTrans1D2">
+    <dgm:fillClrLst meth="repeat">
+      <a:schemeClr val="accent1"/>
+    </dgm:fillClrLst>
+    <dgm:linClrLst meth="repeat">
+      <a:schemeClr val="accent1">
+        <a:shade val="60000"/>
+      </a:schemeClr>
+    </dgm:linClrLst>
+    <dgm:effectClrLst/>
+    <dgm:txLinClrLst/>
+    <dgm:txFillClrLst meth="repeat">
+      <a:schemeClr val="tx1"/>
+    </dgm:txFillClrLst>
+    <dgm:txEffectClrLst/>
+  </dgm:styleLbl>
+  <dgm:styleLbl name="parChTrans1D3">
+    <dgm:fillClrLst meth="repeat">
+      <a:schemeClr val="accent1"/>
+    </dgm:fillClrLst>
+    <dgm:linClrLst meth="repeat">
+      <a:schemeClr val="accent1">
+        <a:shade val="80000"/>
+      </a:schemeClr>
+    </dgm:linClrLst>
+    <dgm:effectClrLst/>
+    <dgm:txLinClrLst/>
+    <dgm:txFillClrLst meth="repeat">
+      <a:schemeClr val="tx1"/>
+    </dgm:txFillClrLst>
+    <dgm:txEffectClrLst/>
+  </dgm:styleLbl>
+  <dgm:styleLbl name="parChTrans1D4">
+    <dgm:fillClrLst meth="repeat">
+      <a:schemeClr val="accent1"/>
+    </dgm:fillClrLst>
+    <dgm:linClrLst meth="repeat">
+      <a:schemeClr val="accent1">
+        <a:shade val="80000"/>
+      </a:schemeClr>
+    </dgm:linClrLst>
+    <dgm:effectClrLst/>
+    <dgm:txLinClrLst/>
+    <dgm:txFillClrLst meth="repeat">
+      <a:schemeClr val="tx1"/>
+    </dgm:txFillClrLst>
+    <dgm:txEffectClrLst/>
+  </dgm:styleLbl>
+  <dgm:styleLbl name="fgAcc1">
+    <dgm:fillClrLst meth="repeat">
+      <a:schemeClr val="lt1">
+        <a:alpha val="90000"/>
+      </a:schemeClr>
+    </dgm:fillClrLst>
+    <dgm:linClrLst meth="repeat">
+      <a:schemeClr val="accent1"/>
+    </dgm:linClrLst>
+    <dgm:effectClrLst/>
+    <dgm:txLinClrLst/>
+    <dgm:txFillClrLst meth="repeat">
+      <a:schemeClr val="dk1"/>
+    </dgm:txFillClrLst>
+    <dgm:txEffectClrLst/>
+  </dgm:styleLbl>
+  <dgm:styleLbl name="conFgAcc1">
+    <dgm:fillClrLst meth="repeat">
+      <a:schemeClr val="lt1">
+        <a:alpha val="90000"/>
+      </a:schemeClr>
+    </dgm:fillClrLst>
+    <dgm:linClrLst meth="repeat">
+      <a:schemeClr val="accent1"/>
+    </dgm:linClrLst>
+    <dgm:effectClrLst/>
+    <dgm:txLinClrLst/>
+    <dgm:txFillClrLst meth="repeat">
+      <a:schemeClr val="dk1"/>
+    </dgm:txFillClrLst>
+    <dgm:txEffectClrLst/>
+  </dgm:styleLbl>
+  <dgm:styleLbl name="alignAcc1">
+    <dgm:fillClrLst meth="repeat">
+      <a:schemeClr val="lt1">
+        <a:alpha val="90000"/>
+      </a:schemeClr>
+    </dgm:fillClrLst>
+    <dgm:linClrLst meth="repeat">
+      <a:schemeClr val="accent1"/>
+    </dgm:linClrLst>
+    <dgm:effectClrLst/>
+    <dgm:txLinClrLst/>
+    <dgm:txFillClrLst meth="repeat">
+      <a:schemeClr val="dk1"/>
+    </dgm:txFillClrLst>
+    <dgm:txEffectClrLst/>
+  </dgm:styleLbl>
+  <dgm:styleLbl name="trAlignAcc1">
+    <dgm:fillClrLst meth="repeat">
+      <a:schemeClr val="lt1">
+        <a:alpha val="40000"/>
+      </a:schemeClr>
+    </dgm:fillClrLst>
+    <dgm:linClrLst meth="repeat">
+      <a:schemeClr val="accent1"/>
+    </dgm:linClrLst>
+    <dgm:effectClrLst/>
+    <dgm:txLinClrLst/>
+    <dgm:txFillClrLst meth="repeat">
+      <a:schemeClr val="dk1"/>
+    </dgm:txFillClrLst>
+    <dgm:txEffectClrLst/>
+  </dgm:styleLbl>
+  <dgm:styleLbl name="bgAcc1">
+    <dgm:fillClrLst meth="repeat">
+      <a:schemeClr val="lt1">
+        <a:alpha val="90000"/>
+      </a:schemeClr>
+    </dgm:fillClrLst>
+    <dgm:linClrLst meth="repeat">
+      <a:schemeClr val="accent1"/>
+    </dgm:linClrLst>
+    <dgm:effectClrLst/>
+    <dgm:txLinClrLst/>
+    <dgm:txFillClrLst meth="repeat">
+      <a:schemeClr val="dk1"/>
+    </dgm:txFillClrLst>
+    <dgm:txEffectClrLst/>
+  </dgm:styleLbl>
+  <dgm:styleLbl name="solidFgAcc1">
+    <dgm:fillClrLst meth="repeat">
+      <a:schemeClr val="lt1"/>
+    </dgm:fillClrLst>
+    <dgm:linClrLst meth="repeat">
+      <a:schemeClr val="accent1"/>
+    </dgm:linClrLst>
+    <dgm:effectClrLst/>
+    <dgm:txLinClrLst/>
+    <dgm:txFillClrLst meth="repeat">
+      <a:schemeClr val="dk1"/>
+    </dgm:txFillClrLst>
+    <dgm:txEffectClrLst/>
+  </dgm:styleLbl>
+  <dgm:styleLbl name="solidAlignAcc1">
+    <dgm:fillClrLst meth="repeat">
+      <a:schemeClr val="lt1"/>
+    </dgm:fillClrLst>
+    <dgm:linClrLst meth="repeat">
+      <a:schemeClr val="accent1"/>
+    </dgm:linClrLst>
+    <dgm:effectClrLst/>
+    <dgm:txLinClrLst/>
+    <dgm:txFillClrLst meth="repeat">
+      <a:schemeClr val="dk1"/>
+    </dgm:txFillClrLst>
+    <dgm:txEffectClrLst/>
+  </dgm:styleLbl>
+  <dgm:styleLbl name="solidBgAcc1">
+    <dgm:fillClrLst meth="repeat">
+      <a:schemeClr val="lt1"/>
+    </dgm:fillClrLst>
+    <dgm:linClrLst meth="repeat">
+      <a:schemeClr val="accent1"/>
+    </dgm:linClrLst>
+    <dgm:effectClrLst/>
+    <dgm:txLinClrLst/>
+    <dgm:txFillClrLst meth="repeat">
+      <a:schemeClr val="dk1"/>
+    </dgm:txFillClrLst>
+    <dgm:txEffectClrLst/>
+  </dgm:styleLbl>
+  <dgm:styleLbl name="fgAccFollowNode1">
+    <dgm:fillClrLst meth="repeat">
+      <a:schemeClr val="accent1">
+        <a:alpha val="90000"/>
+        <a:tint val="40000"/>
+      </a:schemeClr>
+    </dgm:fillClrLst>
+    <dgm:linClrLst meth="repeat">
+      <a:schemeClr val="accent1">
+        <a:alpha val="90000"/>
+        <a:tint val="40000"/>
+      </a:schemeClr>
+    </dgm:linClrLst>
+    <dgm:effectClrLst/>
+    <dgm:txLinClrLst/>
+    <dgm:txFillClrLst meth="repeat">
+      <a:schemeClr val="dk1"/>
+    </dgm:txFillClrLst>
+    <dgm:txEffectClrLst/>
+  </dgm:styleLbl>
+  <dgm:styleLbl name="alignAccFollowNode1">
+    <dgm:fillClrLst meth="repeat">
+      <a:schemeClr val="accent1">
+        <a:alpha val="90000"/>
+        <a:tint val="40000"/>
+      </a:schemeClr>
+    </dgm:fillClrLst>
+    <dgm:linClrLst meth="repeat">
+      <a:schemeClr val="accent1">
+        <a:alpha val="90000"/>
+        <a:tint val="40000"/>
+      </a:schemeClr>
+    </dgm:linClrLst>
+    <dgm:effectClrLst/>
+    <dgm:txLinClrLst/>
+    <dgm:txFillClrLst meth="repeat">
+      <a:schemeClr val="dk1"/>
+    </dgm:txFillClrLst>
+    <dgm:txEffectClrLst/>
+  </dgm:styleLbl>
+  <dgm:styleLbl name="bgAccFollowNode1">
+    <dgm:fillClrLst meth="repeat">
+      <a:schemeClr val="accent1">
+        <a:alpha val="90000"/>
+        <a:tint val="40000"/>
+      </a:schemeClr>
+    </dgm:fillClrLst>
+    <dgm:linClrLst meth="repeat">
+      <a:schemeClr val="accent1">
+        <a:alpha val="90000"/>
+        <a:tint val="40000"/>
+      </a:schemeClr>
+    </dgm:linClrLst>
+    <dgm:effectClrLst/>
+    <dgm:txLinClrLst/>
+    <dgm:txFillClrLst meth="repeat">
+      <a:schemeClr val="dk1"/>
+    </dgm:txFillClrLst>
+    <dgm:txEffectClrLst/>
+  </dgm:styleLbl>
+  <dgm:styleLbl name="fgAcc0">
+    <dgm:fillClrLst meth="repeat">
+      <a:schemeClr val="lt1">
+        <a:alpha val="90000"/>
+      </a:schemeClr>
+    </dgm:fillClrLst>
+    <dgm:linClrLst meth="repeat">
+      <a:schemeClr val="accent1"/>
+    </dgm:linClrLst>
+    <dgm:effectClrLst/>
+    <dgm:txLinClrLst/>
+    <dgm:txFillClrLst meth="repeat">
+      <a:schemeClr val="dk1"/>
+    </dgm:txFillClrLst>
+    <dgm:txEffectClrLst/>
+  </dgm:styleLbl>
+  <dgm:styleLbl name="fgAcc2">
+    <dgm:fillClrLst meth="repeat">
+      <a:schemeClr val="lt1">
+        <a:alpha val="90000"/>
+      </a:schemeClr>
+    </dgm:fillClrLst>
+    <dgm:linClrLst meth="repeat">
+      <a:schemeClr val="accent1"/>
+    </dgm:linClrLst>
+    <dgm:effectClrLst/>
+    <dgm:txLinClrLst/>
+    <dgm:txFillClrLst meth="repeat">
+      <a:schemeClr val="dk1"/>
+    </dgm:txFillClrLst>
+    <dgm:txEffectClrLst/>
+  </dgm:styleLbl>
+  <dgm:styleLbl name="fgAcc3">
+    <dgm:fillClrLst meth="repeat">
+      <a:schemeClr val="lt1">
+        <a:alpha val="90000"/>
+      </a:schemeClr>
+    </dgm:fillClrLst>
+    <dgm:linClrLst meth="repeat">
+      <a:schemeClr val="accent1"/>
+    </dgm:linClrLst>
+    <dgm:effectClrLst/>
+    <dgm:txLinClrLst/>
+    <dgm:txFillClrLst meth="repeat">
+      <a:schemeClr val="dk1"/>
+    </dgm:txFillClrLst>
+    <dgm:txEffectClrLst/>
+  </dgm:styleLbl>
+  <dgm:styleLbl name="fgAcc4">
+    <dgm:fillClrLst meth="repeat">
+      <a:schemeClr val="lt1">
+        <a:alpha val="90000"/>
+      </a:schemeClr>
+    </dgm:fillClrLst>
+    <dgm:linClrLst meth="repeat">
+      <a:schemeClr val="accent1"/>
+    </dgm:linClrLst>
+    <dgm:effectClrLst/>
+    <dgm:txLinClrLst/>
+    <dgm:txFillClrLst meth="repeat">
+      <a:schemeClr val="dk1"/>
+    </dgm:txFillClrLst>
+    <dgm:txEffectClrLst/>
+  </dgm:styleLbl>
+  <dgm:styleLbl name="bgShp">
+    <dgm:fillClrLst meth="repeat">
+      <a:schemeClr val="accent1">
+        <a:tint val="40000"/>
+      </a:schemeClr>
+    </dgm:fillClrLst>
+    <dgm:linClrLst meth="repeat">
+      <a:schemeClr val="accent1"/>
+    </dgm:linClrLst>
+    <dgm:effectClrLst/>
+    <dgm:txLinClrLst/>
+    <dgm:txFillClrLst meth="repeat">
+      <a:schemeClr val="dk1"/>
+    </dgm:txFillClrLst>
+    <dgm:txEffectClrLst/>
+  </dgm:styleLbl>
+  <dgm:styleLbl name="dkBgShp">
+    <dgm:fillClrLst meth="repeat">
+      <a:schemeClr val="accent1">
+        <a:shade val="80000"/>
+      </a:schemeClr>
+    </dgm:fillClrLst>
+    <dgm:linClrLst meth="repeat">
+      <a:schemeClr val="accent1"/>
+    </dgm:linClrLst>
+    <dgm:effectClrLst/>
+    <dgm:txLinClrLst/>
+    <dgm:txFillClrLst meth="repeat">
+      <a:schemeClr val="lt1"/>
+    </dgm:txFillClrLst>
+    <dgm:txEffectClrLst/>
+  </dgm:styleLbl>
+  <dgm:styleLbl name="trBgShp">
+    <dgm:fillClrLst meth="repeat">
+      <a:schemeClr val="accent1">
+        <a:tint val="50000"/>
+        <a:alpha val="40000"/>
+      </a:schemeClr>
+    </dgm:fillClrLst>
+    <dgm:linClrLst meth="repeat">
+      <a:schemeClr val="accent1"/>
+    </dgm:linClrLst>
+    <dgm:effectClrLst/>
+    <dgm:txLinClrLst/>
+    <dgm:txFillClrLst meth="repeat">
+      <a:schemeClr val="lt1"/>
+    </dgm:txFillClrLst>
+    <dgm:txEffectClrLst/>
+  </dgm:styleLbl>
+  <dgm:styleLbl name="fgShp">
+    <dgm:fillClrLst meth="repeat">
+      <a:schemeClr val="accent1">
+        <a:tint val="60000"/>
+      </a:schemeClr>
+    </dgm:fillClrLst>
+    <dgm:linClrLst meth="repeat">
+      <a:schemeClr val="lt1"/>
+    </dgm:linClrLst>
+    <dgm:effectClrLst/>
+    <dgm:txLinClrLst/>
+    <dgm:txFillClrLst meth="repeat">
+      <a:schemeClr val="dk1"/>
+    </dgm:txFillClrLst>
+    <dgm:txEffectClrLst/>
+  </dgm:styleLbl>
+  <dgm:styleLbl name="revTx">
+    <dgm:fillClrLst meth="repeat">
+      <a:schemeClr val="lt1">
+        <a:alpha val="0"/>
+      </a:schemeClr>
+    </dgm:fillClrLst>
+    <dgm:linClrLst meth="repeat">
+      <a:schemeClr val="dk1">
+        <a:alpha val="0"/>
+      </a:schemeClr>
+    </dgm:linClrLst>
+    <dgm:effectClrLst/>
+    <dgm:txLinClrLst/>
+    <dgm:txFillClrLst meth="repeat">
+      <a:schemeClr val="tx1"/>
+    </dgm:txFillClrLst>
+    <dgm:txEffectClrLst/>
+  </dgm:styleLbl>
+</dgm:colorsDef>
+</file>
+
+<file path=ppt/diagrams/data1.xml><?xml version="1.0" encoding="utf-8"?>
+<dgm:dataModel xmlns:dgm="http://schemas.openxmlformats.org/drawingml/2006/diagram" xmlns:a="http://schemas.openxmlformats.org/drawingml/2006/main">
+  <dgm:ptLst>
+    <dgm:pt modelId="{96EE3232-E623-4145-BBED-908D5BAA2D1D}" type="doc">
+      <dgm:prSet loTypeId="urn:microsoft.com/office/officeart/2005/8/layout/hChevron3" loCatId="process" qsTypeId="urn:microsoft.com/office/officeart/2005/8/quickstyle/simple1" qsCatId="simple" csTypeId="urn:microsoft.com/office/officeart/2005/8/colors/accent1_2" csCatId="accent1" phldr="1"/>
+      <dgm:spPr/>
+    </dgm:pt>
+    <dgm:pt modelId="{929F91B0-BD21-4B07-9B4F-8D60DFC914D8}">
+      <dgm:prSet phldrT="[Texto]" custT="1"/>
+      <dgm:spPr/>
+      <dgm:t>
+        <a:bodyPr/>
+        <a:lstStyle/>
+        <a:p>
+          <a:r>
+            <a:rPr lang="es-PE" sz="2000" b="1" dirty="0" smtClean="0"/>
+            <a:t>Small </a:t>
+          </a:r>
+          <a:br>
+            <a:rPr lang="es-PE" sz="2000" b="1" dirty="0" smtClean="0"/>
+          </a:br>
+          <a:r>
+            <a:rPr lang="es-PE" sz="2000" b="1" dirty="0" smtClean="0"/>
+            <a:t>Reversible Step</a:t>
+          </a:r>
+          <a:endParaRPr lang="es-PE" sz="2000" b="1" dirty="0"/>
+        </a:p>
+      </dgm:t>
+    </dgm:pt>
+    <dgm:pt modelId="{CA2F08B3-CF01-4986-8152-3624A4F2AC4E}" type="parTrans" cxnId="{82B7E5CA-A4C8-4692-A1B5-7ADF4AB07726}">
+      <dgm:prSet/>
+      <dgm:spPr/>
+      <dgm:t>
+        <a:bodyPr/>
+        <a:lstStyle/>
+        <a:p>
+          <a:endParaRPr lang="es-PE" sz="2000" b="1"/>
+        </a:p>
+      </dgm:t>
+    </dgm:pt>
+    <dgm:pt modelId="{79600B01-B4F8-4175-8A7B-E3425018CA38}" type="sibTrans" cxnId="{82B7E5CA-A4C8-4692-A1B5-7ADF4AB07726}">
+      <dgm:prSet/>
+      <dgm:spPr/>
+      <dgm:t>
+        <a:bodyPr/>
+        <a:lstStyle/>
+        <a:p>
+          <a:endParaRPr lang="es-PE" sz="2000" b="1"/>
+        </a:p>
+      </dgm:t>
+    </dgm:pt>
+    <dgm:pt modelId="{C83B2C2A-AB5F-4A5B-9910-56760C9E7CDD}">
+      <dgm:prSet phldrT="[Texto]" custT="1"/>
+      <dgm:spPr/>
+      <dgm:t>
+        <a:bodyPr/>
+        <a:lstStyle/>
+        <a:p>
+          <a:r>
+            <a:rPr lang="es-PE" sz="2000" b="1" dirty="0" err="1" smtClean="0"/>
+            <a:t>Run</a:t>
+          </a:r>
+          <a:r>
+            <a:rPr lang="es-PE" sz="2000" b="1" dirty="0" smtClean="0"/>
+            <a:t> Test</a:t>
+          </a:r>
+          <a:endParaRPr lang="es-PE" sz="2000" b="1" dirty="0"/>
+        </a:p>
+      </dgm:t>
+    </dgm:pt>
+    <dgm:pt modelId="{24067175-C57A-4DE8-8085-B912BDF64348}" type="parTrans" cxnId="{5F199D80-7813-4348-A254-575ABFC41F61}">
+      <dgm:prSet/>
+      <dgm:spPr/>
+      <dgm:t>
+        <a:bodyPr/>
+        <a:lstStyle/>
+        <a:p>
+          <a:endParaRPr lang="es-PE" sz="2000" b="1"/>
+        </a:p>
+      </dgm:t>
+    </dgm:pt>
+    <dgm:pt modelId="{A1D11034-E459-4563-B98D-5CE0F87FF764}" type="sibTrans" cxnId="{5F199D80-7813-4348-A254-575ABFC41F61}">
+      <dgm:prSet/>
+      <dgm:spPr/>
+      <dgm:t>
+        <a:bodyPr/>
+        <a:lstStyle/>
+        <a:p>
+          <a:endParaRPr lang="es-PE" sz="2000" b="1"/>
+        </a:p>
+      </dgm:t>
+    </dgm:pt>
+    <dgm:pt modelId="{C24911E4-DA2A-43E2-AB6B-BD2857E2E05A}">
+      <dgm:prSet phldrT="[Texto]" custT="1"/>
+      <dgm:spPr/>
+      <dgm:t>
+        <a:bodyPr/>
+        <a:lstStyle/>
+        <a:p>
+          <a:r>
+            <a:rPr lang="es-PE" sz="2000" b="1" dirty="0" smtClean="0"/>
+            <a:t>Small </a:t>
+          </a:r>
+          <a:br>
+            <a:rPr lang="es-PE" sz="2000" b="1" dirty="0" smtClean="0"/>
+          </a:br>
+          <a:r>
+            <a:rPr lang="es-PE" sz="2000" b="1" dirty="0" smtClean="0"/>
+            <a:t>Reversible Step</a:t>
+          </a:r>
+          <a:endParaRPr lang="es-PE" sz="2000" b="1" dirty="0"/>
+        </a:p>
+      </dgm:t>
+    </dgm:pt>
+    <dgm:pt modelId="{BC869E05-7E5D-44DB-AC97-B74361BC9A49}" type="parTrans" cxnId="{E2C6C5B3-AA43-4746-95E8-9C7F34C49ADA}">
+      <dgm:prSet/>
+      <dgm:spPr/>
+      <dgm:t>
+        <a:bodyPr/>
+        <a:lstStyle/>
+        <a:p>
+          <a:endParaRPr lang="es-PE" sz="2000" b="1"/>
+        </a:p>
+      </dgm:t>
+    </dgm:pt>
+    <dgm:pt modelId="{0ACBF11A-80E8-4C62-A3BE-10CDA4C34FBF}" type="sibTrans" cxnId="{E2C6C5B3-AA43-4746-95E8-9C7F34C49ADA}">
+      <dgm:prSet/>
+      <dgm:spPr/>
+      <dgm:t>
+        <a:bodyPr/>
+        <a:lstStyle/>
+        <a:p>
+          <a:endParaRPr lang="es-PE" sz="2000" b="1"/>
+        </a:p>
+      </dgm:t>
+    </dgm:pt>
+    <dgm:pt modelId="{1EAB427B-E6B9-44BA-9CDC-A7759AFB5BDF}">
+      <dgm:prSet phldrT="[Texto]" custT="1"/>
+      <dgm:spPr/>
+      <dgm:t>
+        <a:bodyPr/>
+        <a:lstStyle/>
+        <a:p>
+          <a:r>
+            <a:rPr lang="es-PE" sz="2000" b="1" dirty="0" err="1" smtClean="0"/>
+            <a:t>Run</a:t>
+          </a:r>
+          <a:r>
+            <a:rPr lang="es-PE" sz="2000" b="1" dirty="0" smtClean="0"/>
+            <a:t> Test</a:t>
+          </a:r>
+          <a:endParaRPr lang="es-PE" sz="2000" b="1" dirty="0"/>
+        </a:p>
+      </dgm:t>
+    </dgm:pt>
+    <dgm:pt modelId="{B3CBBC0B-244C-4849-9D6E-FD3D02FD3FB2}" type="parTrans" cxnId="{D59B5E5E-5C25-46A9-A6A9-8D2E0B11F5DB}">
+      <dgm:prSet/>
+      <dgm:spPr/>
+      <dgm:t>
+        <a:bodyPr/>
+        <a:lstStyle/>
+        <a:p>
+          <a:endParaRPr lang="es-PE" sz="2000" b="1"/>
+        </a:p>
+      </dgm:t>
+    </dgm:pt>
+    <dgm:pt modelId="{644F676C-8046-435F-9D9E-A633D6F0DD72}" type="sibTrans" cxnId="{D59B5E5E-5C25-46A9-A6A9-8D2E0B11F5DB}">
+      <dgm:prSet/>
+      <dgm:spPr/>
+      <dgm:t>
+        <a:bodyPr/>
+        <a:lstStyle/>
+        <a:p>
+          <a:endParaRPr lang="es-PE" sz="2000" b="1"/>
+        </a:p>
+      </dgm:t>
+    </dgm:pt>
+    <dgm:pt modelId="{758B9A48-0883-48CD-A004-3F90C49BECF0}">
+      <dgm:prSet phldrT="[Texto]" custT="1"/>
+      <dgm:spPr/>
+      <dgm:t>
+        <a:bodyPr/>
+        <a:lstStyle/>
+        <a:p>
+          <a:r>
+            <a:rPr lang="es-PE" sz="2000" b="1" dirty="0" smtClean="0"/>
+            <a:t>….</a:t>
+          </a:r>
+          <a:endParaRPr lang="es-PE" sz="2000" b="1" dirty="0"/>
+        </a:p>
+      </dgm:t>
+    </dgm:pt>
+    <dgm:pt modelId="{9449CB00-C9F2-4E56-9E13-F1DCE5930CBB}" type="parTrans" cxnId="{C3796DD3-968C-423E-B43B-1BAABE63F1C2}">
+      <dgm:prSet/>
+      <dgm:spPr/>
+      <dgm:t>
+        <a:bodyPr/>
+        <a:lstStyle/>
+        <a:p>
+          <a:endParaRPr lang="es-PE" sz="2000" b="1"/>
+        </a:p>
+      </dgm:t>
+    </dgm:pt>
+    <dgm:pt modelId="{6E7D9170-6EEB-421C-A1F1-1D428F083DFE}" type="sibTrans" cxnId="{C3796DD3-968C-423E-B43B-1BAABE63F1C2}">
+      <dgm:prSet/>
+      <dgm:spPr/>
+      <dgm:t>
+        <a:bodyPr/>
+        <a:lstStyle/>
+        <a:p>
+          <a:endParaRPr lang="es-PE" sz="2000" b="1"/>
+        </a:p>
+      </dgm:t>
+    </dgm:pt>
+    <dgm:pt modelId="{BB2A4E98-5A33-4021-AC51-12AF1205649D}" type="pres">
+      <dgm:prSet presAssocID="{96EE3232-E623-4145-BBED-908D5BAA2D1D}" presName="Name0" presStyleCnt="0">
+        <dgm:presLayoutVars>
+          <dgm:dir/>
+          <dgm:resizeHandles val="exact"/>
+        </dgm:presLayoutVars>
+      </dgm:prSet>
+      <dgm:spPr/>
+    </dgm:pt>
+    <dgm:pt modelId="{24CAC893-EE9B-4D01-BB90-0CB36FFE22ED}" type="pres">
+      <dgm:prSet presAssocID="{929F91B0-BD21-4B07-9B4F-8D60DFC914D8}" presName="parTxOnly" presStyleLbl="node1" presStyleIdx="0" presStyleCnt="5" custScaleY="134125">
+        <dgm:presLayoutVars>
+          <dgm:bulletEnabled val="1"/>
+        </dgm:presLayoutVars>
+      </dgm:prSet>
+      <dgm:spPr/>
+      <dgm:t>
+        <a:bodyPr/>
+        <a:lstStyle/>
+        <a:p>
+          <a:endParaRPr lang="es-PE"/>
+        </a:p>
+      </dgm:t>
+    </dgm:pt>
+    <dgm:pt modelId="{ABE3886E-3425-438B-B611-116416A2FC63}" type="pres">
+      <dgm:prSet presAssocID="{79600B01-B4F8-4175-8A7B-E3425018CA38}" presName="parSpace" presStyleCnt="0"/>
+      <dgm:spPr/>
+    </dgm:pt>
+    <dgm:pt modelId="{B5F9542A-6098-4FB8-BB83-B5125E571D9D}" type="pres">
+      <dgm:prSet presAssocID="{C83B2C2A-AB5F-4A5B-9910-56760C9E7CDD}" presName="parTxOnly" presStyleLbl="node1" presStyleIdx="1" presStyleCnt="5" custScaleY="134125">
+        <dgm:presLayoutVars>
+          <dgm:bulletEnabled val="1"/>
+        </dgm:presLayoutVars>
+      </dgm:prSet>
+      <dgm:spPr/>
+      <dgm:t>
+        <a:bodyPr/>
+        <a:lstStyle/>
+        <a:p>
+          <a:endParaRPr lang="es-PE"/>
+        </a:p>
+      </dgm:t>
+    </dgm:pt>
+    <dgm:pt modelId="{581CEC35-BBCB-4CCB-8DE9-7BC6F424B69D}" type="pres">
+      <dgm:prSet presAssocID="{A1D11034-E459-4563-B98D-5CE0F87FF764}" presName="parSpace" presStyleCnt="0"/>
+      <dgm:spPr/>
+    </dgm:pt>
+    <dgm:pt modelId="{601A0D37-4256-4B03-929F-B3C0F426A913}" type="pres">
+      <dgm:prSet presAssocID="{C24911E4-DA2A-43E2-AB6B-BD2857E2E05A}" presName="parTxOnly" presStyleLbl="node1" presStyleIdx="2" presStyleCnt="5" custScaleX="119604" custScaleY="134125">
+        <dgm:presLayoutVars>
+          <dgm:bulletEnabled val="1"/>
+        </dgm:presLayoutVars>
+      </dgm:prSet>
+      <dgm:spPr/>
+      <dgm:t>
+        <a:bodyPr/>
+        <a:lstStyle/>
+        <a:p>
+          <a:endParaRPr lang="es-PE"/>
+        </a:p>
+      </dgm:t>
+    </dgm:pt>
+    <dgm:pt modelId="{288BFD18-0D6A-43FE-9B8E-7C7E8E59E907}" type="pres">
+      <dgm:prSet presAssocID="{0ACBF11A-80E8-4C62-A3BE-10CDA4C34FBF}" presName="parSpace" presStyleCnt="0"/>
+      <dgm:spPr/>
+    </dgm:pt>
+    <dgm:pt modelId="{28010DC8-3136-49BC-9983-7489D855A8B1}" type="pres">
+      <dgm:prSet presAssocID="{1EAB427B-E6B9-44BA-9CDC-A7759AFB5BDF}" presName="parTxOnly" presStyleLbl="node1" presStyleIdx="3" presStyleCnt="5" custScaleY="134125">
+        <dgm:presLayoutVars>
+          <dgm:bulletEnabled val="1"/>
+        </dgm:presLayoutVars>
+      </dgm:prSet>
+      <dgm:spPr/>
+      <dgm:t>
+        <a:bodyPr/>
+        <a:lstStyle/>
+        <a:p>
+          <a:endParaRPr lang="es-PE"/>
+        </a:p>
+      </dgm:t>
+    </dgm:pt>
+    <dgm:pt modelId="{53184AEF-A2E2-40E3-B552-69390D815681}" type="pres">
+      <dgm:prSet presAssocID="{644F676C-8046-435F-9D9E-A633D6F0DD72}" presName="parSpace" presStyleCnt="0"/>
+      <dgm:spPr/>
+    </dgm:pt>
+    <dgm:pt modelId="{1DD64DFB-8EE0-41B5-B8F9-3F2D3C1A3C58}" type="pres">
+      <dgm:prSet presAssocID="{758B9A48-0883-48CD-A004-3F90C49BECF0}" presName="parTxOnly" presStyleLbl="node1" presStyleIdx="4" presStyleCnt="5" custScaleY="134125">
+        <dgm:presLayoutVars>
+          <dgm:bulletEnabled val="1"/>
+        </dgm:presLayoutVars>
+      </dgm:prSet>
+      <dgm:spPr/>
+      <dgm:t>
+        <a:bodyPr/>
+        <a:lstStyle/>
+        <a:p>
+          <a:endParaRPr lang="es-PE"/>
+        </a:p>
+      </dgm:t>
+    </dgm:pt>
+  </dgm:ptLst>
+  <dgm:cxnLst>
+    <dgm:cxn modelId="{82E606AF-3931-524D-8E23-20052D692DA6}" type="presOf" srcId="{1EAB427B-E6B9-44BA-9CDC-A7759AFB5BDF}" destId="{28010DC8-3136-49BC-9983-7489D855A8B1}" srcOrd="0" destOrd="0" presId="urn:microsoft.com/office/officeart/2005/8/layout/hChevron3"/>
+    <dgm:cxn modelId="{832DA429-7B8D-8842-9C5E-B175197267FA}" type="presOf" srcId="{C24911E4-DA2A-43E2-AB6B-BD2857E2E05A}" destId="{601A0D37-4256-4B03-929F-B3C0F426A913}" srcOrd="0" destOrd="0" presId="urn:microsoft.com/office/officeart/2005/8/layout/hChevron3"/>
+    <dgm:cxn modelId="{5F199D80-7813-4348-A254-575ABFC41F61}" srcId="{96EE3232-E623-4145-BBED-908D5BAA2D1D}" destId="{C83B2C2A-AB5F-4A5B-9910-56760C9E7CDD}" srcOrd="1" destOrd="0" parTransId="{24067175-C57A-4DE8-8085-B912BDF64348}" sibTransId="{A1D11034-E459-4563-B98D-5CE0F87FF764}"/>
+    <dgm:cxn modelId="{E2C6C5B3-AA43-4746-95E8-9C7F34C49ADA}" srcId="{96EE3232-E623-4145-BBED-908D5BAA2D1D}" destId="{C24911E4-DA2A-43E2-AB6B-BD2857E2E05A}" srcOrd="2" destOrd="0" parTransId="{BC869E05-7E5D-44DB-AC97-B74361BC9A49}" sibTransId="{0ACBF11A-80E8-4C62-A3BE-10CDA4C34FBF}"/>
+    <dgm:cxn modelId="{A9441541-571F-9446-B850-68A0B3F51AA4}" type="presOf" srcId="{C83B2C2A-AB5F-4A5B-9910-56760C9E7CDD}" destId="{B5F9542A-6098-4FB8-BB83-B5125E571D9D}" srcOrd="0" destOrd="0" presId="urn:microsoft.com/office/officeart/2005/8/layout/hChevron3"/>
+    <dgm:cxn modelId="{59C362C0-7E73-4B4F-A867-5093C30BA437}" type="presOf" srcId="{96EE3232-E623-4145-BBED-908D5BAA2D1D}" destId="{BB2A4E98-5A33-4021-AC51-12AF1205649D}" srcOrd="0" destOrd="0" presId="urn:microsoft.com/office/officeart/2005/8/layout/hChevron3"/>
+    <dgm:cxn modelId="{19844C96-6DD3-4A4B-8D35-8B97BAC2729A}" type="presOf" srcId="{758B9A48-0883-48CD-A004-3F90C49BECF0}" destId="{1DD64DFB-8EE0-41B5-B8F9-3F2D3C1A3C58}" srcOrd="0" destOrd="0" presId="urn:microsoft.com/office/officeart/2005/8/layout/hChevron3"/>
+    <dgm:cxn modelId="{D59B5E5E-5C25-46A9-A6A9-8D2E0B11F5DB}" srcId="{96EE3232-E623-4145-BBED-908D5BAA2D1D}" destId="{1EAB427B-E6B9-44BA-9CDC-A7759AFB5BDF}" srcOrd="3" destOrd="0" parTransId="{B3CBBC0B-244C-4849-9D6E-FD3D02FD3FB2}" sibTransId="{644F676C-8046-435F-9D9E-A633D6F0DD72}"/>
+    <dgm:cxn modelId="{0D3ECD7B-047E-7845-8523-BC01877AC5FB}" type="presOf" srcId="{929F91B0-BD21-4B07-9B4F-8D60DFC914D8}" destId="{24CAC893-EE9B-4D01-BB90-0CB36FFE22ED}" srcOrd="0" destOrd="0" presId="urn:microsoft.com/office/officeart/2005/8/layout/hChevron3"/>
+    <dgm:cxn modelId="{C3796DD3-968C-423E-B43B-1BAABE63F1C2}" srcId="{96EE3232-E623-4145-BBED-908D5BAA2D1D}" destId="{758B9A48-0883-48CD-A004-3F90C49BECF0}" srcOrd="4" destOrd="0" parTransId="{9449CB00-C9F2-4E56-9E13-F1DCE5930CBB}" sibTransId="{6E7D9170-6EEB-421C-A1F1-1D428F083DFE}"/>
+    <dgm:cxn modelId="{82B7E5CA-A4C8-4692-A1B5-7ADF4AB07726}" srcId="{96EE3232-E623-4145-BBED-908D5BAA2D1D}" destId="{929F91B0-BD21-4B07-9B4F-8D60DFC914D8}" srcOrd="0" destOrd="0" parTransId="{CA2F08B3-CF01-4986-8152-3624A4F2AC4E}" sibTransId="{79600B01-B4F8-4175-8A7B-E3425018CA38}"/>
+    <dgm:cxn modelId="{D1235A0E-FDB6-E44B-ABDA-C15043615844}" type="presParOf" srcId="{BB2A4E98-5A33-4021-AC51-12AF1205649D}" destId="{24CAC893-EE9B-4D01-BB90-0CB36FFE22ED}" srcOrd="0" destOrd="0" presId="urn:microsoft.com/office/officeart/2005/8/layout/hChevron3"/>
+    <dgm:cxn modelId="{A1C0AC96-179A-5B41-85CC-7D1EED06F654}" type="presParOf" srcId="{BB2A4E98-5A33-4021-AC51-12AF1205649D}" destId="{ABE3886E-3425-438B-B611-116416A2FC63}" srcOrd="1" destOrd="0" presId="urn:microsoft.com/office/officeart/2005/8/layout/hChevron3"/>
+    <dgm:cxn modelId="{6CB73168-7F4F-7A47-BF32-0FCF44F5D0A1}" type="presParOf" srcId="{BB2A4E98-5A33-4021-AC51-12AF1205649D}" destId="{B5F9542A-6098-4FB8-BB83-B5125E571D9D}" srcOrd="2" destOrd="0" presId="urn:microsoft.com/office/officeart/2005/8/layout/hChevron3"/>
+    <dgm:cxn modelId="{1AB71F69-6E80-0D40-9AF5-296E37B6A691}" type="presParOf" srcId="{BB2A4E98-5A33-4021-AC51-12AF1205649D}" destId="{581CEC35-BBCB-4CCB-8DE9-7BC6F424B69D}" srcOrd="3" destOrd="0" presId="urn:microsoft.com/office/officeart/2005/8/layout/hChevron3"/>
+    <dgm:cxn modelId="{87DCC6A9-284B-2D45-8C0A-2CFFEFA0D59A}" type="presParOf" srcId="{BB2A4E98-5A33-4021-AC51-12AF1205649D}" destId="{601A0D37-4256-4B03-929F-B3C0F426A913}" srcOrd="4" destOrd="0" presId="urn:microsoft.com/office/officeart/2005/8/layout/hChevron3"/>
+    <dgm:cxn modelId="{44BFDCBC-8B34-8F47-81C3-9A65E50FE9F1}" type="presParOf" srcId="{BB2A4E98-5A33-4021-AC51-12AF1205649D}" destId="{288BFD18-0D6A-43FE-9B8E-7C7E8E59E907}" srcOrd="5" destOrd="0" presId="urn:microsoft.com/office/officeart/2005/8/layout/hChevron3"/>
+    <dgm:cxn modelId="{AA0045B4-32C0-CC49-A463-938FE704F453}" type="presParOf" srcId="{BB2A4E98-5A33-4021-AC51-12AF1205649D}" destId="{28010DC8-3136-49BC-9983-7489D855A8B1}" srcOrd="6" destOrd="0" presId="urn:microsoft.com/office/officeart/2005/8/layout/hChevron3"/>
+    <dgm:cxn modelId="{6968DBC1-A72B-734C-B8E9-A4F015562D9B}" type="presParOf" srcId="{BB2A4E98-5A33-4021-AC51-12AF1205649D}" destId="{53184AEF-A2E2-40E3-B552-69390D815681}" srcOrd="7" destOrd="0" presId="urn:microsoft.com/office/officeart/2005/8/layout/hChevron3"/>
+    <dgm:cxn modelId="{64DC96D8-46A0-C14E-984A-DE5AEEF6A3FF}" type="presParOf" srcId="{BB2A4E98-5A33-4021-AC51-12AF1205649D}" destId="{1DD64DFB-8EE0-41B5-B8F9-3F2D3C1A3C58}" srcOrd="8" destOrd="0" presId="urn:microsoft.com/office/officeart/2005/8/layout/hChevron3"/>
+  </dgm:cxnLst>
+  <dgm:bg/>
+  <dgm:whole/>
+  <dgm:extLst>
+    <a:ext uri="http://schemas.microsoft.com/office/drawing/2008/diagram">
+      <dsp:dataModelExt xmlns:dsp="http://schemas.microsoft.com/office/drawing/2008/diagram" relId="rId10" minVer="http://schemas.openxmlformats.org/drawingml/2006/diagram"/>
+    </a:ext>
+  </dgm:extLst>
+</dgm:dataModel>
+</file>
+
+<file path=ppt/diagrams/drawing1.xml><?xml version="1.0" encoding="utf-8"?>
+<dsp:drawing xmlns:dgm="http://schemas.openxmlformats.org/drawingml/2006/diagram" xmlns:dsp="http://schemas.microsoft.com/office/drawing/2008/diagram" xmlns:a="http://schemas.openxmlformats.org/drawingml/2006/main">
+  <dsp:spTree>
+    <dsp:nvGrpSpPr>
+      <dsp:cNvPr id="0" name=""/>
+      <dsp:cNvGrpSpPr/>
+    </dsp:nvGrpSpPr>
+    <dsp:grpSpPr/>
+    <dsp:sp modelId="{24CAC893-EE9B-4D01-BB90-0CB36FFE22ED}">
+      <dsp:nvSpPr>
+        <dsp:cNvPr id="0" name=""/>
+        <dsp:cNvSpPr/>
+      </dsp:nvSpPr>
+      <dsp:spPr>
+        <a:xfrm>
+          <a:off x="3275" y="12569"/>
+          <a:ext cx="1855622" cy="995541"/>
+        </a:xfrm>
+        <a:prstGeom prst="homePlate">
+          <a:avLst/>
+        </a:prstGeom>
+        <a:solidFill>
+          <a:schemeClr val="accent1">
+            <a:hueOff val="0"/>
+            <a:satOff val="0"/>
+            <a:lumOff val="0"/>
+            <a:alphaOff val="0"/>
+          </a:schemeClr>
+        </a:solidFill>
+        <a:ln w="25400" cap="flat" cmpd="sng" algn="ctr">
+          <a:solidFill>
+            <a:schemeClr val="lt1">
+              <a:hueOff val="0"/>
+              <a:satOff val="0"/>
+              <a:lumOff val="0"/>
+              <a:alphaOff val="0"/>
+            </a:schemeClr>
+          </a:solidFill>
+          <a:prstDash val="solid"/>
+        </a:ln>
+        <a:effectLst/>
+      </dsp:spPr>
+      <dsp:style>
+        <a:lnRef idx="2">
+          <a:scrgbClr r="0" g="0" b="0"/>
+        </a:lnRef>
+        <a:fillRef idx="1">
+          <a:scrgbClr r="0" g="0" b="0"/>
+        </a:fillRef>
+        <a:effectRef idx="0">
+          <a:scrgbClr r="0" g="0" b="0"/>
+        </a:effectRef>
+        <a:fontRef idx="minor">
+          <a:schemeClr val="lt1"/>
+        </a:fontRef>
+      </dsp:style>
+      <dsp:txBody>
+        <a:bodyPr spcFirstLastPara="0" vert="horz" wrap="square" lIns="106680" tIns="53340" rIns="26670" bIns="53340" numCol="1" spcCol="1270" anchor="ctr" anchorCtr="0">
+          <a:noAutofit/>
+        </a:bodyPr>
+        <a:lstStyle/>
+        <a:p>
+          <a:pPr lvl="0" algn="ctr" defTabSz="889000">
+            <a:lnSpc>
+              <a:spcPct val="90000"/>
+            </a:lnSpc>
+            <a:spcBef>
+              <a:spcPct val="0"/>
+            </a:spcBef>
+            <a:spcAft>
+              <a:spcPct val="35000"/>
+            </a:spcAft>
+          </a:pPr>
+          <a:r>
+            <a:rPr lang="es-PE" sz="2000" b="1" kern="1200" dirty="0" smtClean="0"/>
+            <a:t>Small </a:t>
+          </a:r>
+          <a:br>
+            <a:rPr lang="es-PE" sz="2000" b="1" kern="1200" dirty="0" smtClean="0"/>
+          </a:br>
+          <a:r>
+            <a:rPr lang="es-PE" sz="2000" b="1" kern="1200" dirty="0" smtClean="0"/>
+            <a:t>Reversible Step</a:t>
+          </a:r>
+          <a:endParaRPr lang="es-PE" sz="2000" b="1" kern="1200" dirty="0"/>
+        </a:p>
+      </dsp:txBody>
+      <dsp:txXfrm>
+        <a:off x="3275" y="12569"/>
+        <a:ext cx="1606737" cy="995541"/>
+      </dsp:txXfrm>
+    </dsp:sp>
+    <dsp:sp modelId="{B5F9542A-6098-4FB8-BB83-B5125E571D9D}">
+      <dsp:nvSpPr>
+        <dsp:cNvPr id="0" name=""/>
+        <dsp:cNvSpPr/>
+      </dsp:nvSpPr>
+      <dsp:spPr>
+        <a:xfrm>
+          <a:off x="1487773" y="12569"/>
+          <a:ext cx="1855622" cy="995541"/>
+        </a:xfrm>
+        <a:prstGeom prst="chevron">
+          <a:avLst/>
+        </a:prstGeom>
+        <a:solidFill>
+          <a:schemeClr val="accent1">
+            <a:hueOff val="0"/>
+            <a:satOff val="0"/>
+            <a:lumOff val="0"/>
+            <a:alphaOff val="0"/>
+          </a:schemeClr>
+        </a:solidFill>
+        <a:ln w="25400" cap="flat" cmpd="sng" algn="ctr">
+          <a:solidFill>
+            <a:schemeClr val="lt1">
+              <a:hueOff val="0"/>
+              <a:satOff val="0"/>
+              <a:lumOff val="0"/>
+              <a:alphaOff val="0"/>
+            </a:schemeClr>
+          </a:solidFill>
+          <a:prstDash val="solid"/>
+        </a:ln>
+        <a:effectLst/>
+      </dsp:spPr>
+      <dsp:style>
+        <a:lnRef idx="2">
+          <a:scrgbClr r="0" g="0" b="0"/>
+        </a:lnRef>
+        <a:fillRef idx="1">
+          <a:scrgbClr r="0" g="0" b="0"/>
+        </a:fillRef>
+        <a:effectRef idx="0">
+          <a:scrgbClr r="0" g="0" b="0"/>
+        </a:effectRef>
+        <a:fontRef idx="minor">
+          <a:schemeClr val="lt1"/>
+        </a:fontRef>
+      </dsp:style>
+      <dsp:txBody>
+        <a:bodyPr spcFirstLastPara="0" vert="horz" wrap="square" lIns="80010" tIns="53340" rIns="26670" bIns="53340" numCol="1" spcCol="1270" anchor="ctr" anchorCtr="0">
+          <a:noAutofit/>
+        </a:bodyPr>
+        <a:lstStyle/>
+        <a:p>
+          <a:pPr lvl="0" algn="ctr" defTabSz="889000">
+            <a:lnSpc>
+              <a:spcPct val="90000"/>
+            </a:lnSpc>
+            <a:spcBef>
+              <a:spcPct val="0"/>
+            </a:spcBef>
+            <a:spcAft>
+              <a:spcPct val="35000"/>
+            </a:spcAft>
+          </a:pPr>
+          <a:r>
+            <a:rPr lang="es-PE" sz="2000" b="1" kern="1200" dirty="0" err="1" smtClean="0"/>
+            <a:t>Run</a:t>
+          </a:r>
+          <a:r>
+            <a:rPr lang="es-PE" sz="2000" b="1" kern="1200" dirty="0" smtClean="0"/>
+            <a:t> Test</a:t>
+          </a:r>
+          <a:endParaRPr lang="es-PE" sz="2000" b="1" kern="1200" dirty="0"/>
+        </a:p>
+      </dsp:txBody>
+      <dsp:txXfrm>
+        <a:off x="1985544" y="12569"/>
+        <a:ext cx="860081" cy="995541"/>
+      </dsp:txXfrm>
+    </dsp:sp>
+    <dsp:sp modelId="{601A0D37-4256-4B03-929F-B3C0F426A913}">
+      <dsp:nvSpPr>
+        <dsp:cNvPr id="0" name=""/>
+        <dsp:cNvSpPr/>
+      </dsp:nvSpPr>
+      <dsp:spPr>
+        <a:xfrm>
+          <a:off x="2972271" y="12569"/>
+          <a:ext cx="2219398" cy="995541"/>
+        </a:xfrm>
+        <a:prstGeom prst="chevron">
+          <a:avLst/>
+        </a:prstGeom>
+        <a:solidFill>
+          <a:schemeClr val="accent1">
+            <a:hueOff val="0"/>
+            <a:satOff val="0"/>
+            <a:lumOff val="0"/>
+            <a:alphaOff val="0"/>
+          </a:schemeClr>
+        </a:solidFill>
+        <a:ln w="25400" cap="flat" cmpd="sng" algn="ctr">
+          <a:solidFill>
+            <a:schemeClr val="lt1">
+              <a:hueOff val="0"/>
+              <a:satOff val="0"/>
+              <a:lumOff val="0"/>
+              <a:alphaOff val="0"/>
+            </a:schemeClr>
+          </a:solidFill>
+          <a:prstDash val="solid"/>
+        </a:ln>
+        <a:effectLst/>
+      </dsp:spPr>
+      <dsp:style>
+        <a:lnRef idx="2">
+          <a:scrgbClr r="0" g="0" b="0"/>
+        </a:lnRef>
+        <a:fillRef idx="1">
+          <a:scrgbClr r="0" g="0" b="0"/>
+        </a:fillRef>
+        <a:effectRef idx="0">
+          <a:scrgbClr r="0" g="0" b="0"/>
+        </a:effectRef>
+        <a:fontRef idx="minor">
+          <a:schemeClr val="lt1"/>
+        </a:fontRef>
+      </dsp:style>
+      <dsp:txBody>
+        <a:bodyPr spcFirstLastPara="0" vert="horz" wrap="square" lIns="80010" tIns="53340" rIns="26670" bIns="53340" numCol="1" spcCol="1270" anchor="ctr" anchorCtr="0">
+          <a:noAutofit/>
+        </a:bodyPr>
+        <a:lstStyle/>
+        <a:p>
+          <a:pPr lvl="0" algn="ctr" defTabSz="889000">
+            <a:lnSpc>
+              <a:spcPct val="90000"/>
+            </a:lnSpc>
+            <a:spcBef>
+              <a:spcPct val="0"/>
+            </a:spcBef>
+            <a:spcAft>
+              <a:spcPct val="35000"/>
+            </a:spcAft>
+          </a:pPr>
+          <a:r>
+            <a:rPr lang="es-PE" sz="2000" b="1" kern="1200" dirty="0" smtClean="0"/>
+            <a:t>Small </a:t>
+          </a:r>
+          <a:br>
+            <a:rPr lang="es-PE" sz="2000" b="1" kern="1200" dirty="0" smtClean="0"/>
+          </a:br>
+          <a:r>
+            <a:rPr lang="es-PE" sz="2000" b="1" kern="1200" dirty="0" smtClean="0"/>
+            <a:t>Reversible Step</a:t>
+          </a:r>
+          <a:endParaRPr lang="es-PE" sz="2000" b="1" kern="1200" dirty="0"/>
+        </a:p>
+      </dsp:txBody>
+      <dsp:txXfrm>
+        <a:off x="3470042" y="12569"/>
+        <a:ext cx="1223857" cy="995541"/>
+      </dsp:txXfrm>
+    </dsp:sp>
+    <dsp:sp modelId="{28010DC8-3136-49BC-9983-7489D855A8B1}">
+      <dsp:nvSpPr>
+        <dsp:cNvPr id="0" name=""/>
+        <dsp:cNvSpPr/>
+      </dsp:nvSpPr>
+      <dsp:spPr>
+        <a:xfrm>
+          <a:off x="4820545" y="12569"/>
+          <a:ext cx="1855622" cy="995541"/>
+        </a:xfrm>
+        <a:prstGeom prst="chevron">
+          <a:avLst/>
+        </a:prstGeom>
+        <a:solidFill>
+          <a:schemeClr val="accent1">
+            <a:hueOff val="0"/>
+            <a:satOff val="0"/>
+            <a:lumOff val="0"/>
+            <a:alphaOff val="0"/>
+          </a:schemeClr>
+        </a:solidFill>
+        <a:ln w="25400" cap="flat" cmpd="sng" algn="ctr">
+          <a:solidFill>
+            <a:schemeClr val="lt1">
+              <a:hueOff val="0"/>
+              <a:satOff val="0"/>
+              <a:lumOff val="0"/>
+              <a:alphaOff val="0"/>
+            </a:schemeClr>
+          </a:solidFill>
+          <a:prstDash val="solid"/>
+        </a:ln>
+        <a:effectLst/>
+      </dsp:spPr>
+      <dsp:style>
+        <a:lnRef idx="2">
+          <a:scrgbClr r="0" g="0" b="0"/>
+        </a:lnRef>
+        <a:fillRef idx="1">
+          <a:scrgbClr r="0" g="0" b="0"/>
+        </a:fillRef>
+        <a:effectRef idx="0">
+          <a:scrgbClr r="0" g="0" b="0"/>
+        </a:effectRef>
+        <a:fontRef idx="minor">
+          <a:schemeClr val="lt1"/>
+        </a:fontRef>
+      </dsp:style>
+      <dsp:txBody>
+        <a:bodyPr spcFirstLastPara="0" vert="horz" wrap="square" lIns="80010" tIns="53340" rIns="26670" bIns="53340" numCol="1" spcCol="1270" anchor="ctr" anchorCtr="0">
+          <a:noAutofit/>
+        </a:bodyPr>
+        <a:lstStyle/>
+        <a:p>
+          <a:pPr lvl="0" algn="ctr" defTabSz="889000">
+            <a:lnSpc>
+              <a:spcPct val="90000"/>
+            </a:lnSpc>
+            <a:spcBef>
+              <a:spcPct val="0"/>
+            </a:spcBef>
+            <a:spcAft>
+              <a:spcPct val="35000"/>
+            </a:spcAft>
+          </a:pPr>
+          <a:r>
+            <a:rPr lang="es-PE" sz="2000" b="1" kern="1200" dirty="0" err="1" smtClean="0"/>
+            <a:t>Run</a:t>
+          </a:r>
+          <a:r>
+            <a:rPr lang="es-PE" sz="2000" b="1" kern="1200" dirty="0" smtClean="0"/>
+            <a:t> Test</a:t>
+          </a:r>
+          <a:endParaRPr lang="es-PE" sz="2000" b="1" kern="1200" dirty="0"/>
+        </a:p>
+      </dsp:txBody>
+      <dsp:txXfrm>
+        <a:off x="5318316" y="12569"/>
+        <a:ext cx="860081" cy="995541"/>
+      </dsp:txXfrm>
+    </dsp:sp>
+    <dsp:sp modelId="{1DD64DFB-8EE0-41B5-B8F9-3F2D3C1A3C58}">
+      <dsp:nvSpPr>
+        <dsp:cNvPr id="0" name=""/>
+        <dsp:cNvSpPr/>
+      </dsp:nvSpPr>
+      <dsp:spPr>
+        <a:xfrm>
+          <a:off x="6305043" y="12569"/>
+          <a:ext cx="1855622" cy="995541"/>
+        </a:xfrm>
+        <a:prstGeom prst="chevron">
+          <a:avLst/>
+        </a:prstGeom>
+        <a:solidFill>
+          <a:schemeClr val="accent1">
+            <a:hueOff val="0"/>
+            <a:satOff val="0"/>
+            <a:lumOff val="0"/>
+            <a:alphaOff val="0"/>
+          </a:schemeClr>
+        </a:solidFill>
+        <a:ln w="25400" cap="flat" cmpd="sng" algn="ctr">
+          <a:solidFill>
+            <a:schemeClr val="lt1">
+              <a:hueOff val="0"/>
+              <a:satOff val="0"/>
+              <a:lumOff val="0"/>
+              <a:alphaOff val="0"/>
+            </a:schemeClr>
+          </a:solidFill>
+          <a:prstDash val="solid"/>
+        </a:ln>
+        <a:effectLst/>
+      </dsp:spPr>
+      <dsp:style>
+        <a:lnRef idx="2">
+          <a:scrgbClr r="0" g="0" b="0"/>
+        </a:lnRef>
+        <a:fillRef idx="1">
+          <a:scrgbClr r="0" g="0" b="0"/>
+        </a:fillRef>
+        <a:effectRef idx="0">
+          <a:scrgbClr r="0" g="0" b="0"/>
+        </a:effectRef>
+        <a:fontRef idx="minor">
+          <a:schemeClr val="lt1"/>
+        </a:fontRef>
+      </dsp:style>
+      <dsp:txBody>
+        <a:bodyPr spcFirstLastPara="0" vert="horz" wrap="square" lIns="80010" tIns="53340" rIns="26670" bIns="53340" numCol="1" spcCol="1270" anchor="ctr" anchorCtr="0">
+          <a:noAutofit/>
+        </a:bodyPr>
+        <a:lstStyle/>
+        <a:p>
+          <a:pPr lvl="0" algn="ctr" defTabSz="889000">
+            <a:lnSpc>
+              <a:spcPct val="90000"/>
+            </a:lnSpc>
+            <a:spcBef>
+              <a:spcPct val="0"/>
+            </a:spcBef>
+            <a:spcAft>
+              <a:spcPct val="35000"/>
+            </a:spcAft>
+          </a:pPr>
+          <a:r>
+            <a:rPr lang="es-PE" sz="2000" b="1" kern="1200" dirty="0" smtClean="0"/>
+            <a:t>….</a:t>
+          </a:r>
+          <a:endParaRPr lang="es-PE" sz="2000" b="1" kern="1200" dirty="0"/>
+        </a:p>
+      </dsp:txBody>
+      <dsp:txXfrm>
+        <a:off x="6802814" y="12569"/>
+        <a:ext cx="860081" cy="995541"/>
+      </dsp:txXfrm>
+    </dsp:sp>
+  </dsp:spTree>
+</dsp:drawing>
+</file>
+
+<file path=ppt/diagrams/layout1.xml><?xml version="1.0" encoding="utf-8"?>
+<dgm:layoutDef xmlns:dgm="http://schemas.openxmlformats.org/drawingml/2006/diagram" xmlns:a="http://schemas.openxmlformats.org/drawingml/2006/main" uniqueId="urn:microsoft.com/office/officeart/2005/8/layout/hChevron3">
+  <dgm:title val=""/>
+  <dgm:desc val=""/>
+  <dgm:catLst>
+    <dgm:cat type="process" pri="10000"/>
+  </dgm:catLst>
+  <dgm:sampData useDef="1">
+    <dgm:dataModel>
+      <dgm:ptLst/>
+      <dgm:bg/>
+      <dgm:whole/>
+    </dgm:dataModel>
+  </dgm:sampData>
+  <dgm:styleData>
+    <dgm:dataModel>
+      <dgm:ptLst>
+        <dgm:pt modelId="0" type="doc"/>
+        <dgm:pt modelId="1"/>
+        <dgm:pt modelId="2"/>
+      </dgm:ptLst>
+      <dgm:cxnLst>
+        <dgm:cxn modelId="3" srcId="0" destId="1" srcOrd="0" destOrd="0"/>
+        <dgm:cxn modelId="4" srcId="0" destId="2" srcOrd="1" destOrd="0"/>
+      </dgm:cxnLst>
+      <dgm:bg/>
+      <dgm:whole/>
+    </dgm:dataModel>
+  </dgm:styleData>
+  <dgm:clrData>
+    <dgm:dataModel>
+      <dgm:ptLst>
+        <dgm:pt modelId="0" type="doc"/>
+        <dgm:pt modelId="1"/>
+        <dgm:pt modelId="2"/>
+        <dgm:pt modelId="3"/>
+        <dgm:pt modelId="4"/>
+      </dgm:ptLst>
+      <dgm:cxnLst>
+        <dgm:cxn modelId="5" srcId="0" destId="1" srcOrd="0" destOrd="0"/>
+        <dgm:cxn modelId="6" srcId="0" destId="2" srcOrd="1" destOrd="0"/>
+        <dgm:cxn modelId="7" srcId="0" destId="3" srcOrd="2" destOrd="0"/>
+        <dgm:cxn modelId="8" srcId="0" destId="4" srcOrd="3" destOrd="0"/>
+      </dgm:cxnLst>
+      <dgm:bg/>
+      <dgm:whole/>
+    </dgm:dataModel>
+  </dgm:clrData>
+  <dgm:layoutNode name="Name0">
+    <dgm:varLst>
+      <dgm:dir/>
+      <dgm:resizeHandles val="exact"/>
+    </dgm:varLst>
+    <dgm:choose name="Name1">
+      <dgm:if name="Name2" func="var" arg="dir" op="equ" val="norm">
+        <dgm:alg type="lin"/>
+      </dgm:if>
+      <dgm:else name="Name3">
+        <dgm:alg type="lin">
+          <dgm:param type="linDir" val="fromR"/>
+        </dgm:alg>
+      </dgm:else>
+    </dgm:choose>
+    <dgm:shape xmlns:r="http://schemas.openxmlformats.org/officeDocument/2006/relationships" r:blip="">
+      <dgm:adjLst/>
+    </dgm:shape>
+    <dgm:presOf/>
+    <dgm:choose name="Name4">
+      <dgm:if name="Name5" axis="root des" func="maxDepth" op="gte" val="2">
+        <dgm:constrLst>
+          <dgm:constr type="w" for="ch" forName="parAndChTx" refType="w"/>
+          <dgm:constr type="primFontSz" for="ch" ptType="node" op="equ"/>
+          <dgm:constr type="w" for="ch" forName="parAndChSpace" refType="w" refFor="ch" refForName="parAndChTx" fact="-0.2"/>
+          <dgm:constr type="w" for="ch" ptType="sibTrans" op="equ"/>
+        </dgm:constrLst>
+        <dgm:ruleLst/>
+        <dgm:forEach name="Name6" axis="ch" ptType="node">
+          <dgm:layoutNode name="parAndChTx">
+            <dgm:varLst>
+              <dgm:bulletEnabled val="1"/>
+            </dgm:varLst>
+            <dgm:alg type="tx"/>
+            <dgm:choose name="Name7">
+              <dgm:if name="Name8" func="var" arg="dir" op="equ" val="norm">
+                <dgm:choose name="Name9">
+                  <dgm:if name="Name10" axis="self" ptType="node" func="pos" op="equ" val="1">
+                    <dgm:shape xmlns:r="http://schemas.openxmlformats.org/officeDocument/2006/relationships" type="homePlate" r:blip="">
+                      <dgm:adjLst>
+                        <dgm:adj idx="1" val="0.25"/>
+                      </dgm:adjLst>
+                    </dgm:shape>
+                    <dgm:presOf axis="desOrSelf" ptType="node"/>
+                    <dgm:constrLst>
+                      <dgm:constr type="h" refType="w" op="equ" fact="0.8"/>
+                      <dgm:constr type="primFontSz" val="65"/>
+                      <dgm:constr type="tMarg" refType="primFontSz" fact="0.2"/>
+                      <dgm:constr type="bMarg" refType="primFontSz" fact="0.2"/>
+                      <dgm:constr type="lMarg" refType="w" fact="0.1"/>
+                      <dgm:constr type="rMarg" refType="w" fact="0.4"/>
+                    </dgm:constrLst>
+                  </dgm:if>
+                  <dgm:else name="Name11">
+                    <dgm:shape xmlns:r="http://schemas.openxmlformats.org/officeDocument/2006/relationships" type="chevron" r:blip="">
+                      <dgm:adjLst>
+                        <dgm:adj idx="1" val="0.25"/>
+                      </dgm:adjLst>
+                    </dgm:shape>
+                    <dgm:presOf axis="desOrSelf" ptType="node"/>
+                    <dgm:constrLst>
+                      <dgm:constr type="h" refType="w" op="equ" fact="0.8"/>
+                      <dgm:constr type="primFontSz" val="65"/>
+                      <dgm:constr type="tMarg" refType="primFontSz" fact="0.2"/>
+                      <dgm:constr type="bMarg" refType="primFontSz" fact="0.2"/>
+                      <dgm:constr type="lMarg" refType="w" fact="0.1"/>
+                      <dgm:constr type="rMarg" refType="w" fact="0.1"/>
+                    </dgm:constrLst>
+                  </dgm:else>
+                </dgm:choose>
+              </dgm:if>
+              <dgm:else name="Name12">
+                <dgm:choose name="Name13">
+                  <dgm:if name="Name14" axis="self" ptType="node" func="pos" op="equ" val="1">
+                    <dgm:shape xmlns:r="http://schemas.openxmlformats.org/officeDocument/2006/relationships" rot="180" type="homePlate" r:blip="">
+                      <dgm:adjLst>
+                        <dgm:adj idx="1" val="0.25"/>
+                      </dgm:adjLst>
+                    </dgm:shape>
+                    <dgm:presOf axis="desOrSelf" ptType="node"/>
+                    <dgm:constrLst>
+                      <dgm:constr type="h" refType="w" op="equ" fact="0.8"/>
+                      <dgm:constr type="primFontSz" val="65"/>
+                      <dgm:constr type="tMarg" refType="primFontSz" fact="0.2"/>
+                      <dgm:constr type="bMarg" refType="primFontSz" fact="0.2"/>
+                      <dgm:constr type="lMarg" refType="w" fact="0.4"/>
+                      <dgm:constr type="rMarg" refType="w" fact="0.1"/>
+                    </dgm:constrLst>
+                  </dgm:if>
+                  <dgm:else name="Name15">
+                    <dgm:shape xmlns:r="http://schemas.openxmlformats.org/officeDocument/2006/relationships" rot="180" type="chevron" r:blip="">
+                      <dgm:adjLst>
+                        <dgm:adj idx="1" val="0.25"/>
+                      </dgm:adjLst>
+                    </dgm:shape>
+                    <dgm:presOf axis="desOrSelf" ptType="node"/>
+                    <dgm:constrLst>
+                      <dgm:constr type="h" refType="w" op="equ" fact="0.8"/>
+                      <dgm:constr type="primFontSz" val="65"/>
+                      <dgm:constr type="tMarg" refType="primFontSz" fact="0.2"/>
+                      <dgm:constr type="bMarg" refType="primFontSz" fact="0.2"/>
+                      <dgm:constr type="lMarg" refType="w" fact="0.1"/>
+                      <dgm:constr type="rMarg" refType="w" fact="0.1"/>
+                    </dgm:constrLst>
+                  </dgm:else>
+                </dgm:choose>
+              </dgm:else>
+            </dgm:choose>
+            <dgm:ruleLst>
+              <dgm:rule type="primFontSz" val="5" fact="NaN" max="NaN"/>
+            </dgm:ruleLst>
+          </dgm:layoutNode>
+          <dgm:forEach name="Name16" axis="followSib" ptType="sibTrans" cnt="1">
+            <dgm:layoutNode name="parAndChSpace">
+              <dgm:alg type="sp"/>
+              <dgm:shape xmlns:r="http://schemas.openxmlformats.org/officeDocument/2006/relationships" r:blip="">
+                <dgm:adjLst/>
+              </dgm:shape>
+              <dgm:presOf/>
+              <dgm:constrLst/>
+              <dgm:ruleLst/>
+            </dgm:layoutNode>
+          </dgm:forEach>
+        </dgm:forEach>
+      </dgm:if>
+      <dgm:else name="Name17">
+        <dgm:constrLst>
+          <dgm:constr type="w" for="ch" forName="parTxOnly" refType="w"/>
+          <dgm:constr type="primFontSz" for="ch" ptType="node" op="equ"/>
+          <dgm:constr type="w" for="ch" forName="parSpace" refType="w" refFor="ch" refForName="parTxOnly" fact="-0.2"/>
+          <dgm:constr type="w" for="ch" ptType="sibTrans" op="equ"/>
+        </dgm:constrLst>
+        <dgm:ruleLst/>
+        <dgm:forEach name="Name18" axis="ch" ptType="node">
+          <dgm:layoutNode name="parTxOnly">
+            <dgm:varLst>
+              <dgm:bulletEnabled val="1"/>
+            </dgm:varLst>
+            <dgm:alg type="tx"/>
+            <dgm:presOf axis="desOrSelf" ptType="node"/>
+            <dgm:choose name="Name19">
+              <dgm:if name="Name20" func="var" arg="dir" op="equ" val="norm">
+                <dgm:choose name="Name21">
+                  <dgm:if name="Name22" axis="self" ptType="node" func="pos" op="equ" val="1">
+                    <dgm:shape xmlns:r="http://schemas.openxmlformats.org/officeDocument/2006/relationships" type="homePlate" r:blip="">
+                      <dgm:adjLst/>
+                    </dgm:shape>
+                    <dgm:constrLst>
+                      <dgm:constr type="h" refType="w" op="equ" fact="0.4"/>
+                      <dgm:constr type="primFontSz" val="65"/>
+                      <dgm:constr type="tMarg" refType="primFontSz" fact="0.21"/>
+                      <dgm:constr type="bMarg" refType="primFontSz" fact="0.21"/>
+                      <dgm:constr type="lMarg" refType="primFontSz" fact="0.42"/>
+                      <dgm:constr type="rMarg" refType="primFontSz" fact="0.105"/>
+                    </dgm:constrLst>
+                  </dgm:if>
+                  <dgm:else name="Name23">
+                    <dgm:shape xmlns:r="http://schemas.openxmlformats.org/officeDocument/2006/relationships" type="chevron" r:blip="">
+                      <dgm:adjLst/>
+                    </dgm:shape>
+                    <dgm:constrLst>
+                      <dgm:constr type="h" refType="w" op="equ" fact="0.4"/>
+                      <dgm:constr type="primFontSz" val="65"/>
+                      <dgm:constr type="tMarg" refType="primFontSz" fact="0.21"/>
+                      <dgm:constr type="bMarg" refType="primFontSz" fact="0.21"/>
+                      <dgm:constr type="lMarg" refType="primFontSz" fact="0.315"/>
+                      <dgm:constr type="rMarg" refType="primFontSz" fact="0.105"/>
+                    </dgm:constrLst>
+                  </dgm:else>
+                </dgm:choose>
+              </dgm:if>
+              <dgm:else name="Name24">
+                <dgm:choose name="Name25">
+                  <dgm:if name="Name26" axis="self" ptType="node" func="pos" op="equ" val="1">
+                    <dgm:shape xmlns:r="http://schemas.openxmlformats.org/officeDocument/2006/relationships" rot="180" type="homePlate" r:blip="">
+                      <dgm:adjLst/>
+                    </dgm:shape>
+                    <dgm:constrLst>
+                      <dgm:constr type="h" refType="w" op="equ" fact="0.4"/>
+                      <dgm:constr type="primFontSz" val="65"/>
+                      <dgm:constr type="tMarg" refType="primFontSz" fact="0.21"/>
+                      <dgm:constr type="bMarg" refType="primFontSz" fact="0.21"/>
+                      <dgm:constr type="lMarg" refType="primFontSz" fact="0.105"/>
+                      <dgm:constr type="rMarg" refType="primFontSz" fact="0.42"/>
+                    </dgm:constrLst>
+                  </dgm:if>
+                  <dgm:else name="Name27">
+                    <dgm:shape xmlns:r="http://schemas.openxmlformats.org/officeDocument/2006/relationships" rot="180" type="chevron" r:blip="">
+                      <dgm:adjLst/>
+                    </dgm:shape>
+                    <dgm:constrLst>
+                      <dgm:constr type="h" refType="w" op="equ" fact="0.4"/>
+                      <dgm:constr type="primFontSz" val="65"/>
+                      <dgm:constr type="tMarg" refType="primFontSz" fact="0.21"/>
+                      <dgm:constr type="bMarg" refType="primFontSz" fact="0.21"/>
+                      <dgm:constr type="lMarg" refType="primFontSz" fact="0.105"/>
+                      <dgm:constr type="rMarg" refType="primFontSz" fact="0.315"/>
+                    </dgm:constrLst>
+                  </dgm:else>
+                </dgm:choose>
+              </dgm:else>
+            </dgm:choose>
+            <dgm:ruleLst>
+              <dgm:rule type="primFontSz" val="5" fact="NaN" max="NaN"/>
+            </dgm:ruleLst>
+          </dgm:layoutNode>
+          <dgm:forEach name="Name28" axis="followSib" ptType="sibTrans" cnt="1">
+            <dgm:layoutNode name="parSpace">
+              <dgm:alg type="sp"/>
+              <dgm:shape xmlns:r="http://schemas.openxmlformats.org/officeDocument/2006/relationships" r:blip="">
+                <dgm:adjLst/>
+              </dgm:shape>
+              <dgm:presOf/>
+              <dgm:constrLst/>
+              <dgm:ruleLst/>
+            </dgm:layoutNode>
+          </dgm:forEach>
+        </dgm:forEach>
+      </dgm:else>
+    </dgm:choose>
+  </dgm:layoutNode>
+</dgm:layoutDef>
+</file>
+
+<file path=ppt/diagrams/quickStyle1.xml><?xml version="1.0" encoding="utf-8"?>
+<dgm:styleDef xmlns:dgm="http://schemas.openxmlformats.org/drawingml/2006/diagram" xmlns:a="http://schemas.openxmlformats.org/drawingml/2006/main" uniqueId="urn:microsoft.com/office/officeart/2005/8/quickstyle/simple1">
+  <dgm:title val=""/>
+  <dgm:desc val=""/>
+  <dgm:catLst>
+    <dgm:cat type="simple" pri="10100"/>
+  </dgm:catLst>
+  <dgm:scene3d>
+    <a:camera prst="orthographicFront"/>
+    <a:lightRig rig="threePt" dir="t"/>
+  </dgm:scene3d>
+  <dgm:styleLbl name="node0">
+    <dgm:scene3d>
+      <a:camera prst="orthographicFront"/>
+      <a:lightRig rig="threePt" dir="t"/>
+    </dgm:scene3d>
+    <dgm:sp3d/>
+    <dgm:txPr/>
+    <dgm:style>
+      <a:lnRef idx="2">
+        <a:scrgbClr r="0" g="0" b="0"/>
+      </a:lnRef>
+      <a:fillRef idx="1">
+        <a:scrgbClr r="0" g="0" b="0"/>
+      </a:fillRef>
+      <a:effectRef idx="0">
+        <a:scrgbClr r="0" g="0" b="0"/>
+      </a:effectRef>
+      <a:fontRef idx="minor">
+        <a:schemeClr val="lt1"/>
+      </a:fontRef>
+    </dgm:style>
+  </dgm:styleLbl>
+  <dgm:styleLbl name="lnNode1">
+    <dgm:scene3d>
+      <a:camera prst="orthographicFront"/>
+      <a:lightRig rig="threePt" dir="t"/>
+    </dgm:scene3d>
+    <dgm:sp3d/>
+    <dgm:txPr/>
+    <dgm:style>
+      <a:lnRef idx="2">
+        <a:scrgbClr r="0" g="0" b="0"/>
+      </a:lnRef>
+      <a:fillRef idx="1">
+        <a:scrgbClr r="0" g="0" b="0"/>
+      </a:fillRef>
+      <a:effectRef idx="0">
+        <a:scrgbClr r="0" g="0" b="0"/>
+      </a:effectRef>
+      <a:fontRef idx="minor">
+        <a:schemeClr val="lt1"/>
+      </a:fontRef>
+    </dgm:style>
+  </dgm:styleLbl>
+  <dgm:styleLbl name="vennNode1">
+    <dgm:scene3d>
+      <a:camera prst="orthographicFront"/>
+      <a:lightRig rig="threePt" dir="t"/>
+    </dgm:scene3d>
+    <dgm:sp3d/>
+    <dgm:txPr/>
+    <dgm:style>
+      <a:lnRef idx="2">
+        <a:scrgbClr r="0" g="0" b="0"/>
+      </a:lnRef>
+      <a:fillRef idx="1">
+        <a:scrgbClr r="0" g="0" b="0"/>
+      </a:fillRef>
+      <a:effectRef idx="0">
+        <a:scrgbClr r="0" g="0" b="0"/>
+      </a:effectRef>
+      <a:fontRef idx="minor">
+        <a:schemeClr val="tx1"/>
+      </a:fontRef>
+    </dgm:style>
+  </dgm:styleLbl>
+  <dgm:styleLbl name="alignNode1">
+    <dgm:scene3d>
+      <a:camera prst="orthographicFront"/>
+      <a:lightRig rig="threePt" dir="t"/>
+    </dgm:scene3d>
+    <dgm:sp3d/>
+    <dgm:txPr/>
+    <dgm:style>
+      <a:lnRef idx="2">
+        <a:scrgbClr r="0" g="0" b="0"/>
+      </a:lnRef>
+      <a:fillRef idx="1">
+        <a:scrgbClr r="0" g="0" b="0"/>
+      </a:fillRef>
+      <a:effectRef idx="0">
+        <a:scrgbClr r="0" g="0" b="0"/>
+      </a:effectRef>
+      <a:fontRef idx="minor">
+        <a:schemeClr val="lt1"/>
+      </a:fontRef>
+    </dgm:style>
+  </dgm:styleLbl>
+  <dgm:styleLbl name="node1">
+    <dgm:scene3d>
+      <a:camera prst="orthographicFront"/>
+      <a:lightRig rig="threePt" dir="t"/>
+    </dgm:scene3d>
+    <dgm:sp3d/>
+    <dgm:txPr/>
+    <dgm:style>
+      <a:lnRef idx="2">
+        <a:scrgbClr r="0" g="0" b="0"/>
+      </a:lnRef>
+      <a:fillRef idx="1">
+        <a:scrgbClr r="0" g="0" b="0"/>
+      </a:fillRef>
+      <a:effectRef idx="0">
+        <a:scrgbClr r="0" g="0" b="0"/>
+      </a:effectRef>
+      <a:fontRef idx="minor">
+        <a:schemeClr val="lt1"/>
+      </a:fontRef>
+    </dgm:style>
+  </dgm:styleLbl>
+  <dgm:styleLbl name="node2">
+    <dgm:scene3d>
+      <a:camera prst="orthographicFront"/>
+      <a:lightRig rig="threePt" dir="t"/>
+    </dgm:scene3d>
+    <dgm:sp3d/>
+    <dgm:txPr/>
+    <dgm:style>
+      <a:lnRef idx="2">
+        <a:scrgbClr r="0" g="0" b="0"/>
+      </a:lnRef>
+      <a:fillRef idx="1">
+        <a:scrgbClr r="0" g="0" b="0"/>
+      </a:fillRef>
+      <a:effectRef idx="0">
+        <a:scrgbClr r="0" g="0" b="0"/>
+      </a:effectRef>
+      <a:fontRef idx="minor">
+        <a:schemeClr val="lt1"/>
+      </a:fontRef>
+    </dgm:style>
+  </dgm:styleLbl>
+  <dgm:styleLbl name="node3">
+    <dgm:scene3d>
+      <a:camera prst="orthographicFront"/>
+      <a:lightRig rig="threePt" dir="t"/>
+    </dgm:scene3d>
+    <dgm:sp3d/>
+    <dgm:txPr/>
+    <dgm:style>
+      <a:lnRef idx="2">
+        <a:scrgbClr r="0" g="0" b="0"/>
+      </a:lnRef>
+      <a:fillRef idx="1">
+        <a:scrgbClr r="0" g="0" b="0"/>
+      </a:fillRef>
+      <a:effectRef idx="0">
+        <a:scrgbClr r="0" g="0" b="0"/>
+      </a:effectRef>
+      <a:fontRef idx="minor">
+        <a:schemeClr val="lt1"/>
+      </a:fontRef>
+    </dgm:style>
+  </dgm:styleLbl>
+  <dgm:styleLbl name="node4">
+    <dgm:scene3d>
+      <a:camera prst="orthographicFront"/>
+      <a:lightRig rig="threePt" dir="t"/>
+    </dgm:scene3d>
+    <dgm:sp3d/>
+    <dgm:txPr/>
+    <dgm:style>
+      <a:lnRef idx="2">
+        <a:scrgbClr r="0" g="0" b="0"/>
+      </a:lnRef>
+      <a:fillRef idx="1">
+        <a:scrgbClr r="0" g="0" b="0"/>
+      </a:fillRef>
+      <a:effectRef idx="0">
+        <a:scrgbClr r="0" g="0" b="0"/>
+      </a:effectRef>
+      <a:fontRef idx="minor">
+        <a:schemeClr val="lt1"/>
+      </a:fontRef>
+    </dgm:style>
+  </dgm:styleLbl>
+  <dgm:styleLbl name="fgImgPlace1">
+    <dgm:scene3d>
+      <a:camera prst="orthographicFront"/>
+      <a:lightRig rig="threePt" dir="t"/>
+    </dgm:scene3d>
+    <dgm:sp3d/>
+    <dgm:txPr/>
+    <dgm:style>
+      <a:lnRef idx="2">
+        <a:scrgbClr r="0" g="0" b="0"/>
+      </a:lnRef>
+      <a:fillRef idx="1">
+        <a:scrgbClr r="0" g="0" b="0"/>
+      </a:fillRef>
+      <a:effectRef idx="0">
+        <a:scrgbClr r="0" g="0" b="0"/>
+      </a:effectRef>
+      <a:fontRef idx="minor"/>
+    </dgm:style>
+  </dgm:styleLbl>
+  <dgm:styleLbl name="alignImgPlace1">
+    <dgm:scene3d>
+      <a:camera prst="orthographicFront"/>
+      <a:lightRig rig="threePt" dir="t"/>
+    </dgm:scene3d>
+    <dgm:sp3d/>
+    <dgm:txPr/>
+    <dgm:style>
+      <a:lnRef idx="2">
+        <a:scrgbClr r="0" g="0" b="0"/>
+      </a:lnRef>
+      <a:fillRef idx="1">
+        <a:scrgbClr r="0" g="0" b="0"/>
+      </a:fillRef>
+      <a:effectRef idx="0">
+        <a:scrgbClr r="0" g="0" b="0"/>
+      </a:effectRef>
+      <a:fontRef idx="minor"/>
+    </dgm:style>
+  </dgm:styleLbl>
+  <dgm:styleLbl name="bgImgPlace1">
+    <dgm:scene3d>
+      <a:camera prst="orthographicFront"/>
+      <a:lightRig rig="threePt" dir="t"/>
+    </dgm:scene3d>
+    <dgm:sp3d/>
+    <dgm:txPr/>
+    <dgm:style>
+      <a:lnRef idx="2">
+        <a:scrgbClr r="0" g="0" b="0"/>
+      </a:lnRef>
+      <a:fillRef idx="1">
+        <a:scrgbClr r="0" g="0" b="0"/>
+      </a:fillRef>
+      <a:effectRef idx="0">
+        <a:scrgbClr r="0" g="0" b="0"/>
+      </a:effectRef>
+      <a:fontRef idx="minor"/>
+    </dgm:style>
+  </dgm:styleLbl>
+  <dgm:styleLbl name="sibTrans2D1">
+    <dgm:scene3d>
+      <a:camera prst="orthographicFront"/>
+      <a:lightRig rig="threePt" dir="t"/>
+    </dgm:scene3d>
+    <dgm:sp3d/>
+    <dgm:txPr/>
+    <dgm:style>
+      <a:lnRef idx="0">
+        <a:scrgbClr r="0" g="0" b="0"/>
+      </a:lnRef>
+      <a:fillRef idx="1">
+        <a:scrgbClr r="0" g="0" b="0"/>
+      </a:fillRef>
+      <a:effectRef idx="0">
+        <a:scrgbClr r="0" g="0" b="0"/>
+      </a:effectRef>
+      <a:fontRef idx="minor">
+        <a:schemeClr val="lt1"/>
+      </a:fontRef>
+    </dgm:style>
+  </dgm:styleLbl>
+  <dgm:styleLbl name="fgSibTrans2D1">
+    <dgm:scene3d>
+      <a:camera prst="orthographicFront"/>
+      <a:lightRig rig="threePt" dir="t"/>
+    </dgm:scene3d>
+    <dgm:sp3d/>
+    <dgm:txPr/>
+    <dgm:style>
+      <a:lnRef idx="0">
+        <a:scrgbClr r="0" g="0" b="0"/>
+      </a:lnRef>
+      <a:fillRef idx="1">
+        <a:scrgbClr r="0" g="0" b="0"/>
+      </a:fillRef>
+      <a:effectRef idx="0">
+        <a:scrgbClr r="0" g="0" b="0"/>
+      </a:effectRef>
+      <a:fontRef idx="minor">
+        <a:schemeClr val="lt1"/>
+      </a:fontRef>
+    </dgm:style>
+  </dgm:styleLbl>
+  <dgm:styleLbl name="bgSibTrans2D1">
+    <dgm:scene3d>
+      <a:camera prst="orthographicFront"/>
+      <a:lightRig rig="threePt" dir="t"/>
+    </dgm:scene3d>
+    <dgm:sp3d/>
+    <dgm:txPr/>
+    <dgm:style>
+      <a:lnRef idx="0">
+        <a:scrgbClr r="0" g="0" b="0"/>
+      </a:lnRef>
+      <a:fillRef idx="1">
+        <a:scrgbClr r="0" g="0" b="0"/>
+      </a:fillRef>
+      <a:effectRef idx="0">
+        <a:scrgbClr r="0" g="0" b="0"/>
+      </a:effectRef>
+      <a:fontRef idx="minor">
+        <a:schemeClr val="lt1"/>
+      </a:fontRef>
+    </dgm:style>
+  </dgm:styleLbl>
+  <dgm:styleLbl name="sibTrans1D1">
+    <dgm:scene3d>
+      <a:camera prst="orthographicFront"/>
+      <a:lightRig rig="threePt" dir="t"/>
+    </dgm:scene3d>
+    <dgm:sp3d/>
+    <dgm:txPr/>
+    <dgm:style>
+      <a:lnRef idx="1">
+        <a:scrgbClr r="0" g="0" b="0"/>
+      </a:lnRef>
+      <a:fillRef idx="0">
+        <a:scrgbClr r="0" g="0" b="0"/>
+      </a:fillRef>
+      <a:effectRef idx="0">
+        <a:scrgbClr r="0" g="0" b="0"/>
+      </a:effectRef>
+      <a:fontRef idx="minor"/>
+    </dgm:style>
+  </dgm:styleLbl>
+  <dgm:styleLbl name="callout">
+    <dgm:scene3d>
+      <a:camera prst="orthographicFront"/>
+      <a:lightRig rig="threePt" dir="t"/>
+    </dgm:scene3d>
+    <dgm:sp3d/>
+    <dgm:txPr/>
+    <dgm:style>
+      <a:lnRef idx="2">
+        <a:scrgbClr r="0" g="0" b="0"/>
+      </a:lnRef>
+      <a:fillRef idx="1">
+        <a:scrgbClr r="0" g="0" b="0"/>
+      </a:fillRef>
+      <a:effectRef idx="0">
+        <a:scrgbClr r="0" g="0" b="0"/>
+      </a:effectRef>
+      <a:fontRef idx="minor"/>
+    </dgm:style>
+  </dgm:styleLbl>
+  <dgm:styleLbl name="asst0">
+    <dgm:scene3d>
+      <a:camera prst="orthographicFront"/>
+      <a:lightRig rig="threePt" dir="t"/>
+    </dgm:scene3d>
+    <dgm:sp3d/>
+    <dgm:txPr/>
+    <dgm:style>
+      <a:lnRef idx="2">
+        <a:scrgbClr r="0" g="0" b="0"/>
+      </a:lnRef>
+      <a:fillRef idx="1">
+        <a:scrgbClr r="0" g="0" b="0"/>
+      </a:fillRef>
+      <a:effectRef idx="0">
+        <a:scrgbClr r="0" g="0" b="0"/>
+      </a:effectRef>
+      <a:fontRef idx="minor">
+        <a:schemeClr val="lt1"/>
+      </a:fontRef>
+    </dgm:style>
+  </dgm:styleLbl>
+  <dgm:styleLbl name="asst1">
+    <dgm:scene3d>
+      <a:camera prst="orthographicFront"/>
+      <a:lightRig rig="threePt" dir="t"/>
+    </dgm:scene3d>
+    <dgm:sp3d/>
+    <dgm:txPr/>
+    <dgm:style>
+      <a:lnRef idx="2">
+        <a:scrgbClr r="0" g="0" b="0"/>
+      </a:lnRef>
+      <a:fillRef idx="1">
+        <a:scrgbClr r="0" g="0" b="0"/>
+      </a:fillRef>
+      <a:effectRef idx="0">
+        <a:scrgbClr r="0" g="0" b="0"/>
+      </a:effectRef>
+      <a:fontRef idx="minor">
+        <a:schemeClr val="lt1"/>
+      </a:fontRef>
+    </dgm:style>
+  </dgm:styleLbl>
+  <dgm:styleLbl name="asst2">
+    <dgm:scene3d>
+      <a:camera prst="orthographicFront"/>
+      <a:lightRig rig="threePt" dir="t"/>
+    </dgm:scene3d>
+    <dgm:sp3d/>
+    <dgm:txPr/>
+    <dgm:style>
+      <a:lnRef idx="2">
+        <a:scrgbClr r="0" g="0" b="0"/>
+      </a:lnRef>
+      <a:fillRef idx="1">
+        <a:scrgbClr r="0" g="0" b="0"/>
+      </a:fillRef>
+      <a:effectRef idx="0">
+        <a:scrgbClr r="0" g="0" b="0"/>
+      </a:effectRef>
+      <a:fontRef idx="minor">
+        <a:schemeClr val="lt1"/>
+      </a:fontRef>
+    </dgm:style>
+  </dgm:styleLbl>
+  <dgm:styleLbl name="asst3">
+    <dgm:scene3d>
+      <a:camera prst="orthographicFront"/>
+      <a:lightRig rig="threePt" dir="t"/>
+    </dgm:scene3d>
+    <dgm:sp3d/>
+    <dgm:txPr/>
+    <dgm:style>
+      <a:lnRef idx="2">
+        <a:scrgbClr r="0" g="0" b="0"/>
+      </a:lnRef>
+      <a:fillRef idx="1">
+        <a:scrgbClr r="0" g="0" b="0"/>
+      </a:fillRef>
+      <a:effectRef idx="0">
+        <a:scrgbClr r="0" g="0" b="0"/>
+      </a:effectRef>
+      <a:fontRef idx="minor">
+        <a:schemeClr val="lt1"/>
+      </a:fontRef>
+    </dgm:style>
+  </dgm:styleLbl>
+  <dgm:styleLbl name="asst4">
+    <dgm:scene3d>
+      <a:camera prst="orthographicFront"/>
+      <a:lightRig rig="threePt" dir="t"/>
+    </dgm:scene3d>
+    <dgm:sp3d/>
+    <dgm:txPr/>
+    <dgm:style>
+      <a:lnRef idx="2">
+        <a:scrgbClr r="0" g="0" b="0"/>
+      </a:lnRef>
+      <a:fillRef idx="1">
+        <a:scrgbClr r="0" g="0" b="0"/>
+      </a:fillRef>
+      <a:effectRef idx="0">
+        <a:scrgbClr r="0" g="0" b="0"/>
+      </a:effectRef>
+      <a:fontRef idx="minor">
+        <a:schemeClr val="lt1"/>
+      </a:fontRef>
+    </dgm:style>
+  </dgm:styleLbl>
+  <dgm:styleLbl name="parChTrans2D1">
+    <dgm:scene3d>
+      <a:camera prst="orthographicFront"/>
+      <a:lightRig rig="threePt" dir="t"/>
+    </dgm:scene3d>
+    <dgm:sp3d/>
+    <dgm:txPr/>
+    <dgm:style>
+      <a:lnRef idx="2">
+        <a:scrgbClr r="0" g="0" b="0"/>
+      </a:lnRef>
+      <a:fillRef idx="1">
+        <a:scrgbClr r="0" g="0" b="0"/>
+      </a:fillRef>
+      <a:effectRef idx="0">
+        <a:scrgbClr r="0" g="0" b="0"/>
+      </a:effectRef>
+      <a:fontRef idx="minor">
+        <a:schemeClr val="lt1"/>
+      </a:fontRef>
+    </dgm:style>
+  </dgm:styleLbl>
+  <dgm:styleLbl name="parChTrans2D2">
+    <dgm:scene3d>
+      <a:camera prst="orthographicFront"/>
+      <a:lightRig rig="threePt" dir="t"/>
+    </dgm:scene3d>
+    <dgm:sp3d/>
+    <dgm:txPr/>
+    <dgm:style>
+      <a:lnRef idx="2">
+        <a:scrgbClr r="0" g="0" b="0"/>
+      </a:lnRef>
+      <a:fillRef idx="1">
+        <a:scrgbClr r="0" g="0" b="0"/>
+      </a:fillRef>
+      <a:effectRef idx="0">
+        <a:scrgbClr r="0" g="0" b="0"/>
+      </a:effectRef>
+      <a:fontRef idx="minor">
+        <a:schemeClr val="lt1"/>
+      </a:fontRef>
+    </dgm:style>
+  </dgm:styleLbl>
+  <dgm:styleLbl name="parChTrans2D3">
+    <dgm:scene3d>
+      <a:camera prst="orthographicFront"/>
+      <a:lightRig rig="threePt" dir="t"/>
+    </dgm:scene3d>
+    <dgm:sp3d/>
+    <dgm:txPr/>
+    <dgm:style>
+      <a:lnRef idx="2">
+        <a:scrgbClr r="0" g="0" b="0"/>
+      </a:lnRef>
+      <a:fillRef idx="1">
+        <a:scrgbClr r="0" g="0" b="0"/>
+      </a:fillRef>
+      <a:effectRef idx="0">
+        <a:scrgbClr r="0" g="0" b="0"/>
+      </a:effectRef>
+      <a:fontRef idx="minor">
+        <a:schemeClr val="lt1"/>
+      </a:fontRef>
+    </dgm:style>
+  </dgm:styleLbl>
+  <dgm:styleLbl name="parChTrans2D4">
+    <dgm:scene3d>
+      <a:camera prst="orthographicFront"/>
+      <a:lightRig rig="threePt" dir="t"/>
+    </dgm:scene3d>
+    <dgm:sp3d/>
+    <dgm:txPr/>
+    <dgm:style>
+      <a:lnRef idx="2">
+        <a:scrgbClr r="0" g="0" b="0"/>
+      </a:lnRef>
+      <a:fillRef idx="1">
+        <a:scrgbClr r="0" g="0" b="0"/>
+      </a:fillRef>
+      <a:effectRef idx="0">
+        <a:scrgbClr r="0" g="0" b="0"/>
+      </a:effectRef>
+      <a:fontRef idx="minor">
+        <a:schemeClr val="lt1"/>
+      </a:fontRef>
+    </dgm:style>
+  </dgm:styleLbl>
+  <dgm:styleLbl name="parChTrans1D1">
+    <dgm:scene3d>
+      <a:camera prst="orthographicFront"/>
+      <a:lightRig rig="threePt" dir="t"/>
+    </dgm:scene3d>
+    <dgm:sp3d/>
+    <dgm:txPr/>
+    <dgm:style>
+      <a:lnRef idx="2">
+        <a:scrgbClr r="0" g="0" b="0"/>
+      </a:lnRef>
+      <a:fillRef idx="0">
+        <a:scrgbClr r="0" g="0" b="0"/>
+      </a:fillRef>
+      <a:effectRef idx="0">
+        <a:scrgbClr r="0" g="0" b="0"/>
+      </a:effectRef>
+      <a:fontRef idx="minor"/>
+    </dgm:style>
+  </dgm:styleLbl>
+  <dgm:styleLbl name="parChTrans1D2">
+    <dgm:scene3d>
+      <a:camera prst="orthographicFront"/>
+      <a:lightRig rig="threePt" dir="t"/>
+    </dgm:scene3d>
+    <dgm:sp3d/>
+    <dgm:txPr/>
+    <dgm:style>
+      <a:lnRef idx="2">
+        <a:scrgbClr r="0" g="0" b="0"/>
+      </a:lnRef>
+      <a:fillRef idx="0">
+        <a:scrgbClr r="0" g="0" b="0"/>
+      </a:fillRef>
+      <a:effectRef idx="0">
+        <a:scrgbClr r="0" g="0" b="0"/>
+      </a:effectRef>
+      <a:fontRef idx="minor"/>
+    </dgm:style>
+  </dgm:styleLbl>
+  <dgm:styleLbl name="parChTrans1D3">
+    <dgm:scene3d>
+      <a:camera prst="orthographicFront"/>
+      <a:lightRig rig="threePt" dir="t"/>
+    </dgm:scene3d>
+    <dgm:sp3d/>
+    <dgm:txPr/>
+    <dgm:style>
+      <a:lnRef idx="2">
+        <a:scrgbClr r="0" g="0" b="0"/>
+      </a:lnRef>
+      <a:fillRef idx="0">
+        <a:scrgbClr r="0" g="0" b="0"/>
+      </a:fillRef>
+      <a:effectRef idx="0">
+        <a:scrgbClr r="0" g="0" b="0"/>
+      </a:effectRef>
+      <a:fontRef idx="minor"/>
+    </dgm:style>
+  </dgm:styleLbl>
+  <dgm:styleLbl name="parChTrans1D4">
+    <dgm:scene3d>
+      <a:camera prst="orthographicFront"/>
+      <a:lightRig rig="threePt" dir="t"/>
+    </dgm:scene3d>
+    <dgm:sp3d/>
+    <dgm:txPr/>
+    <dgm:style>
+      <a:lnRef idx="2">
+        <a:scrgbClr r="0" g="0" b="0"/>
+      </a:lnRef>
+      <a:fillRef idx="0">
+        <a:scrgbClr r="0" g="0" b="0"/>
+      </a:fillRef>
+      <a:effectRef idx="0">
+        <a:scrgbClr r="0" g="0" b="0"/>
+      </a:effectRef>
+      <a:fontRef idx="minor"/>
+    </dgm:style>
+  </dgm:styleLbl>
+  <dgm:styleLbl name="fgAcc1">
+    <dgm:scene3d>
+      <a:camera prst="orthographicFront"/>
+      <a:lightRig rig="threePt" dir="t"/>
+    </dgm:scene3d>
+    <dgm:sp3d/>
+    <dgm:txPr/>
+    <dgm:style>
+      <a:lnRef idx="2">
+        <a:scrgbClr r="0" g="0" b="0"/>
+      </a:lnRef>
+      <a:fillRef idx="1">
+        <a:scrgbClr r="0" g="0" b="0"/>
+      </a:fillRef>
+      <a:effectRef idx="0">
+        <a:scrgbClr r="0" g="0" b="0"/>
+      </a:effectRef>
+      <a:fontRef idx="minor"/>
+    </dgm:style>
+  </dgm:styleLbl>
+  <dgm:styleLbl name="conFgAcc1">
+    <dgm:scene3d>
+      <a:camera prst="orthographicFront"/>
+      <a:lightRig rig="threePt" dir="t"/>
+    </dgm:scene3d>
+    <dgm:sp3d/>
+    <dgm:txPr/>
+    <dgm:style>
+      <a:lnRef idx="2">
+        <a:scrgbClr r="0" g="0" b="0"/>
+      </a:lnRef>
+      <a:fillRef idx="1">
+        <a:scrgbClr r="0" g="0" b="0"/>
+      </a:fillRef>
+      <a:effectRef idx="0">
+        <a:scrgbClr r="0" g="0" b="0"/>
+      </a:effectRef>
+      <a:fontRef idx="minor"/>
+    </dgm:style>
+  </dgm:styleLbl>
+  <dgm:styleLbl name="alignAcc1">
+    <dgm:scene3d>
+      <a:camera prst="orthographicFront"/>
+      <a:lightRig rig="threePt" dir="t"/>
+    </dgm:scene3d>
+    <dgm:sp3d/>
+    <dgm:txPr/>
+    <dgm:style>
+      <a:lnRef idx="2">
+        <a:scrgbClr r="0" g="0" b="0"/>
+      </a:lnRef>
+      <a:fillRef idx="1">
+        <a:scrgbClr r="0" g="0" b="0"/>
+      </a:fillRef>
+      <a:effectRef idx="0">
+        <a:scrgbClr r="0" g="0" b="0"/>
+      </a:effectRef>
+      <a:fontRef idx="minor"/>
+    </dgm:style>
+  </dgm:styleLbl>
+  <dgm:styleLbl name="trAlignAcc1">
+    <dgm:scene3d>
+      <a:camera prst="orthographicFront"/>
+      <a:lightRig rig="threePt" dir="t"/>
+    </dgm:scene3d>
+    <dgm:sp3d/>
+    <dgm:txPr/>
+    <dgm:style>
+      <a:lnRef idx="1">
+        <a:scrgbClr r="0" g="0" b="0"/>
+      </a:lnRef>
+      <a:fillRef idx="1">
+        <a:scrgbClr r="0" g="0" b="0"/>
+      </a:fillRef>
+      <a:effectRef idx="0">
+        <a:scrgbClr r="0" g="0" b="0"/>
+      </a:effectRef>
+      <a:fontRef idx="minor"/>
+    </dgm:style>
+  </dgm:styleLbl>
+  <dgm:styleLbl name="bgAcc1">
+    <dgm:scene3d>
+      <a:camera prst="orthographicFront"/>
+      <a:lightRig rig="threePt" dir="t"/>
+    </dgm:scene3d>
+    <dgm:sp3d/>
+    <dgm:txPr/>
+    <dgm:style>
+      <a:lnRef idx="2">
+        <a:scrgbClr r="0" g="0" b="0"/>
+      </a:lnRef>
+      <a:fillRef idx="1">
+        <a:scrgbClr r="0" g="0" b="0"/>
+      </a:fillRef>
+      <a:effectRef idx="0">
+        <a:scrgbClr r="0" g="0" b="0"/>
+      </a:effectRef>
+      <a:fontRef idx="minor"/>
+    </dgm:style>
+  </dgm:styleLbl>
+  <dgm:styleLbl name="solidFgAcc1">
+    <dgm:scene3d>
+      <a:camera prst="orthographicFront"/>
+      <a:lightRig rig="threePt" dir="t"/>
+    </dgm:scene3d>
+    <dgm:sp3d/>
+    <dgm:txPr/>
+    <dgm:style>
+      <a:lnRef idx="2">
+        <a:scrgbClr r="0" g="0" b="0"/>
+      </a:lnRef>
+      <a:fillRef idx="1">
+        <a:scrgbClr r="0" g="0" b="0"/>
+      </a:fillRef>
+      <a:effectRef idx="0">
+        <a:scrgbClr r="0" g="0" b="0"/>
+      </a:effectRef>
+      <a:fontRef idx="minor"/>
+    </dgm:style>
+  </dgm:styleLbl>
+  <dgm:styleLbl name="solidAlignAcc1">
+    <dgm:scene3d>
+      <a:camera prst="orthographicFront"/>
+      <a:lightRig rig="threePt" dir="t"/>
+    </dgm:scene3d>
+    <dgm:sp3d/>
+    <dgm:txPr/>
+    <dgm:style>
+      <a:lnRef idx="2">
+        <a:scrgbClr r="0" g="0" b="0"/>
+      </a:lnRef>
+      <a:fillRef idx="1">
+        <a:scrgbClr r="0" g="0" b="0"/>
+      </a:fillRef>
+      <a:effectRef idx="0">
+        <a:scrgbClr r="0" g="0" b="0"/>
+      </a:effectRef>
+      <a:fontRef idx="minor"/>
+    </dgm:style>
+  </dgm:styleLbl>
+  <dgm:styleLbl name="solidBgAcc1">
+    <dgm:scene3d>
+      <a:camera prst="orthographicFront"/>
+      <a:lightRig rig="threePt" dir="t"/>
+    </dgm:scene3d>
+    <dgm:sp3d/>
+    <dgm:txPr/>
+    <dgm:style>
+      <a:lnRef idx="2">
+        <a:scrgbClr r="0" g="0" b="0"/>
+      </a:lnRef>
+      <a:fillRef idx="1">
+        <a:scrgbClr r="0" g="0" b="0"/>
+      </a:fillRef>
+      <a:effectRef idx="0">
+        <a:scrgbClr r="0" g="0" b="0"/>
+      </a:effectRef>
+      <a:fontRef idx="minor"/>
+    </dgm:style>
+  </dgm:styleLbl>
+  <dgm:styleLbl name="fgAccFollowNode1">
+    <dgm:scene3d>
+      <a:camera prst="orthographicFront"/>
+      <a:lightRig rig="threePt" dir="t"/>
+    </dgm:scene3d>
+    <dgm:sp3d/>
+    <dgm:txPr/>
+    <dgm:style>
+      <a:lnRef idx="2">
+        <a:scrgbClr r="0" g="0" b="0"/>
+      </a:lnRef>
+      <a:fillRef idx="1">
+        <a:scrgbClr r="0" g="0" b="0"/>
+      </a:fillRef>
+      <a:effectRef idx="0">
+        <a:scrgbClr r="0" g="0" b="0"/>
+      </a:effectRef>
+      <a:fontRef idx="minor"/>
+    </dgm:style>
+  </dgm:styleLbl>
+  <dgm:styleLbl name="alignAccFollowNode1">
+    <dgm:scene3d>
+      <a:camera prst="orthographicFront"/>
+      <a:lightRig rig="threePt" dir="t"/>
+    </dgm:scene3d>
+    <dgm:sp3d/>
+    <dgm:txPr/>
+    <dgm:style>
+      <a:lnRef idx="2">
+        <a:scrgbClr r="0" g="0" b="0"/>
+      </a:lnRef>
+      <a:fillRef idx="1">
+        <a:scrgbClr r="0" g="0" b="0"/>
+      </a:fillRef>
+      <a:effectRef idx="0">
+        <a:scrgbClr r="0" g="0" b="0"/>
+      </a:effectRef>
+      <a:fontRef idx="minor"/>
+    </dgm:style>
+  </dgm:styleLbl>
+  <dgm:styleLbl name="bgAccFollowNode1">
+    <dgm:scene3d>
+      <a:camera prst="orthographicFront"/>
+      <a:lightRig rig="threePt" dir="t"/>
+    </dgm:scene3d>
+    <dgm:sp3d/>
+    <dgm:txPr/>
+    <dgm:style>
+      <a:lnRef idx="2">
+        <a:scrgbClr r="0" g="0" b="0"/>
+      </a:lnRef>
+      <a:fillRef idx="1">
+        <a:scrgbClr r="0" g="0" b="0"/>
+      </a:fillRef>
+      <a:effectRef idx="0">
+        <a:scrgbClr r="0" g="0" b="0"/>
+      </a:effectRef>
+      <a:fontRef idx="minor"/>
+    </dgm:style>
+  </dgm:styleLbl>
+  <dgm:styleLbl name="fgAcc0">
+    <dgm:scene3d>
+      <a:camera prst="orthographicFront"/>
+      <a:lightRig rig="threePt" dir="t"/>
+    </dgm:scene3d>
+    <dgm:sp3d/>
+    <dgm:txPr/>
+    <dgm:style>
+      <a:lnRef idx="2">
+        <a:scrgbClr r="0" g="0" b="0"/>
+      </a:lnRef>
+      <a:fillRef idx="1">
+        <a:scrgbClr r="0" g="0" b="0"/>
+      </a:fillRef>
+      <a:effectRef idx="0">
+        <a:scrgbClr r="0" g="0" b="0"/>
+      </a:effectRef>
+      <a:fontRef idx="minor"/>
+    </dgm:style>
+  </dgm:styleLbl>
+  <dgm:styleLbl name="fgAcc2">
+    <dgm:scene3d>
+      <a:camera prst="orthographicFront"/>
+      <a:lightRig rig="threePt" dir="t"/>
+    </dgm:scene3d>
+    <dgm:sp3d/>
+    <dgm:txPr/>
+    <dgm:style>
+      <a:lnRef idx="2">
+        <a:scrgbClr r="0" g="0" b="0"/>
+      </a:lnRef>
+      <a:fillRef idx="1">
+        <a:scrgbClr r="0" g="0" b="0"/>
+      </a:fillRef>
+      <a:effectRef idx="0">
+        <a:scrgbClr r="0" g="0" b="0"/>
+      </a:effectRef>
+      <a:fontRef idx="minor"/>
+    </dgm:style>
+  </dgm:styleLbl>
+  <dgm:styleLbl name="fgAcc3">
+    <dgm:scene3d>
+      <a:camera prst="orthographicFront"/>
+      <a:lightRig rig="threePt" dir="t"/>
+    </dgm:scene3d>
+    <dgm:sp3d/>
+    <dgm:txPr/>
+    <dgm:style>
+      <a:lnRef idx="2">
+        <a:scrgbClr r="0" g="0" b="0"/>
+      </a:lnRef>
+      <a:fillRef idx="1">
+        <a:scrgbClr r="0" g="0" b="0"/>
+      </a:fillRef>
+      <a:effectRef idx="0">
+        <a:scrgbClr r="0" g="0" b="0"/>
+      </a:effectRef>
+      <a:fontRef idx="minor"/>
+    </dgm:style>
+  </dgm:styleLbl>
+  <dgm:styleLbl name="fgAcc4">
+    <dgm:scene3d>
+      <a:camera prst="orthographicFront"/>
+      <a:lightRig rig="threePt" dir="t"/>
+    </dgm:scene3d>
+    <dgm:sp3d/>
+    <dgm:txPr/>
+    <dgm:style>
+      <a:lnRef idx="2">
+        <a:scrgbClr r="0" g="0" b="0"/>
+      </a:lnRef>
+      <a:fillRef idx="1">
+        <a:scrgbClr r="0" g="0" b="0"/>
+      </a:fillRef>
+      <a:effectRef idx="0">
+        <a:scrgbClr r="0" g="0" b="0"/>
+      </a:effectRef>
+      <a:fontRef idx="minor"/>
+    </dgm:style>
+  </dgm:styleLbl>
+  <dgm:styleLbl name="bgShp">
+    <dgm:scene3d>
+      <a:camera prst="orthographicFront"/>
+      <a:lightRig rig="threePt" dir="t"/>
+    </dgm:scene3d>
+    <dgm:sp3d/>
+    <dgm:txPr/>
+    <dgm:style>
+      <a:lnRef idx="0">
+        <a:scrgbClr r="0" g="0" b="0"/>
+      </a:lnRef>
+      <a:fillRef idx="1">
+        <a:scrgbClr r="0" g="0" b="0"/>
+      </a:fillRef>
+      <a:effectRef idx="0">
+        <a:scrgbClr r="0" g="0" b="0"/>
+      </a:effectRef>
+      <a:fontRef idx="minor"/>
+    </dgm:style>
+  </dgm:styleLbl>
+  <dgm:styleLbl name="dkBgShp">
+    <dgm:scene3d>
+      <a:camera prst="orthographicFront"/>
+      <a:lightRig rig="threePt" dir="t"/>
+    </dgm:scene3d>
+    <dgm:sp3d/>
+    <dgm:txPr/>
+    <dgm:style>
+      <a:lnRef idx="0">
+        <a:scrgbClr r="0" g="0" b="0"/>
+      </a:lnRef>
+      <a:fillRef idx="1">
+        <a:scrgbClr r="0" g="0" b="0"/>
+      </a:fillRef>
+      <a:effectRef idx="0">
+        <a:scrgbClr r="0" g="0" b="0"/>
+      </a:effectRef>
+      <a:fontRef idx="minor"/>
+    </dgm:style>
+  </dgm:styleLbl>
+  <dgm:styleLbl name="trBgShp">
+    <dgm:scene3d>
+      <a:camera prst="orthographicFront"/>
+      <a:lightRig rig="threePt" dir="t"/>
+    </dgm:scene3d>
+    <dgm:sp3d/>
+    <dgm:txPr/>
+    <dgm:style>
+      <a:lnRef idx="0">
+        <a:scrgbClr r="0" g="0" b="0"/>
+      </a:lnRef>
+      <a:fillRef idx="1">
+        <a:scrgbClr r="0" g="0" b="0"/>
+      </a:fillRef>
+      <a:effectRef idx="0">
+        <a:scrgbClr r="0" g="0" b="0"/>
+      </a:effectRef>
+      <a:fontRef idx="minor"/>
+    </dgm:style>
+  </dgm:styleLbl>
+  <dgm:styleLbl name="fgShp">
+    <dgm:scene3d>
+      <a:camera prst="orthographicFront"/>
+      <a:lightRig rig="threePt" dir="t"/>
+    </dgm:scene3d>
+    <dgm:sp3d/>
+    <dgm:txPr/>
+    <dgm:style>
+      <a:lnRef idx="2">
+        <a:scrgbClr r="0" g="0" b="0"/>
+      </a:lnRef>
+      <a:fillRef idx="1">
+        <a:scrgbClr r="0" g="0" b="0"/>
+      </a:fillRef>
+      <a:effectRef idx="0">
+        <a:scrgbClr r="0" g="0" b="0"/>
+      </a:effectRef>
+      <a:fontRef idx="minor"/>
+    </dgm:style>
+  </dgm:styleLbl>
+  <dgm:styleLbl name="revTx">
+    <dgm:scene3d>
+      <a:camera prst="orthographicFront"/>
+      <a:lightRig rig="threePt" dir="t"/>
+    </dgm:scene3d>
+    <dgm:sp3d/>
+    <dgm:txPr/>
+    <dgm:style>
+      <a:lnRef idx="0">
+        <a:scrgbClr r="0" g="0" b="0"/>
+      </a:lnRef>
+      <a:fillRef idx="0">
+        <a:scrgbClr r="0" g="0" b="0"/>
+      </a:fillRef>
+      <a:effectRef idx="0">
+        <a:scrgbClr r="0" g="0" b="0"/>
+      </a:effectRef>
+      <a:fontRef idx="minor"/>
+    </dgm:style>
+  </dgm:styleLbl>
+</dgm:styleDef>
 </file>
 
 <file path=ppt/notesMasters/notesMaster1.xml><?xml version="1.0" encoding="utf-8"?>
@@ -690,10 +3511,6 @@
           <a:bodyPr/>
           <a:lstStyle/>
           <a:p>
-            <a:r>
-              <a:rPr lang="es-PE" smtClean="0"/>
-              <a:t>http://sweetclipart.com/multisite/sweetclipart/files/question_mark_blue.png</a:t>
-            </a:r>
             <a:endParaRPr lang="es-PE" dirty="0"/>
           </a:p>
         </p:txBody>
@@ -808,7 +3625,7 @@
     </p:spTree>
     <p:extLst>
       <p:ext uri="{BB962C8B-B14F-4D97-AF65-F5344CB8AC3E}">
-        <p14:creationId xmlns:p14="http://schemas.microsoft.com/office/powerpoint/2010/main" val="1461112982"/>
+        <p14:creationId xmlns:p14="http://schemas.microsoft.com/office/powerpoint/2010/main" val="3614550747"/>
       </p:ext>
     </p:extLst>
   </p:cSld>
@@ -862,6 +3679,10 @@
           <a:bodyPr/>
           <a:lstStyle/>
           <a:p>
+            <a:r>
+              <a:rPr lang="es-PE" smtClean="0"/>
+              <a:t>http://sweetclipart.com/multisite/sweetclipart/files/question_mark_blue.png</a:t>
+            </a:r>
             <a:endParaRPr lang="es-PE" dirty="0"/>
           </a:p>
         </p:txBody>
@@ -892,7 +3713,7 @@
     </p:spTree>
     <p:extLst>
       <p:ext uri="{BB962C8B-B14F-4D97-AF65-F5344CB8AC3E}">
-        <p14:creationId xmlns:p14="http://schemas.microsoft.com/office/powerpoint/2010/main" val="1461112982"/>
+        <p14:creationId xmlns:p14="http://schemas.microsoft.com/office/powerpoint/2010/main" val="3614550747"/>
       </p:ext>
     </p:extLst>
   </p:cSld>
@@ -946,113 +3767,6 @@
           <a:bodyPr/>
           <a:lstStyle/>
           <a:p>
-            <a:pPr algn="l"/>
-            <a:r>
-              <a:rPr lang="es-PE" sz="1200" i="1" dirty="0" smtClean="0"/>
-              <a:t>Existe un gran catálogo de </a:t>
-            </a:r>
-            <a:r>
-              <a:rPr lang="es-PE" sz="1200" i="1" dirty="0" err="1" smtClean="0"/>
-              <a:t>refactorings</a:t>
-            </a:r>
-            <a:r>
-              <a:rPr lang="es-PE" sz="1200" i="1" baseline="0" dirty="0" smtClean="0"/>
-              <a:t> y la meta es tratar de practicar la mayor cantidad </a:t>
-            </a:r>
-            <a:endParaRPr lang="es-PE" sz="1200" i="1" dirty="0" smtClean="0"/>
-          </a:p>
-          <a:p>
-            <a:pPr algn="l"/>
-            <a:r>
-              <a:rPr lang="es-PE" sz="1200" i="1" dirty="0" smtClean="0"/>
-              <a:t>(</a:t>
-            </a:r>
-            <a:r>
-              <a:rPr lang="es-PE" sz="1200" i="1" dirty="0" err="1" smtClean="0"/>
-              <a:t>Move</a:t>
-            </a:r>
-            <a:r>
-              <a:rPr lang="es-PE" sz="1200" i="1" dirty="0" smtClean="0"/>
-              <a:t> </a:t>
-            </a:r>
-            <a:r>
-              <a:rPr lang="es-PE" sz="1200" i="1" dirty="0" err="1" smtClean="0"/>
-              <a:t>Method</a:t>
-            </a:r>
-            <a:r>
-              <a:rPr lang="es-PE" sz="1200" i="1" dirty="0" smtClean="0"/>
-              <a:t>, </a:t>
-            </a:r>
-            <a:r>
-              <a:rPr lang="es-PE" sz="1200" i="1" dirty="0" err="1" smtClean="0"/>
-              <a:t>Inline</a:t>
-            </a:r>
-            <a:r>
-              <a:rPr lang="es-PE" sz="1200" i="1" dirty="0" smtClean="0"/>
-              <a:t> </a:t>
-            </a:r>
-            <a:r>
-              <a:rPr lang="es-PE" sz="1200" i="1" dirty="0" err="1" smtClean="0"/>
-              <a:t>Method</a:t>
-            </a:r>
-            <a:r>
-              <a:rPr lang="es-PE" sz="1200" i="1" dirty="0" smtClean="0"/>
-              <a:t>, </a:t>
-            </a:r>
-            <a:r>
-              <a:rPr lang="es-PE" sz="1200" i="1" dirty="0" err="1" smtClean="0"/>
-              <a:t>Extract</a:t>
-            </a:r>
-            <a:r>
-              <a:rPr lang="es-PE" sz="1200" i="1" dirty="0" smtClean="0"/>
-              <a:t> Interface, </a:t>
-            </a:r>
-          </a:p>
-          <a:p>
-            <a:pPr algn="l"/>
-            <a:r>
-              <a:rPr lang="es-PE" sz="1200" i="1" dirty="0" err="1" smtClean="0"/>
-              <a:t>Replace</a:t>
-            </a:r>
-            <a:r>
-              <a:rPr lang="es-PE" sz="1200" i="1" dirty="0" smtClean="0"/>
-              <a:t> </a:t>
-            </a:r>
-            <a:r>
-              <a:rPr lang="es-PE" sz="1200" i="1" dirty="0" err="1" smtClean="0"/>
-              <a:t>Conditional</a:t>
-            </a:r>
-            <a:r>
-              <a:rPr lang="es-PE" sz="1200" i="1" dirty="0" smtClean="0"/>
-              <a:t> </a:t>
-            </a:r>
-            <a:r>
-              <a:rPr lang="es-PE" sz="1200" i="1" dirty="0" err="1" smtClean="0"/>
-              <a:t>with</a:t>
-            </a:r>
-            <a:r>
-              <a:rPr lang="es-PE" sz="1200" i="1" dirty="0" smtClean="0"/>
-              <a:t> </a:t>
-            </a:r>
-            <a:r>
-              <a:rPr lang="es-PE" sz="1200" i="1" dirty="0" err="1" smtClean="0"/>
-              <a:t>Polymorphism</a:t>
-            </a:r>
-            <a:r>
-              <a:rPr lang="es-PE" sz="1200" i="1" dirty="0" smtClean="0"/>
-              <a:t>, </a:t>
-            </a:r>
-            <a:r>
-              <a:rPr lang="es-PE" sz="1200" i="1" dirty="0" err="1" smtClean="0"/>
-              <a:t>etc</a:t>
-            </a:r>
-            <a:r>
-              <a:rPr lang="es-PE" sz="1200" i="1" dirty="0" smtClean="0"/>
-              <a:t>)</a:t>
-            </a:r>
-          </a:p>
-          <a:p>
-            <a:pPr algn="l"/>
             <a:endParaRPr lang="es-PE" dirty="0"/>
           </a:p>
         </p:txBody>
@@ -1083,7 +3797,7 @@
     </p:spTree>
     <p:extLst>
       <p:ext uri="{BB962C8B-B14F-4D97-AF65-F5344CB8AC3E}">
-        <p14:creationId xmlns:p14="http://schemas.microsoft.com/office/powerpoint/2010/main" val="3614550747"/>
+        <p14:creationId xmlns:p14="http://schemas.microsoft.com/office/powerpoint/2010/main" val="1461112982"/>
       </p:ext>
     </p:extLst>
   </p:cSld>
@@ -1137,113 +3851,6 @@
           <a:bodyPr/>
           <a:lstStyle/>
           <a:p>
-            <a:pPr algn="l"/>
-            <a:r>
-              <a:rPr lang="es-PE" sz="1200" i="1" dirty="0" smtClean="0"/>
-              <a:t>Existe un gran catálogo de </a:t>
-            </a:r>
-            <a:r>
-              <a:rPr lang="es-PE" sz="1200" i="1" dirty="0" err="1" smtClean="0"/>
-              <a:t>refactorings</a:t>
-            </a:r>
-            <a:r>
-              <a:rPr lang="es-PE" sz="1200" i="1" baseline="0" dirty="0" smtClean="0"/>
-              <a:t> y la meta es tratar de practicar la mayor cantidad </a:t>
-            </a:r>
-            <a:endParaRPr lang="es-PE" sz="1200" i="1" dirty="0" smtClean="0"/>
-          </a:p>
-          <a:p>
-            <a:pPr algn="l"/>
-            <a:r>
-              <a:rPr lang="es-PE" sz="1200" i="1" dirty="0" smtClean="0"/>
-              <a:t>(</a:t>
-            </a:r>
-            <a:r>
-              <a:rPr lang="es-PE" sz="1200" i="1" dirty="0" err="1" smtClean="0"/>
-              <a:t>Move</a:t>
-            </a:r>
-            <a:r>
-              <a:rPr lang="es-PE" sz="1200" i="1" dirty="0" smtClean="0"/>
-              <a:t> </a:t>
-            </a:r>
-            <a:r>
-              <a:rPr lang="es-PE" sz="1200" i="1" dirty="0" err="1" smtClean="0"/>
-              <a:t>Method</a:t>
-            </a:r>
-            <a:r>
-              <a:rPr lang="es-PE" sz="1200" i="1" dirty="0" smtClean="0"/>
-              <a:t>, </a:t>
-            </a:r>
-            <a:r>
-              <a:rPr lang="es-PE" sz="1200" i="1" dirty="0" err="1" smtClean="0"/>
-              <a:t>Inline</a:t>
-            </a:r>
-            <a:r>
-              <a:rPr lang="es-PE" sz="1200" i="1" dirty="0" smtClean="0"/>
-              <a:t> </a:t>
-            </a:r>
-            <a:r>
-              <a:rPr lang="es-PE" sz="1200" i="1" dirty="0" err="1" smtClean="0"/>
-              <a:t>Method</a:t>
-            </a:r>
-            <a:r>
-              <a:rPr lang="es-PE" sz="1200" i="1" dirty="0" smtClean="0"/>
-              <a:t>, </a:t>
-            </a:r>
-            <a:r>
-              <a:rPr lang="es-PE" sz="1200" i="1" dirty="0" err="1" smtClean="0"/>
-              <a:t>Extract</a:t>
-            </a:r>
-            <a:r>
-              <a:rPr lang="es-PE" sz="1200" i="1" dirty="0" smtClean="0"/>
-              <a:t> Interface, </a:t>
-            </a:r>
-          </a:p>
-          <a:p>
-            <a:pPr algn="l"/>
-            <a:r>
-              <a:rPr lang="es-PE" sz="1200" i="1" dirty="0" err="1" smtClean="0"/>
-              <a:t>Replace</a:t>
-            </a:r>
-            <a:r>
-              <a:rPr lang="es-PE" sz="1200" i="1" dirty="0" smtClean="0"/>
-              <a:t> </a:t>
-            </a:r>
-            <a:r>
-              <a:rPr lang="es-PE" sz="1200" i="1" dirty="0" err="1" smtClean="0"/>
-              <a:t>Conditional</a:t>
-            </a:r>
-            <a:r>
-              <a:rPr lang="es-PE" sz="1200" i="1" dirty="0" smtClean="0"/>
-              <a:t> </a:t>
-            </a:r>
-            <a:r>
-              <a:rPr lang="es-PE" sz="1200" i="1" dirty="0" err="1" smtClean="0"/>
-              <a:t>with</a:t>
-            </a:r>
-            <a:r>
-              <a:rPr lang="es-PE" sz="1200" i="1" dirty="0" smtClean="0"/>
-              <a:t> </a:t>
-            </a:r>
-            <a:r>
-              <a:rPr lang="es-PE" sz="1200" i="1" dirty="0" err="1" smtClean="0"/>
-              <a:t>Polymorphism</a:t>
-            </a:r>
-            <a:r>
-              <a:rPr lang="es-PE" sz="1200" i="1" dirty="0" smtClean="0"/>
-              <a:t>, </a:t>
-            </a:r>
-            <a:r>
-              <a:rPr lang="es-PE" sz="1200" i="1" dirty="0" err="1" smtClean="0"/>
-              <a:t>etc</a:t>
-            </a:r>
-            <a:r>
-              <a:rPr lang="es-PE" sz="1200" i="1" dirty="0" smtClean="0"/>
-              <a:t>)</a:t>
-            </a:r>
-          </a:p>
-          <a:p>
-            <a:pPr algn="l"/>
             <a:endParaRPr lang="es-PE" dirty="0"/>
           </a:p>
         </p:txBody>
@@ -1274,7 +3881,7 @@
     </p:spTree>
     <p:extLst>
       <p:ext uri="{BB962C8B-B14F-4D97-AF65-F5344CB8AC3E}">
-        <p14:creationId xmlns:p14="http://schemas.microsoft.com/office/powerpoint/2010/main" val="3614550747"/>
+        <p14:creationId xmlns:p14="http://schemas.microsoft.com/office/powerpoint/2010/main" val="1461112982"/>
       </p:ext>
     </p:extLst>
   </p:cSld>
@@ -1329,6 +3936,112 @@
           <a:lstStyle/>
           <a:p>
             <a:pPr algn="l"/>
+            <a:r>
+              <a:rPr lang="es-PE" sz="1200" i="1" dirty="0" smtClean="0"/>
+              <a:t>Existe un gran catálogo de </a:t>
+            </a:r>
+            <a:r>
+              <a:rPr lang="es-PE" sz="1200" i="1" dirty="0" err="1" smtClean="0"/>
+              <a:t>refactorings</a:t>
+            </a:r>
+            <a:r>
+              <a:rPr lang="es-PE" sz="1200" i="1" baseline="0" dirty="0" smtClean="0"/>
+              <a:t> y la meta es tratar de practicar la mayor cantidad </a:t>
+            </a:r>
+            <a:endParaRPr lang="es-PE" sz="1200" i="1" dirty="0" smtClean="0"/>
+          </a:p>
+          <a:p>
+            <a:pPr algn="l"/>
+            <a:r>
+              <a:rPr lang="es-PE" sz="1200" i="1" dirty="0" smtClean="0"/>
+              <a:t>(</a:t>
+            </a:r>
+            <a:r>
+              <a:rPr lang="es-PE" sz="1200" i="1" dirty="0" err="1" smtClean="0"/>
+              <a:t>Move</a:t>
+            </a:r>
+            <a:r>
+              <a:rPr lang="es-PE" sz="1200" i="1" dirty="0" smtClean="0"/>
+              <a:t> </a:t>
+            </a:r>
+            <a:r>
+              <a:rPr lang="es-PE" sz="1200" i="1" dirty="0" err="1" smtClean="0"/>
+              <a:t>Method</a:t>
+            </a:r>
+            <a:r>
+              <a:rPr lang="es-PE" sz="1200" i="1" dirty="0" smtClean="0"/>
+              <a:t>, </a:t>
+            </a:r>
+            <a:r>
+              <a:rPr lang="es-PE" sz="1200" i="1" dirty="0" err="1" smtClean="0"/>
+              <a:t>Inline</a:t>
+            </a:r>
+            <a:r>
+              <a:rPr lang="es-PE" sz="1200" i="1" dirty="0" smtClean="0"/>
+              <a:t> </a:t>
+            </a:r>
+            <a:r>
+              <a:rPr lang="es-PE" sz="1200" i="1" dirty="0" err="1" smtClean="0"/>
+              <a:t>Method</a:t>
+            </a:r>
+            <a:r>
+              <a:rPr lang="es-PE" sz="1200" i="1" dirty="0" smtClean="0"/>
+              <a:t>, </a:t>
+            </a:r>
+            <a:r>
+              <a:rPr lang="es-PE" sz="1200" i="1" dirty="0" err="1" smtClean="0"/>
+              <a:t>Extract</a:t>
+            </a:r>
+            <a:r>
+              <a:rPr lang="es-PE" sz="1200" i="1" dirty="0" smtClean="0"/>
+              <a:t> Interface, </a:t>
+            </a:r>
+          </a:p>
+          <a:p>
+            <a:pPr algn="l"/>
+            <a:r>
+              <a:rPr lang="es-PE" sz="1200" i="1" dirty="0" err="1" smtClean="0"/>
+              <a:t>Replace</a:t>
+            </a:r>
+            <a:r>
+              <a:rPr lang="es-PE" sz="1200" i="1" dirty="0" smtClean="0"/>
+              <a:t> </a:t>
+            </a:r>
+            <a:r>
+              <a:rPr lang="es-PE" sz="1200" i="1" dirty="0" err="1" smtClean="0"/>
+              <a:t>Conditional</a:t>
+            </a:r>
+            <a:r>
+              <a:rPr lang="es-PE" sz="1200" i="1" dirty="0" smtClean="0"/>
+              <a:t> </a:t>
+            </a:r>
+            <a:r>
+              <a:rPr lang="es-PE" sz="1200" i="1" dirty="0" err="1" smtClean="0"/>
+              <a:t>with</a:t>
+            </a:r>
+            <a:r>
+              <a:rPr lang="es-PE" sz="1200" i="1" dirty="0" smtClean="0"/>
+              <a:t> </a:t>
+            </a:r>
+            <a:r>
+              <a:rPr lang="es-PE" sz="1200" i="1" dirty="0" err="1" smtClean="0"/>
+              <a:t>Polymorphism</a:t>
+            </a:r>
+            <a:r>
+              <a:rPr lang="es-PE" sz="1200" i="1" dirty="0" smtClean="0"/>
+              <a:t>, </a:t>
+            </a:r>
+            <a:r>
+              <a:rPr lang="es-PE" sz="1200" i="1" dirty="0" err="1" smtClean="0"/>
+              <a:t>etc</a:t>
+            </a:r>
+            <a:r>
+              <a:rPr lang="es-PE" sz="1200" i="1" dirty="0" smtClean="0"/>
+              <a:t>)</a:t>
+            </a:r>
+          </a:p>
+          <a:p>
+            <a:pPr algn="l"/>
             <a:endParaRPr lang="es-PE" dirty="0"/>
           </a:p>
         </p:txBody>
@@ -1414,6 +4127,112 @@
           <a:lstStyle/>
           <a:p>
             <a:pPr algn="l"/>
+            <a:r>
+              <a:rPr lang="es-PE" sz="1200" i="1" dirty="0" smtClean="0"/>
+              <a:t>Existe un gran catálogo de </a:t>
+            </a:r>
+            <a:r>
+              <a:rPr lang="es-PE" sz="1200" i="1" dirty="0" err="1" smtClean="0"/>
+              <a:t>refactorings</a:t>
+            </a:r>
+            <a:r>
+              <a:rPr lang="es-PE" sz="1200" i="1" baseline="0" dirty="0" smtClean="0"/>
+              <a:t> y la meta es tratar de practicar la mayor cantidad </a:t>
+            </a:r>
+            <a:endParaRPr lang="es-PE" sz="1200" i="1" dirty="0" smtClean="0"/>
+          </a:p>
+          <a:p>
+            <a:pPr algn="l"/>
+            <a:r>
+              <a:rPr lang="es-PE" sz="1200" i="1" dirty="0" smtClean="0"/>
+              <a:t>(</a:t>
+            </a:r>
+            <a:r>
+              <a:rPr lang="es-PE" sz="1200" i="1" dirty="0" err="1" smtClean="0"/>
+              <a:t>Move</a:t>
+            </a:r>
+            <a:r>
+              <a:rPr lang="es-PE" sz="1200" i="1" dirty="0" smtClean="0"/>
+              <a:t> </a:t>
+            </a:r>
+            <a:r>
+              <a:rPr lang="es-PE" sz="1200" i="1" dirty="0" err="1" smtClean="0"/>
+              <a:t>Method</a:t>
+            </a:r>
+            <a:r>
+              <a:rPr lang="es-PE" sz="1200" i="1" dirty="0" smtClean="0"/>
+              <a:t>, </a:t>
+            </a:r>
+            <a:r>
+              <a:rPr lang="es-PE" sz="1200" i="1" dirty="0" err="1" smtClean="0"/>
+              <a:t>Inline</a:t>
+            </a:r>
+            <a:r>
+              <a:rPr lang="es-PE" sz="1200" i="1" dirty="0" smtClean="0"/>
+              <a:t> </a:t>
+            </a:r>
+            <a:r>
+              <a:rPr lang="es-PE" sz="1200" i="1" dirty="0" err="1" smtClean="0"/>
+              <a:t>Method</a:t>
+            </a:r>
+            <a:r>
+              <a:rPr lang="es-PE" sz="1200" i="1" dirty="0" smtClean="0"/>
+              <a:t>, </a:t>
+            </a:r>
+            <a:r>
+              <a:rPr lang="es-PE" sz="1200" i="1" dirty="0" err="1" smtClean="0"/>
+              <a:t>Extract</a:t>
+            </a:r>
+            <a:r>
+              <a:rPr lang="es-PE" sz="1200" i="1" dirty="0" smtClean="0"/>
+              <a:t> Interface, </a:t>
+            </a:r>
+          </a:p>
+          <a:p>
+            <a:pPr algn="l"/>
+            <a:r>
+              <a:rPr lang="es-PE" sz="1200" i="1" dirty="0" err="1" smtClean="0"/>
+              <a:t>Replace</a:t>
+            </a:r>
+            <a:r>
+              <a:rPr lang="es-PE" sz="1200" i="1" dirty="0" smtClean="0"/>
+              <a:t> </a:t>
+            </a:r>
+            <a:r>
+              <a:rPr lang="es-PE" sz="1200" i="1" dirty="0" err="1" smtClean="0"/>
+              <a:t>Conditional</a:t>
+            </a:r>
+            <a:r>
+              <a:rPr lang="es-PE" sz="1200" i="1" dirty="0" smtClean="0"/>
+              <a:t> </a:t>
+            </a:r>
+            <a:r>
+              <a:rPr lang="es-PE" sz="1200" i="1" dirty="0" err="1" smtClean="0"/>
+              <a:t>with</a:t>
+            </a:r>
+            <a:r>
+              <a:rPr lang="es-PE" sz="1200" i="1" dirty="0" smtClean="0"/>
+              <a:t> </a:t>
+            </a:r>
+            <a:r>
+              <a:rPr lang="es-PE" sz="1200" i="1" dirty="0" err="1" smtClean="0"/>
+              <a:t>Polymorphism</a:t>
+            </a:r>
+            <a:r>
+              <a:rPr lang="es-PE" sz="1200" i="1" dirty="0" smtClean="0"/>
+              <a:t>, </a:t>
+            </a:r>
+            <a:r>
+              <a:rPr lang="es-PE" sz="1200" i="1" dirty="0" err="1" smtClean="0"/>
+              <a:t>etc</a:t>
+            </a:r>
+            <a:r>
+              <a:rPr lang="es-PE" sz="1200" i="1" dirty="0" smtClean="0"/>
+              <a:t>)</a:t>
+            </a:r>
+          </a:p>
+          <a:p>
+            <a:pPr algn="l"/>
             <a:endParaRPr lang="es-PE" dirty="0"/>
           </a:p>
         </p:txBody>
@@ -1708,6 +4527,176 @@
             <a:fld id="{96DE5A63-0F1F-4DC0-ADE0-CC17EBA6F230}" type="slidenum">
               <a:rPr lang="es-PE" smtClean="0"/>
               <a:t>2</a:t>
+            </a:fld>
+            <a:endParaRPr lang="es-PE"/>
+          </a:p>
+        </p:txBody>
+      </p:sp>
+    </p:spTree>
+    <p:extLst>
+      <p:ext uri="{BB962C8B-B14F-4D97-AF65-F5344CB8AC3E}">
+        <p14:creationId xmlns:p14="http://schemas.microsoft.com/office/powerpoint/2010/main" val="3614550747"/>
+      </p:ext>
+    </p:extLst>
+  </p:cSld>
+  <p:clrMapOvr>
+    <a:masterClrMapping/>
+  </p:clrMapOvr>
+</p:notes>
+</file>
+
+<file path=ppt/notesSlides/notesSlide20.xml><?xml version="1.0" encoding="utf-8"?>
+<p:notes xmlns:a="http://schemas.openxmlformats.org/drawingml/2006/main" xmlns:r="http://schemas.openxmlformats.org/officeDocument/2006/relationships" xmlns:p="http://schemas.openxmlformats.org/presentationml/2006/main">
+  <p:cSld>
+    <p:spTree>
+      <p:nvGrpSpPr>
+        <p:cNvPr id="1" name=""/>
+        <p:cNvGrpSpPr/>
+        <p:nvPr/>
+      </p:nvGrpSpPr>
+      <p:grpSpPr>
+        <a:xfrm>
+          <a:off x="0" y="0"/>
+          <a:ext cx="0" cy="0"/>
+          <a:chOff x="0" y="0"/>
+          <a:chExt cx="0" cy="0"/>
+        </a:xfrm>
+      </p:grpSpPr>
+      <p:sp>
+        <p:nvSpPr>
+          <p:cNvPr id="2" name="1 Marcador de imagen de diapositiva"/>
+          <p:cNvSpPr>
+            <a:spLocks noGrp="1" noRot="1" noChangeAspect="1"/>
+          </p:cNvSpPr>
+          <p:nvPr>
+            <p:ph type="sldImg"/>
+          </p:nvPr>
+        </p:nvSpPr>
+        <p:spPr/>
+      </p:sp>
+      <p:sp>
+        <p:nvSpPr>
+          <p:cNvPr id="3" name="2 Marcador de notas"/>
+          <p:cNvSpPr>
+            <a:spLocks noGrp="1"/>
+          </p:cNvSpPr>
+          <p:nvPr>
+            <p:ph type="body" idx="1"/>
+          </p:nvPr>
+        </p:nvSpPr>
+        <p:spPr/>
+        <p:txBody>
+          <a:bodyPr/>
+          <a:lstStyle/>
+          <a:p>
+            <a:pPr algn="l"/>
+            <a:endParaRPr lang="es-PE" dirty="0"/>
+          </a:p>
+        </p:txBody>
+      </p:sp>
+      <p:sp>
+        <p:nvSpPr>
+          <p:cNvPr id="4" name="3 Marcador de número de diapositiva"/>
+          <p:cNvSpPr>
+            <a:spLocks noGrp="1"/>
+          </p:cNvSpPr>
+          <p:nvPr>
+            <p:ph type="sldNum" sz="quarter" idx="10"/>
+          </p:nvPr>
+        </p:nvSpPr>
+        <p:spPr/>
+        <p:txBody>
+          <a:bodyPr/>
+          <a:lstStyle/>
+          <a:p>
+            <a:fld id="{96DE5A63-0F1F-4DC0-ADE0-CC17EBA6F230}" type="slidenum">
+              <a:rPr lang="es-PE" smtClean="0"/>
+              <a:t>20</a:t>
+            </a:fld>
+            <a:endParaRPr lang="es-PE"/>
+          </a:p>
+        </p:txBody>
+      </p:sp>
+    </p:spTree>
+    <p:extLst>
+      <p:ext uri="{BB962C8B-B14F-4D97-AF65-F5344CB8AC3E}">
+        <p14:creationId xmlns:p14="http://schemas.microsoft.com/office/powerpoint/2010/main" val="3614550747"/>
+      </p:ext>
+    </p:extLst>
+  </p:cSld>
+  <p:clrMapOvr>
+    <a:masterClrMapping/>
+  </p:clrMapOvr>
+</p:notes>
+</file>
+
+<file path=ppt/notesSlides/notesSlide21.xml><?xml version="1.0" encoding="utf-8"?>
+<p:notes xmlns:a="http://schemas.openxmlformats.org/drawingml/2006/main" xmlns:r="http://schemas.openxmlformats.org/officeDocument/2006/relationships" xmlns:p="http://schemas.openxmlformats.org/presentationml/2006/main">
+  <p:cSld>
+    <p:spTree>
+      <p:nvGrpSpPr>
+        <p:cNvPr id="1" name=""/>
+        <p:cNvGrpSpPr/>
+        <p:nvPr/>
+      </p:nvGrpSpPr>
+      <p:grpSpPr>
+        <a:xfrm>
+          <a:off x="0" y="0"/>
+          <a:ext cx="0" cy="0"/>
+          <a:chOff x="0" y="0"/>
+          <a:chExt cx="0" cy="0"/>
+        </a:xfrm>
+      </p:grpSpPr>
+      <p:sp>
+        <p:nvSpPr>
+          <p:cNvPr id="2" name="1 Marcador de imagen de diapositiva"/>
+          <p:cNvSpPr>
+            <a:spLocks noGrp="1" noRot="1" noChangeAspect="1"/>
+          </p:cNvSpPr>
+          <p:nvPr>
+            <p:ph type="sldImg"/>
+          </p:nvPr>
+        </p:nvSpPr>
+        <p:spPr/>
+      </p:sp>
+      <p:sp>
+        <p:nvSpPr>
+          <p:cNvPr id="3" name="2 Marcador de notas"/>
+          <p:cNvSpPr>
+            <a:spLocks noGrp="1"/>
+          </p:cNvSpPr>
+          <p:nvPr>
+            <p:ph type="body" idx="1"/>
+          </p:nvPr>
+        </p:nvSpPr>
+        <p:spPr/>
+        <p:txBody>
+          <a:bodyPr/>
+          <a:lstStyle/>
+          <a:p>
+            <a:pPr algn="l"/>
+            <a:endParaRPr lang="es-PE" dirty="0"/>
+          </a:p>
+        </p:txBody>
+      </p:sp>
+      <p:sp>
+        <p:nvSpPr>
+          <p:cNvPr id="4" name="3 Marcador de número de diapositiva"/>
+          <p:cNvSpPr>
+            <a:spLocks noGrp="1"/>
+          </p:cNvSpPr>
+          <p:nvPr>
+            <p:ph type="sldNum" sz="quarter" idx="10"/>
+          </p:nvPr>
+        </p:nvSpPr>
+        <p:spPr/>
+        <p:txBody>
+          <a:bodyPr/>
+          <a:lstStyle/>
+          <a:p>
+            <a:fld id="{96DE5A63-0F1F-4DC0-ADE0-CC17EBA6F230}" type="slidenum">
+              <a:rPr lang="es-PE" smtClean="0"/>
+              <a:t>21</a:t>
             </a:fld>
             <a:endParaRPr lang="es-PE"/>
           </a:p>
@@ -5717,6 +8706,333 @@
                   <a:srgbClr val="FF0000"/>
                 </a:solidFill>
               </a:rPr>
+              <a:t>Puntaje</a:t>
+            </a:r>
+            <a:endParaRPr lang="es-PE" dirty="0">
+              <a:solidFill>
+                <a:srgbClr val="FF0000"/>
+              </a:solidFill>
+            </a:endParaRPr>
+          </a:p>
+        </p:txBody>
+      </p:sp>
+      <p:sp>
+        <p:nvSpPr>
+          <p:cNvPr id="3" name="2 Rectángulo"/>
+          <p:cNvSpPr/>
+          <p:nvPr>
+            <p:custDataLst>
+              <p:tags r:id="rId3"/>
+            </p:custDataLst>
+          </p:nvPr>
+        </p:nvSpPr>
+        <p:spPr>
+          <a:xfrm>
+            <a:off x="251520" y="1052736"/>
+            <a:ext cx="8712968" cy="3323987"/>
+          </a:xfrm>
+          <a:prstGeom prst="rect">
+            <a:avLst/>
+          </a:prstGeom>
+        </p:spPr>
+        <p:txBody>
+          <a:bodyPr wrap="square">
+            <a:spAutoFit/>
+          </a:bodyPr>
+          <a:lstStyle/>
+          <a:p>
+            <a:pPr algn="ctr"/>
+            <a:r>
+              <a:rPr lang="es-PE" sz="3500" dirty="0">
+                <a:solidFill>
+                  <a:srgbClr val="00823B"/>
+                </a:solidFill>
+              </a:rPr>
+              <a:t>Penalidades</a:t>
+            </a:r>
+          </a:p>
+          <a:p>
+            <a:r>
+              <a:rPr lang="es-PE" sz="3500" dirty="0"/>
+              <a:t>+2 Cada línea modificada </a:t>
+            </a:r>
+            <a:r>
+              <a:rPr lang="es-PE" sz="3500" dirty="0" smtClean="0"/>
+              <a:t>manualmente</a:t>
+            </a:r>
+          </a:p>
+          <a:p>
+            <a:r>
+              <a:rPr lang="es-PE" sz="3500" dirty="0" smtClean="0"/>
+              <a:t>x2 Cada cambio mientras </a:t>
+            </a:r>
+            <a:r>
+              <a:rPr lang="es-PE" sz="3500" dirty="0"/>
+              <a:t>no </a:t>
+            </a:r>
+            <a:r>
+              <a:rPr lang="es-PE" sz="3500" dirty="0" smtClean="0"/>
+              <a:t>compile</a:t>
+            </a:r>
+          </a:p>
+          <a:p>
+            <a:r>
+              <a:rPr lang="es-PE" sz="3500" dirty="0" smtClean="0"/>
+              <a:t>X3 Cada cambio mientras no pasen las pruebas</a:t>
+            </a:r>
+          </a:p>
+          <a:p>
+            <a:r>
+              <a:rPr lang="es-PE" sz="3500" dirty="0" smtClean="0"/>
+              <a:t>+999 Si las pruebas no pasan al terminar el hoyo</a:t>
+            </a:r>
+            <a:endParaRPr lang="es-PE" sz="3500" dirty="0" smtClean="0"/>
+          </a:p>
+        </p:txBody>
+      </p:sp>
+    </p:spTree>
+    <p:custDataLst>
+      <p:tags r:id="rId1"/>
+    </p:custDataLst>
+    <p:extLst>
+      <p:ext uri="{BB962C8B-B14F-4D97-AF65-F5344CB8AC3E}">
+        <p14:creationId xmlns:p14="http://schemas.microsoft.com/office/powerpoint/2010/main" val="2044733697"/>
+      </p:ext>
+    </p:extLst>
+  </p:cSld>
+  <p:clrMapOvr>
+    <a:masterClrMapping/>
+  </p:clrMapOvr>
+  <p:timing>
+    <p:tnLst>
+      <p:par>
+        <p:cTn xmlns:p14="http://schemas.microsoft.com/office/powerpoint/2010/main" id="1" dur="indefinite" restart="never" nodeType="tmRoot"/>
+      </p:par>
+    </p:tnLst>
+  </p:timing>
+</p:sld>
+</file>
+
+<file path=ppt/slides/slide11.xml><?xml version="1.0" encoding="utf-8"?>
+<p:sld xmlns:a="http://schemas.openxmlformats.org/drawingml/2006/main" xmlns:r="http://schemas.openxmlformats.org/officeDocument/2006/relationships" xmlns:p="http://schemas.openxmlformats.org/presentationml/2006/main">
+  <p:cSld>
+    <p:spTree>
+      <p:nvGrpSpPr>
+        <p:cNvPr id="1" name=""/>
+        <p:cNvGrpSpPr/>
+        <p:nvPr/>
+      </p:nvGrpSpPr>
+      <p:grpSpPr>
+        <a:xfrm>
+          <a:off x="0" y="0"/>
+          <a:ext cx="0" cy="0"/>
+          <a:chOff x="0" y="0"/>
+          <a:chExt cx="0" cy="0"/>
+        </a:xfrm>
+      </p:grpSpPr>
+      <p:sp>
+        <p:nvSpPr>
+          <p:cNvPr id="18" name="1 Título"/>
+          <p:cNvSpPr>
+            <a:spLocks noGrp="1"/>
+          </p:cNvSpPr>
+          <p:nvPr>
+            <p:ph type="title"/>
+            <p:custDataLst>
+              <p:tags r:id="rId2"/>
+            </p:custDataLst>
+          </p:nvPr>
+        </p:nvSpPr>
+        <p:spPr>
+          <a:xfrm>
+            <a:off x="457200" y="332656"/>
+            <a:ext cx="8229600" cy="1224136"/>
+          </a:xfrm>
+        </p:spPr>
+        <p:txBody>
+          <a:bodyPr>
+            <a:normAutofit fontScale="90000"/>
+          </a:bodyPr>
+          <a:lstStyle/>
+          <a:p>
+            <a:r>
+              <a:rPr lang="es-PE" dirty="0" smtClean="0">
+                <a:solidFill>
+                  <a:srgbClr val="FF0000"/>
+                </a:solidFill>
+              </a:rPr>
+              <a:t>C</a:t>
+            </a:r>
+            <a:r>
+              <a:rPr lang="es-PE" dirty="0" smtClean="0">
+                <a:solidFill>
+                  <a:srgbClr val="FF0000"/>
+                </a:solidFill>
+              </a:rPr>
+              <a:t>ómo triunfar en este desafío </a:t>
+            </a:r>
+            <a:br>
+              <a:rPr lang="es-PE" dirty="0" smtClean="0">
+                <a:solidFill>
+                  <a:srgbClr val="FF0000"/>
+                </a:solidFill>
+              </a:rPr>
+            </a:br>
+            <a:r>
+              <a:rPr lang="es-PE" dirty="0" smtClean="0">
+                <a:solidFill>
+                  <a:srgbClr val="FF0000"/>
+                </a:solidFill>
+              </a:rPr>
+              <a:t>(y en Refactoring)?</a:t>
+            </a:r>
+            <a:endParaRPr lang="es-PE" dirty="0">
+              <a:solidFill>
+                <a:srgbClr val="FF0000"/>
+              </a:solidFill>
+            </a:endParaRPr>
+          </a:p>
+        </p:txBody>
+      </p:sp>
+      <p:graphicFrame>
+        <p:nvGraphicFramePr>
+          <p:cNvPr id="4" name="12 Diagrama"/>
+          <p:cNvGraphicFramePr/>
+          <p:nvPr>
+            <p:extLst>
+              <p:ext uri="{D42A27DB-BD31-4B8C-83A1-F6EECF244321}">
+                <p14:modId xmlns:p14="http://schemas.microsoft.com/office/powerpoint/2010/main" val="469313183"/>
+              </p:ext>
+            </p:extLst>
+          </p:nvPr>
+        </p:nvGraphicFramePr>
+        <p:xfrm>
+          <a:off x="656531" y="3861048"/>
+          <a:ext cx="8163941" cy="1020680"/>
+        </p:xfrm>
+        <a:graphic>
+          <a:graphicData uri="http://schemas.openxmlformats.org/drawingml/2006/diagram">
+            <dgm:relIds xmlns:dgm="http://schemas.openxmlformats.org/drawingml/2006/diagram" xmlns:r="http://schemas.openxmlformats.org/officeDocument/2006/relationships" r:dm="rId6" r:lo="rId7" r:qs="rId8" r:cs="rId9"/>
+          </a:graphicData>
+        </a:graphic>
+      </p:graphicFrame>
+      <p:sp>
+        <p:nvSpPr>
+          <p:cNvPr id="5" name="2 Rectángulo"/>
+          <p:cNvSpPr/>
+          <p:nvPr>
+            <p:custDataLst>
+              <p:tags r:id="rId3"/>
+            </p:custDataLst>
+          </p:nvPr>
+        </p:nvSpPr>
+        <p:spPr>
+          <a:xfrm>
+            <a:off x="395536" y="2187441"/>
+            <a:ext cx="8280920" cy="1169551"/>
+          </a:xfrm>
+          <a:prstGeom prst="rect">
+            <a:avLst/>
+          </a:prstGeom>
+        </p:spPr>
+        <p:txBody>
+          <a:bodyPr wrap="square">
+            <a:spAutoFit/>
+          </a:bodyPr>
+          <a:lstStyle/>
+          <a:p>
+            <a:pPr marL="457200" indent="-457200">
+              <a:buFont typeface="Arial"/>
+              <a:buChar char="•"/>
+            </a:pPr>
+            <a:r>
+              <a:rPr lang="es-PE" sz="3500" dirty="0" smtClean="0"/>
+              <a:t>Baby Steps</a:t>
+            </a:r>
+            <a:endParaRPr lang="es-PE" sz="3500" dirty="0" smtClean="0"/>
+          </a:p>
+          <a:p>
+            <a:pPr marL="457200" indent="-457200">
+              <a:buFont typeface="Arial"/>
+              <a:buChar char="•"/>
+            </a:pPr>
+            <a:r>
+              <a:rPr lang="es-PE" sz="3500" dirty="0" smtClean="0"/>
+              <a:t>Ejecutar las pruebas constantemente</a:t>
+            </a:r>
+            <a:endParaRPr lang="es-PE" sz="3500" dirty="0" smtClean="0"/>
+          </a:p>
+        </p:txBody>
+      </p:sp>
+    </p:spTree>
+    <p:custDataLst>
+      <p:tags r:id="rId1"/>
+    </p:custDataLst>
+    <p:extLst>
+      <p:ext uri="{BB962C8B-B14F-4D97-AF65-F5344CB8AC3E}">
+        <p14:creationId xmlns:p14="http://schemas.microsoft.com/office/powerpoint/2010/main" val="1682063905"/>
+      </p:ext>
+    </p:extLst>
+  </p:cSld>
+  <p:clrMapOvr>
+    <a:masterClrMapping/>
+  </p:clrMapOvr>
+  <p:timing>
+    <p:tnLst>
+      <p:par>
+        <p:cTn xmlns:p14="http://schemas.microsoft.com/office/powerpoint/2010/main" id="1" dur="indefinite" restart="never" nodeType="tmRoot"/>
+      </p:par>
+    </p:tnLst>
+  </p:timing>
+</p:sld>
+</file>
+
+<file path=ppt/slides/slide12.xml><?xml version="1.0" encoding="utf-8"?>
+<p:sld xmlns:a="http://schemas.openxmlformats.org/drawingml/2006/main" xmlns:r="http://schemas.openxmlformats.org/officeDocument/2006/relationships" xmlns:p="http://schemas.openxmlformats.org/presentationml/2006/main">
+  <p:cSld>
+    <p:spTree>
+      <p:nvGrpSpPr>
+        <p:cNvPr id="1" name=""/>
+        <p:cNvGrpSpPr/>
+        <p:nvPr/>
+      </p:nvGrpSpPr>
+      <p:grpSpPr>
+        <a:xfrm>
+          <a:off x="0" y="0"/>
+          <a:ext cx="0" cy="0"/>
+          <a:chOff x="0" y="0"/>
+          <a:chExt cx="0" cy="0"/>
+        </a:xfrm>
+      </p:grpSpPr>
+      <p:sp>
+        <p:nvSpPr>
+          <p:cNvPr id="18" name="1 Título"/>
+          <p:cNvSpPr>
+            <a:spLocks noGrp="1"/>
+          </p:cNvSpPr>
+          <p:nvPr>
+            <p:ph type="title"/>
+            <p:custDataLst>
+              <p:tags r:id="rId2"/>
+            </p:custDataLst>
+          </p:nvPr>
+        </p:nvSpPr>
+        <p:spPr>
+          <a:xfrm>
+            <a:off x="457200" y="160885"/>
+            <a:ext cx="8229600" cy="792088"/>
+          </a:xfrm>
+        </p:spPr>
+        <p:txBody>
+          <a:bodyPr/>
+          <a:lstStyle/>
+          <a:p>
+            <a:r>
+              <a:rPr lang="es-PE" dirty="0" smtClean="0">
+                <a:solidFill>
+                  <a:srgbClr val="FF0000"/>
+                </a:solidFill>
+              </a:rPr>
               <a:t>Equipo Ganador</a:t>
             </a:r>
             <a:endParaRPr lang="es-PE" dirty="0">
@@ -5795,7 +9111,7 @@
 </p:sld>
 </file>
 
-<file path=ppt/slides/slide11.xml><?xml version="1.0" encoding="utf-8"?>
+<file path=ppt/slides/slide13.xml><?xml version="1.0" encoding="utf-8"?>
 <p:sld xmlns:a="http://schemas.openxmlformats.org/drawingml/2006/main" xmlns:r="http://schemas.openxmlformats.org/officeDocument/2006/relationships" xmlns:p="http://schemas.openxmlformats.org/presentationml/2006/main">
   <p:cSld>
     <p:spTree>
@@ -5943,7 +9259,7 @@
 </p:sld>
 </file>
 
-<file path=ppt/slides/slide12.xml><?xml version="1.0" encoding="utf-8"?>
+<file path=ppt/slides/slide14.xml><?xml version="1.0" encoding="utf-8"?>
 <p:sld xmlns:a="http://schemas.openxmlformats.org/drawingml/2006/main" xmlns:r="http://schemas.openxmlformats.org/officeDocument/2006/relationships" xmlns:p="http://schemas.openxmlformats.org/presentationml/2006/main">
   <p:cSld>
     <p:spTree>
@@ -6058,7 +9374,7 @@
 </p:sld>
 </file>
 
-<file path=ppt/slides/slide13.xml><?xml version="1.0" encoding="utf-8"?>
+<file path=ppt/slides/slide15.xml><?xml version="1.0" encoding="utf-8"?>
 <p:sld xmlns:a="http://schemas.openxmlformats.org/drawingml/2006/main" xmlns:r="http://schemas.openxmlformats.org/officeDocument/2006/relationships" xmlns:p="http://schemas.openxmlformats.org/presentationml/2006/main">
   <p:cSld>
     <p:spTree>
@@ -6173,7 +9489,7 @@
 </p:sld>
 </file>
 
-<file path=ppt/slides/slide14.xml><?xml version="1.0" encoding="utf-8"?>
+<file path=ppt/slides/slide16.xml><?xml version="1.0" encoding="utf-8"?>
 <p:sld xmlns:a="http://schemas.openxmlformats.org/drawingml/2006/main" xmlns:r="http://schemas.openxmlformats.org/officeDocument/2006/relationships" xmlns:p="http://schemas.openxmlformats.org/presentationml/2006/main">
   <p:cSld>
     <p:spTree>
@@ -6260,15 +9576,7 @@
             <a:pPr algn="ctr"/>
             <a:r>
               <a:rPr lang="es-PE" sz="4000" dirty="0" smtClean="0"/>
-              <a:t>Aprender y practicar </a:t>
-            </a:r>
-            <a:r>
-              <a:rPr lang="es-PE" sz="4000" dirty="0" smtClean="0"/>
-              <a:t>refactorizaciones at</a:t>
-            </a:r>
-            <a:r>
-              <a:rPr lang="es-PE" sz="4000" dirty="0" smtClean="0"/>
-              <a:t>ómicas y complejas.</a:t>
+              <a:t>Aprender y practicar refactorizaciones atómicas y complejas.</a:t>
             </a:r>
             <a:endParaRPr lang="es-PE" sz="4000" dirty="0"/>
           </a:p>
@@ -6297,7 +9605,7 @@
 </p:sld>
 </file>
 
-<file path=ppt/slides/slide15.xml><?xml version="1.0" encoding="utf-8"?>
+<file path=ppt/slides/slide17.xml><?xml version="1.0" encoding="utf-8"?>
 <p:sld xmlns:a="http://schemas.openxmlformats.org/drawingml/2006/main" xmlns:r="http://schemas.openxmlformats.org/officeDocument/2006/relationships" xmlns:p="http://schemas.openxmlformats.org/presentationml/2006/main">
   <p:cSld>
     <p:spTree>
@@ -6420,7 +9728,7 @@
 </p:sld>
 </file>
 
-<file path=ppt/slides/slide16.xml><?xml version="1.0" encoding="utf-8"?>
+<file path=ppt/slides/slide18.xml><?xml version="1.0" encoding="utf-8"?>
 <p:sld xmlns:a="http://schemas.openxmlformats.org/drawingml/2006/main" xmlns:r="http://schemas.openxmlformats.org/officeDocument/2006/relationships" xmlns:p="http://schemas.openxmlformats.org/presentationml/2006/main">
   <p:cSld>
     <p:spTree>
@@ -6646,7 +9954,7 @@
 </p:sld>
 </file>
 
-<file path=ppt/slides/slide17.xml><?xml version="1.0" encoding="utf-8"?>
+<file path=ppt/slides/slide19.xml><?xml version="1.0" encoding="utf-8"?>
 <p:sld xmlns:a="http://schemas.openxmlformats.org/drawingml/2006/main" xmlns:r="http://schemas.openxmlformats.org/officeDocument/2006/relationships" xmlns:p="http://schemas.openxmlformats.org/presentationml/2006/main">
   <p:cSld>
     <p:spTree>
@@ -6693,11 +10001,6 @@
               </a:rPr>
               <a:t>Próximos Pasos</a:t>
             </a:r>
-            <a:endParaRPr lang="es-PE" sz="4800" dirty="0">
-              <a:solidFill>
-                <a:srgbClr val="FF0000"/>
-              </a:solidFill>
-            </a:endParaRPr>
           </a:p>
         </p:txBody>
       </p:sp>
@@ -6759,7 +10062,6 @@
               <a:rPr lang="es-PE" sz="4000" dirty="0"/>
               <a:t>(pueden utilizar esta presentación)</a:t>
             </a:r>
-            <a:endParaRPr lang="es-PE" sz="4000" dirty="0"/>
           </a:p>
         </p:txBody>
       </p:sp>
@@ -6786,7 +10088,7 @@
 </p:sld>
 </file>
 
-<file path=ppt/slides/slide18.xml><?xml version="1.0" encoding="utf-8"?>
+<file path=ppt/slides/slide2.xml><?xml version="1.0" encoding="utf-8"?>
 <p:sld xmlns:a="http://schemas.openxmlformats.org/drawingml/2006/main" xmlns:r="http://schemas.openxmlformats.org/officeDocument/2006/relationships" xmlns:p="http://schemas.openxmlformats.org/presentationml/2006/main">
   <p:cSld>
     <p:spTree>
@@ -6818,6 +10120,176 @@
         </p:nvSpPr>
         <p:spPr>
           <a:xfrm>
+            <a:off x="457200" y="160885"/>
+            <a:ext cx="8229600" cy="792088"/>
+          </a:xfrm>
+        </p:spPr>
+        <p:txBody>
+          <a:bodyPr/>
+          <a:lstStyle/>
+          <a:p>
+            <a:r>
+              <a:rPr lang="es-PE" dirty="0" smtClean="0">
+                <a:solidFill>
+                  <a:srgbClr val="FF0000"/>
+                </a:solidFill>
+              </a:rPr>
+              <a:t>Objetivos</a:t>
+            </a:r>
+            <a:endParaRPr lang="es-PE" dirty="0">
+              <a:solidFill>
+                <a:srgbClr val="FF0000"/>
+              </a:solidFill>
+            </a:endParaRPr>
+          </a:p>
+        </p:txBody>
+      </p:sp>
+      <p:sp>
+        <p:nvSpPr>
+          <p:cNvPr id="9" name="8 CuadroTexto"/>
+          <p:cNvSpPr txBox="1"/>
+          <p:nvPr>
+            <p:custDataLst>
+              <p:tags r:id="rId3"/>
+            </p:custDataLst>
+          </p:nvPr>
+        </p:nvSpPr>
+        <p:spPr>
+          <a:xfrm>
+            <a:off x="294033" y="1155516"/>
+            <a:ext cx="8568951" cy="3785652"/>
+          </a:xfrm>
+          <a:prstGeom prst="rect">
+            <a:avLst/>
+          </a:prstGeom>
+          <a:noFill/>
+        </p:spPr>
+        <p:txBody>
+          <a:bodyPr wrap="square" rtlCol="0">
+            <a:spAutoFit/>
+          </a:bodyPr>
+          <a:lstStyle/>
+          <a:p>
+            <a:pPr marL="457200" indent="-457200">
+              <a:buFont typeface="Arial"/>
+              <a:buChar char="•"/>
+            </a:pPr>
+            <a:r>
+              <a:rPr lang="es-PE" sz="3000" dirty="0" smtClean="0"/>
+              <a:t>Aprender </a:t>
+            </a:r>
+            <a:r>
+              <a:rPr lang="es-PE" sz="3000" dirty="0"/>
+              <a:t>y compartir diversas técnicas de refactorización</a:t>
+            </a:r>
+            <a:r>
+              <a:rPr lang="es-PE" sz="3000" dirty="0" smtClean="0"/>
+              <a:t>.</a:t>
+            </a:r>
+          </a:p>
+          <a:p>
+            <a:pPr marL="457200" indent="-457200">
+              <a:buFont typeface="Arial"/>
+              <a:buChar char="•"/>
+            </a:pPr>
+            <a:endParaRPr lang="es-PE" sz="3000" dirty="0"/>
+          </a:p>
+          <a:p>
+            <a:pPr marL="457200" indent="-457200">
+              <a:buFont typeface="Arial"/>
+              <a:buChar char="•"/>
+            </a:pPr>
+            <a:r>
+              <a:rPr lang="es-PE" sz="3000" dirty="0" smtClean="0"/>
+              <a:t>Experimentar </a:t>
+            </a:r>
+            <a:r>
+              <a:rPr lang="es-PE" sz="3000" dirty="0"/>
+              <a:t>la refactorización mientras se aplica de forma correcta y disciplinada</a:t>
+            </a:r>
+            <a:r>
+              <a:rPr lang="es-PE" sz="3000" dirty="0" smtClean="0"/>
+              <a:t>.</a:t>
+            </a:r>
+          </a:p>
+          <a:p>
+            <a:pPr marL="457200" indent="-457200">
+              <a:buFont typeface="Arial"/>
+              <a:buChar char="•"/>
+            </a:pPr>
+            <a:endParaRPr lang="es-PE" sz="3000" dirty="0"/>
+          </a:p>
+          <a:p>
+            <a:pPr marL="457200" indent="-457200">
+              <a:buFont typeface="Arial"/>
+              <a:buChar char="•"/>
+            </a:pPr>
+            <a:r>
+              <a:rPr lang="es-PE" sz="3000" dirty="0" smtClean="0"/>
+              <a:t>Familiarizarse </a:t>
+            </a:r>
+            <a:r>
+              <a:rPr lang="es-PE" sz="3000" dirty="0"/>
+              <a:t>y ver los beneficios de los refactorings automatizados que proveen los IDES.</a:t>
+            </a:r>
+          </a:p>
+        </p:txBody>
+      </p:sp>
+    </p:spTree>
+    <p:custDataLst>
+      <p:tags r:id="rId1"/>
+    </p:custDataLst>
+    <p:extLst>
+      <p:ext uri="{BB962C8B-B14F-4D97-AF65-F5344CB8AC3E}">
+        <p14:creationId xmlns:p14="http://schemas.microsoft.com/office/powerpoint/2010/main" val="3484589936"/>
+      </p:ext>
+    </p:extLst>
+  </p:cSld>
+  <p:clrMapOvr>
+    <a:masterClrMapping/>
+  </p:clrMapOvr>
+  <p:timing>
+    <p:tnLst>
+      <p:par>
+        <p:cTn xmlns:p14="http://schemas.microsoft.com/office/powerpoint/2010/main" id="1" dur="indefinite" restart="never" nodeType="tmRoot"/>
+      </p:par>
+    </p:tnLst>
+  </p:timing>
+</p:sld>
+</file>
+
+<file path=ppt/slides/slide20.xml><?xml version="1.0" encoding="utf-8"?>
+<p:sld xmlns:a="http://schemas.openxmlformats.org/drawingml/2006/main" xmlns:r="http://schemas.openxmlformats.org/officeDocument/2006/relationships" xmlns:p="http://schemas.openxmlformats.org/presentationml/2006/main">
+  <p:cSld>
+    <p:spTree>
+      <p:nvGrpSpPr>
+        <p:cNvPr id="1" name=""/>
+        <p:cNvGrpSpPr/>
+        <p:nvPr/>
+      </p:nvGrpSpPr>
+      <p:grpSpPr>
+        <a:xfrm>
+          <a:off x="0" y="0"/>
+          <a:ext cx="0" cy="0"/>
+          <a:chOff x="0" y="0"/>
+          <a:chExt cx="0" cy="0"/>
+        </a:xfrm>
+      </p:grpSpPr>
+      <p:sp>
+        <p:nvSpPr>
+          <p:cNvPr id="18" name="1 Título"/>
+          <p:cNvSpPr>
+            <a:spLocks noGrp="1"/>
+          </p:cNvSpPr>
+          <p:nvPr>
+            <p:ph type="title"/>
+            <p:custDataLst>
+              <p:tags r:id="rId2"/>
+            </p:custDataLst>
+          </p:nvPr>
+        </p:nvSpPr>
+        <p:spPr>
+          <a:xfrm>
             <a:off x="457200" y="162000"/>
             <a:ext cx="8229600" cy="792088"/>
           </a:xfrm>
@@ -6870,11 +10342,7 @@
             <a:pPr marL="0" defTabSz="914400"/>
             <a:r>
               <a:rPr lang="es-PE" sz="2800" dirty="0" smtClean="0"/>
-              <a:t>Shopping Store (b</a:t>
-            </a:r>
-            <a:r>
-              <a:rPr lang="es-PE" sz="2800" dirty="0" smtClean="0"/>
-              <a:t>ásico)</a:t>
+              <a:t>Shopping Store (básico)</a:t>
             </a:r>
           </a:p>
           <a:p>
@@ -7056,7 +10524,7 @@
 </p:sld>
 </file>
 
-<file path=ppt/slides/slide19.xml><?xml version="1.0" encoding="utf-8"?>
+<file path=ppt/slides/slide21.xml><?xml version="1.0" encoding="utf-8"?>
 <p:sld xmlns:a="http://schemas.openxmlformats.org/drawingml/2006/main" xmlns:r="http://schemas.openxmlformats.org/officeDocument/2006/relationships" xmlns:p="http://schemas.openxmlformats.org/presentationml/2006/main">
   <p:cSld>
     <p:spTree>
@@ -7208,176 +10676,6 @@
     <p:extLst>
       <p:ext uri="{BB962C8B-B14F-4D97-AF65-F5344CB8AC3E}">
         <p14:creationId xmlns:p14="http://schemas.microsoft.com/office/powerpoint/2010/main" val="3569322866"/>
-      </p:ext>
-    </p:extLst>
-  </p:cSld>
-  <p:clrMapOvr>
-    <a:masterClrMapping/>
-  </p:clrMapOvr>
-  <p:timing>
-    <p:tnLst>
-      <p:par>
-        <p:cTn xmlns:p14="http://schemas.microsoft.com/office/powerpoint/2010/main" id="1" dur="indefinite" restart="never" nodeType="tmRoot"/>
-      </p:par>
-    </p:tnLst>
-  </p:timing>
-</p:sld>
-</file>
-
-<file path=ppt/slides/slide2.xml><?xml version="1.0" encoding="utf-8"?>
-<p:sld xmlns:a="http://schemas.openxmlformats.org/drawingml/2006/main" xmlns:r="http://schemas.openxmlformats.org/officeDocument/2006/relationships" xmlns:p="http://schemas.openxmlformats.org/presentationml/2006/main">
-  <p:cSld>
-    <p:spTree>
-      <p:nvGrpSpPr>
-        <p:cNvPr id="1" name=""/>
-        <p:cNvGrpSpPr/>
-        <p:nvPr/>
-      </p:nvGrpSpPr>
-      <p:grpSpPr>
-        <a:xfrm>
-          <a:off x="0" y="0"/>
-          <a:ext cx="0" cy="0"/>
-          <a:chOff x="0" y="0"/>
-          <a:chExt cx="0" cy="0"/>
-        </a:xfrm>
-      </p:grpSpPr>
-      <p:sp>
-        <p:nvSpPr>
-          <p:cNvPr id="18" name="1 Título"/>
-          <p:cNvSpPr>
-            <a:spLocks noGrp="1"/>
-          </p:cNvSpPr>
-          <p:nvPr>
-            <p:ph type="title"/>
-            <p:custDataLst>
-              <p:tags r:id="rId2"/>
-            </p:custDataLst>
-          </p:nvPr>
-        </p:nvSpPr>
-        <p:spPr>
-          <a:xfrm>
-            <a:off x="457200" y="160885"/>
-            <a:ext cx="8229600" cy="792088"/>
-          </a:xfrm>
-        </p:spPr>
-        <p:txBody>
-          <a:bodyPr/>
-          <a:lstStyle/>
-          <a:p>
-            <a:r>
-              <a:rPr lang="es-PE" dirty="0" smtClean="0">
-                <a:solidFill>
-                  <a:srgbClr val="FF0000"/>
-                </a:solidFill>
-              </a:rPr>
-              <a:t>Objetivos</a:t>
-            </a:r>
-            <a:endParaRPr lang="es-PE" dirty="0">
-              <a:solidFill>
-                <a:srgbClr val="FF0000"/>
-              </a:solidFill>
-            </a:endParaRPr>
-          </a:p>
-        </p:txBody>
-      </p:sp>
-      <p:sp>
-        <p:nvSpPr>
-          <p:cNvPr id="9" name="8 CuadroTexto"/>
-          <p:cNvSpPr txBox="1"/>
-          <p:nvPr>
-            <p:custDataLst>
-              <p:tags r:id="rId3"/>
-            </p:custDataLst>
-          </p:nvPr>
-        </p:nvSpPr>
-        <p:spPr>
-          <a:xfrm>
-            <a:off x="294033" y="1155516"/>
-            <a:ext cx="8568951" cy="3785652"/>
-          </a:xfrm>
-          <a:prstGeom prst="rect">
-            <a:avLst/>
-          </a:prstGeom>
-          <a:noFill/>
-        </p:spPr>
-        <p:txBody>
-          <a:bodyPr wrap="square" rtlCol="0">
-            <a:spAutoFit/>
-          </a:bodyPr>
-          <a:lstStyle/>
-          <a:p>
-            <a:pPr marL="457200" indent="-457200">
-              <a:buFont typeface="Arial"/>
-              <a:buChar char="•"/>
-            </a:pPr>
-            <a:r>
-              <a:rPr lang="es-PE" sz="3000" dirty="0" smtClean="0"/>
-              <a:t>Aprender </a:t>
-            </a:r>
-            <a:r>
-              <a:rPr lang="es-PE" sz="3000" dirty="0"/>
-              <a:t>y compartir diversas técnicas de refactorización</a:t>
-            </a:r>
-            <a:r>
-              <a:rPr lang="es-PE" sz="3000" dirty="0" smtClean="0"/>
-              <a:t>.</a:t>
-            </a:r>
-          </a:p>
-          <a:p>
-            <a:pPr marL="457200" indent="-457200">
-              <a:buFont typeface="Arial"/>
-              <a:buChar char="•"/>
-            </a:pPr>
-            <a:endParaRPr lang="es-PE" sz="3000" dirty="0"/>
-          </a:p>
-          <a:p>
-            <a:pPr marL="457200" indent="-457200">
-              <a:buFont typeface="Arial"/>
-              <a:buChar char="•"/>
-            </a:pPr>
-            <a:r>
-              <a:rPr lang="es-PE" sz="3000" dirty="0" smtClean="0"/>
-              <a:t>Experimentar </a:t>
-            </a:r>
-            <a:r>
-              <a:rPr lang="es-PE" sz="3000" dirty="0"/>
-              <a:t>la refactorización mientras se aplica de forma correcta y disciplinada</a:t>
-            </a:r>
-            <a:r>
-              <a:rPr lang="es-PE" sz="3000" dirty="0" smtClean="0"/>
-              <a:t>.</a:t>
-            </a:r>
-          </a:p>
-          <a:p>
-            <a:pPr marL="457200" indent="-457200">
-              <a:buFont typeface="Arial"/>
-              <a:buChar char="•"/>
-            </a:pPr>
-            <a:endParaRPr lang="es-PE" sz="3000" dirty="0"/>
-          </a:p>
-          <a:p>
-            <a:pPr marL="457200" indent="-457200">
-              <a:buFont typeface="Arial"/>
-              <a:buChar char="•"/>
-            </a:pPr>
-            <a:r>
-              <a:rPr lang="es-PE" sz="3000" dirty="0" smtClean="0"/>
-              <a:t>Familiarizarse </a:t>
-            </a:r>
-            <a:r>
-              <a:rPr lang="es-PE" sz="3000" dirty="0"/>
-              <a:t>y ver los beneficios de los refactorings automatizados que proveen los IDES.</a:t>
-            </a:r>
-          </a:p>
-        </p:txBody>
-      </p:sp>
-    </p:spTree>
-    <p:custDataLst>
-      <p:tags r:id="rId1"/>
-    </p:custDataLst>
-    <p:extLst>
-      <p:ext uri="{BB962C8B-B14F-4D97-AF65-F5344CB8AC3E}">
-        <p14:creationId xmlns:p14="http://schemas.microsoft.com/office/powerpoint/2010/main" val="3484589936"/>
       </p:ext>
     </p:extLst>
   </p:cSld>
@@ -8783,7 +12081,7 @@
         <p:spPr>
           <a:xfrm>
             <a:off x="251520" y="879224"/>
-            <a:ext cx="8712968" cy="3862596"/>
+            <a:ext cx="8712968" cy="4939814"/>
           </a:xfrm>
           <a:prstGeom prst="rect">
             <a:avLst/>
@@ -8855,8 +12153,20 @@
           <a:p>
             <a:r>
               <a:rPr lang="es-PE" sz="3500" dirty="0" smtClean="0"/>
-              <a:t>+0 Revertir (Ctrl + Z)</a:t>
-            </a:r>
+              <a:t>+1 Eliminar una l</a:t>
+            </a:r>
+            <a:r>
+              <a:rPr lang="es-PE" sz="3500" dirty="0" smtClean="0"/>
+              <a:t>ínea con código</a:t>
+            </a:r>
+            <a:endParaRPr lang="es-PE" sz="3500" dirty="0" smtClean="0"/>
+          </a:p>
+          <a:p>
+            <a:r>
+              <a:rPr lang="es-PE" sz="3500" dirty="0" smtClean="0"/>
+              <a:t>+1 Crear clases, interfaces o variables</a:t>
+            </a:r>
+            <a:endParaRPr lang="es-PE" sz="3500" dirty="0" smtClean="0"/>
           </a:p>
           <a:p>
             <a:pPr marL="633413" indent="-633413"/>
@@ -8877,69 +12187,24 @@
             <a:pPr marL="633413" indent="-633413"/>
             <a:r>
               <a:rPr lang="es-PE" sz="3500" dirty="0" smtClean="0"/>
-              <a:t>+0 Cambiar el acceso de los métodos o clases</a:t>
-            </a:r>
-          </a:p>
-        </p:txBody>
-      </p:sp>
-      <p:sp>
-        <p:nvSpPr>
-          <p:cNvPr id="3" name="2 Rectángulo"/>
-          <p:cNvSpPr/>
-          <p:nvPr>
-            <p:custDataLst>
-              <p:tags r:id="rId4"/>
-            </p:custDataLst>
-          </p:nvPr>
-        </p:nvSpPr>
-        <p:spPr>
-          <a:xfrm>
-            <a:off x="251520" y="4673168"/>
-            <a:ext cx="8712968" cy="1708160"/>
-          </a:xfrm>
-          <a:prstGeom prst="rect">
-            <a:avLst/>
-          </a:prstGeom>
-        </p:spPr>
-        <p:txBody>
-          <a:bodyPr wrap="square">
-            <a:spAutoFit/>
-          </a:bodyPr>
-          <a:lstStyle/>
-          <a:p>
-            <a:pPr algn="ctr"/>
-            <a:r>
-              <a:rPr lang="es-PE" sz="3500" dirty="0">
-                <a:solidFill>
-                  <a:srgbClr val="00823B"/>
-                </a:solidFill>
-              </a:rPr>
-              <a:t>Penalidades</a:t>
-            </a:r>
-          </a:p>
-          <a:p>
-            <a:r>
-              <a:rPr lang="es-PE" sz="3500" dirty="0"/>
-              <a:t>+2 Cada línea modificada </a:t>
+              <a:t>+0 Cambiar el acceso de los métodos o </a:t>
             </a:r>
             <a:r>
               <a:rPr lang="es-PE" sz="3500" dirty="0" smtClean="0"/>
-              <a:t>manualmente</a:t>
-            </a:r>
-          </a:p>
-          <a:p>
+              <a:t>clases</a:t>
+            </a:r>
+          </a:p>
+          <a:p>
+            <a:pPr marL="633413" indent="-633413"/>
             <a:r>
               <a:rPr lang="es-PE" sz="3500" dirty="0" smtClean="0"/>
-              <a:t>x2 Cada cambio mientras </a:t>
-            </a:r>
-            <a:r>
-              <a:rPr lang="es-PE" sz="3500" dirty="0"/>
-              <a:t>no </a:t>
+              <a:t>+0 Cambiar un m</a:t>
             </a:r>
             <a:r>
               <a:rPr lang="es-PE" sz="3500" dirty="0" smtClean="0"/>
-              <a:t>compile</a:t>
-            </a:r>
+              <a:t>étodo a estático y viceversa</a:t>
+            </a:r>
+            <a:endParaRPr lang="es-PE" sz="3500" dirty="0" smtClean="0"/>
           </a:p>
         </p:txBody>
       </p:sp>
@@ -9142,25 +12407,25 @@
 
 <file path=ppt/tags/tag36.xml><?xml version="1.0" encoding="utf-8"?>
 <p:tagLst xmlns:a="http://schemas.openxmlformats.org/drawingml/2006/main" xmlns:r="http://schemas.openxmlformats.org/officeDocument/2006/relationships" xmlns:p="http://schemas.openxmlformats.org/presentationml/2006/main">
+  <p:tag name="DVSECTIONID" val="YfG4E73kWElduy0UjbxFmN"/>
+</p:tagLst>
+</file>
+
+<file path=ppt/tags/tag37.xml><?xml version="1.0" encoding="utf-8"?>
+<p:tagLst xmlns:a="http://schemas.openxmlformats.org/drawingml/2006/main" xmlns:r="http://schemas.openxmlformats.org/officeDocument/2006/relationships" xmlns:p="http://schemas.openxmlformats.org/presentationml/2006/main">
+  <p:tag name="DVSHAPEID" val="eh04WSBvw0QEXlYejESuDS"/>
+</p:tagLst>
+</file>
+
+<file path=ppt/tags/tag38.xml><?xml version="1.0" encoding="utf-8"?>
+<p:tagLst xmlns:a="http://schemas.openxmlformats.org/drawingml/2006/main" xmlns:r="http://schemas.openxmlformats.org/officeDocument/2006/relationships" xmlns:p="http://schemas.openxmlformats.org/presentationml/2006/main">
   <p:tag name="DVSHAPEID" val="HwlSQDv3HCKlxAgSFcJie0"/>
 </p:tagLst>
 </file>
 
-<file path=ppt/tags/tag37.xml><?xml version="1.0" encoding="utf-8"?>
-<p:tagLst xmlns:a="http://schemas.openxmlformats.org/drawingml/2006/main" xmlns:r="http://schemas.openxmlformats.org/officeDocument/2006/relationships" xmlns:p="http://schemas.openxmlformats.org/presentationml/2006/main">
-  <p:tag name="DVSECTIONID" val="5Hij0xt5xu6EobHoAx3Q1R"/>
-</p:tagLst>
-</file>
-
-<file path=ppt/tags/tag38.xml><?xml version="1.0" encoding="utf-8"?>
-<p:tagLst xmlns:a="http://schemas.openxmlformats.org/drawingml/2006/main" xmlns:r="http://schemas.openxmlformats.org/officeDocument/2006/relationships" xmlns:p="http://schemas.openxmlformats.org/presentationml/2006/main">
-  <p:tag name="DVSHAPEID" val="vkSy6Awd3lvSIiIly8JJ8v"/>
-</p:tagLst>
-</file>
-
 <file path=ppt/tags/tag39.xml><?xml version="1.0" encoding="utf-8"?>
 <p:tagLst xmlns:a="http://schemas.openxmlformats.org/drawingml/2006/main" xmlns:r="http://schemas.openxmlformats.org/officeDocument/2006/relationships" xmlns:p="http://schemas.openxmlformats.org/presentationml/2006/main">
-  <p:tag name="DVSHAPEID" val="S7SysfZez5CH00ZixVxuzp"/>
+  <p:tag name="DVSECTIONID" val="YfG4E73kWElduy0UjbxFmN"/>
 </p:tagLst>
 </file>
 
@@ -9172,61 +12437,61 @@
 
 <file path=ppt/tags/tag40.xml><?xml version="1.0" encoding="utf-8"?>
 <p:tagLst xmlns:a="http://schemas.openxmlformats.org/drawingml/2006/main" xmlns:r="http://schemas.openxmlformats.org/officeDocument/2006/relationships" xmlns:p="http://schemas.openxmlformats.org/presentationml/2006/main">
+  <p:tag name="DVSHAPEID" val="eh04WSBvw0QEXlYejESuDS"/>
+</p:tagLst>
+</file>
+
+<file path=ppt/tags/tag41.xml><?xml version="1.0" encoding="utf-8"?>
+<p:tagLst xmlns:a="http://schemas.openxmlformats.org/drawingml/2006/main" xmlns:r="http://schemas.openxmlformats.org/officeDocument/2006/relationships" xmlns:p="http://schemas.openxmlformats.org/presentationml/2006/main">
+  <p:tag name="DVSHAPEID" val="HwlSQDv3HCKlxAgSFcJie0"/>
+</p:tagLst>
+</file>
+
+<file path=ppt/tags/tag42.xml><?xml version="1.0" encoding="utf-8"?>
+<p:tagLst xmlns:a="http://schemas.openxmlformats.org/drawingml/2006/main" xmlns:r="http://schemas.openxmlformats.org/officeDocument/2006/relationships" xmlns:p="http://schemas.openxmlformats.org/presentationml/2006/main">
+  <p:tag name="DVSECTIONID" val="5Hij0xt5xu6EobHoAx3Q1R"/>
+</p:tagLst>
+</file>
+
+<file path=ppt/tags/tag43.xml><?xml version="1.0" encoding="utf-8"?>
+<p:tagLst xmlns:a="http://schemas.openxmlformats.org/drawingml/2006/main" xmlns:r="http://schemas.openxmlformats.org/officeDocument/2006/relationships" xmlns:p="http://schemas.openxmlformats.org/presentationml/2006/main">
+  <p:tag name="DVSHAPEID" val="vkSy6Awd3lvSIiIly8JJ8v"/>
+</p:tagLst>
+</file>
+
+<file path=ppt/tags/tag44.xml><?xml version="1.0" encoding="utf-8"?>
+<p:tagLst xmlns:a="http://schemas.openxmlformats.org/drawingml/2006/main" xmlns:r="http://schemas.openxmlformats.org/officeDocument/2006/relationships" xmlns:p="http://schemas.openxmlformats.org/presentationml/2006/main">
+  <p:tag name="DVSHAPEID" val="S7SysfZez5CH00ZixVxuzp"/>
+</p:tagLst>
+</file>
+
+<file path=ppt/tags/tag45.xml><?xml version="1.0" encoding="utf-8"?>
+<p:tagLst xmlns:a="http://schemas.openxmlformats.org/drawingml/2006/main" xmlns:r="http://schemas.openxmlformats.org/officeDocument/2006/relationships" xmlns:p="http://schemas.openxmlformats.org/presentationml/2006/main">
   <p:tag name="DVSECTIONID" val="BZMFbIT4XzLbaYLl6vRQ7Q"/>
 </p:tagLst>
 </file>
 
-<file path=ppt/tags/tag41.xml><?xml version="1.0" encoding="utf-8"?>
+<file path=ppt/tags/tag46.xml><?xml version="1.0" encoding="utf-8"?>
 <p:tagLst xmlns:a="http://schemas.openxmlformats.org/drawingml/2006/main" xmlns:r="http://schemas.openxmlformats.org/officeDocument/2006/relationships" xmlns:p="http://schemas.openxmlformats.org/presentationml/2006/main">
   <p:tag name="DVSHAPEID" val="PFSXajEAyvRZsKFy7gdPLq"/>
 </p:tagLst>
 </file>
 
-<file path=ppt/tags/tag42.xml><?xml version="1.0" encoding="utf-8"?>
+<file path=ppt/tags/tag47.xml><?xml version="1.0" encoding="utf-8"?>
 <p:tagLst xmlns:a="http://schemas.openxmlformats.org/drawingml/2006/main" xmlns:r="http://schemas.openxmlformats.org/officeDocument/2006/relationships" xmlns:p="http://schemas.openxmlformats.org/presentationml/2006/main">
   <p:tag name="DVSHAPEID" val="P0yfDZOghJDppRFrYnYLid"/>
 </p:tagLst>
 </file>
 
-<file path=ppt/tags/tag43.xml><?xml version="1.0" encoding="utf-8"?>
+<file path=ppt/tags/tag48.xml><?xml version="1.0" encoding="utf-8"?>
 <p:tagLst xmlns:a="http://schemas.openxmlformats.org/drawingml/2006/main" xmlns:r="http://schemas.openxmlformats.org/officeDocument/2006/relationships" xmlns:p="http://schemas.openxmlformats.org/presentationml/2006/main">
   <p:tag name="DVSECTIONID" val="6QaPdUBZCvLe6jwlmKcsxw"/>
 </p:tagLst>
 </file>
 
-<file path=ppt/tags/tag44.xml><?xml version="1.0" encoding="utf-8"?>
+<file path=ppt/tags/tag49.xml><?xml version="1.0" encoding="utf-8"?>
 <p:tagLst xmlns:a="http://schemas.openxmlformats.org/drawingml/2006/main" xmlns:r="http://schemas.openxmlformats.org/officeDocument/2006/relationships" xmlns:p="http://schemas.openxmlformats.org/presentationml/2006/main">
   <p:tag name="DVSHAPEID" val="3ZrrSBbxeMU7bha5DBZVmc"/>
-</p:tagLst>
-</file>
-
-<file path=ppt/tags/tag45.xml><?xml version="1.0" encoding="utf-8"?>
-<p:tagLst xmlns:a="http://schemas.openxmlformats.org/drawingml/2006/main" xmlns:r="http://schemas.openxmlformats.org/officeDocument/2006/relationships" xmlns:p="http://schemas.openxmlformats.org/presentationml/2006/main">
-  <p:tag name="DVSHAPEID" val="PSNNPDIc0KOBXyNb6c5JvR"/>
-</p:tagLst>
-</file>
-
-<file path=ppt/tags/tag46.xml><?xml version="1.0" encoding="utf-8"?>
-<p:tagLst xmlns:a="http://schemas.openxmlformats.org/drawingml/2006/main" xmlns:r="http://schemas.openxmlformats.org/officeDocument/2006/relationships" xmlns:p="http://schemas.openxmlformats.org/presentationml/2006/main">
-  <p:tag name="DVSECTIONID" val="Tc0IDerxZaJLSWvmvYtXWf"/>
-</p:tagLst>
-</file>
-
-<file path=ppt/tags/tag47.xml><?xml version="1.0" encoding="utf-8"?>
-<p:tagLst xmlns:a="http://schemas.openxmlformats.org/drawingml/2006/main" xmlns:r="http://schemas.openxmlformats.org/officeDocument/2006/relationships" xmlns:p="http://schemas.openxmlformats.org/presentationml/2006/main">
-  <p:tag name="DVSHAPEID" val="vhGohSKmLnQQazD4MxP1L9"/>
-</p:tagLst>
-</file>
-
-<file path=ppt/tags/tag48.xml><?xml version="1.0" encoding="utf-8"?>
-<p:tagLst xmlns:a="http://schemas.openxmlformats.org/drawingml/2006/main" xmlns:r="http://schemas.openxmlformats.org/officeDocument/2006/relationships" xmlns:p="http://schemas.openxmlformats.org/presentationml/2006/main">
-  <p:tag name="DVSHAPEID" val="izjBhruNQDHXnv7rmPsDZr"/>
-</p:tagLst>
-</file>
-
-<file path=ppt/tags/tag49.xml><?xml version="1.0" encoding="utf-8"?>
-<p:tagLst xmlns:a="http://schemas.openxmlformats.org/drawingml/2006/main" xmlns:r="http://schemas.openxmlformats.org/officeDocument/2006/relationships" xmlns:p="http://schemas.openxmlformats.org/presentationml/2006/main">
-  <p:tag name="DVSECTIONID" val="pVSrOL96EEiAWXOuhmy5wA"/>
 </p:tagLst>
 </file>
 
@@ -9238,61 +12503,61 @@
 
 <file path=ppt/tags/tag50.xml><?xml version="1.0" encoding="utf-8"?>
 <p:tagLst xmlns:a="http://schemas.openxmlformats.org/drawingml/2006/main" xmlns:r="http://schemas.openxmlformats.org/officeDocument/2006/relationships" xmlns:p="http://schemas.openxmlformats.org/presentationml/2006/main">
+  <p:tag name="DVSHAPEID" val="PSNNPDIc0KOBXyNb6c5JvR"/>
+</p:tagLst>
+</file>
+
+<file path=ppt/tags/tag51.xml><?xml version="1.0" encoding="utf-8"?>
+<p:tagLst xmlns:a="http://schemas.openxmlformats.org/drawingml/2006/main" xmlns:r="http://schemas.openxmlformats.org/officeDocument/2006/relationships" xmlns:p="http://schemas.openxmlformats.org/presentationml/2006/main">
+  <p:tag name="DVSECTIONID" val="Tc0IDerxZaJLSWvmvYtXWf"/>
+</p:tagLst>
+</file>
+
+<file path=ppt/tags/tag52.xml><?xml version="1.0" encoding="utf-8"?>
+<p:tagLst xmlns:a="http://schemas.openxmlformats.org/drawingml/2006/main" xmlns:r="http://schemas.openxmlformats.org/officeDocument/2006/relationships" xmlns:p="http://schemas.openxmlformats.org/presentationml/2006/main">
+  <p:tag name="DVSHAPEID" val="vhGohSKmLnQQazD4MxP1L9"/>
+</p:tagLst>
+</file>
+
+<file path=ppt/tags/tag53.xml><?xml version="1.0" encoding="utf-8"?>
+<p:tagLst xmlns:a="http://schemas.openxmlformats.org/drawingml/2006/main" xmlns:r="http://schemas.openxmlformats.org/officeDocument/2006/relationships" xmlns:p="http://schemas.openxmlformats.org/presentationml/2006/main">
+  <p:tag name="DVSHAPEID" val="izjBhruNQDHXnv7rmPsDZr"/>
+</p:tagLst>
+</file>
+
+<file path=ppt/tags/tag54.xml><?xml version="1.0" encoding="utf-8"?>
+<p:tagLst xmlns:a="http://schemas.openxmlformats.org/drawingml/2006/main" xmlns:r="http://schemas.openxmlformats.org/officeDocument/2006/relationships" xmlns:p="http://schemas.openxmlformats.org/presentationml/2006/main">
+  <p:tag name="DVSECTIONID" val="pVSrOL96EEiAWXOuhmy5wA"/>
+</p:tagLst>
+</file>
+
+<file path=ppt/tags/tag55.xml><?xml version="1.0" encoding="utf-8"?>
+<p:tagLst xmlns:a="http://schemas.openxmlformats.org/drawingml/2006/main" xmlns:r="http://schemas.openxmlformats.org/officeDocument/2006/relationships" xmlns:p="http://schemas.openxmlformats.org/presentationml/2006/main">
   <p:tag name="DVSHAPEID" val="K7ney2pxUt5mZ64FAjSYwd"/>
 </p:tagLst>
 </file>
 
-<file path=ppt/tags/tag51.xml><?xml version="1.0" encoding="utf-8"?>
+<file path=ppt/tags/tag56.xml><?xml version="1.0" encoding="utf-8"?>
 <p:tagLst xmlns:a="http://schemas.openxmlformats.org/drawingml/2006/main" xmlns:r="http://schemas.openxmlformats.org/officeDocument/2006/relationships" xmlns:p="http://schemas.openxmlformats.org/presentationml/2006/main">
   <p:tag name="DVSHAPEID" val="8cb7WkbZz8aQPcd3TsniIe"/>
 </p:tagLst>
 </file>
 
-<file path=ppt/tags/tag52.xml><?xml version="1.0" encoding="utf-8"?>
+<file path=ppt/tags/tag57.xml><?xml version="1.0" encoding="utf-8"?>
 <p:tagLst xmlns:a="http://schemas.openxmlformats.org/drawingml/2006/main" xmlns:r="http://schemas.openxmlformats.org/officeDocument/2006/relationships" xmlns:p="http://schemas.openxmlformats.org/presentationml/2006/main">
   <p:tag name="DVSECTIONID" val="ulrzQ0fdZzADN4QbpFoSw5"/>
 </p:tagLst>
 </file>
 
-<file path=ppt/tags/tag53.xml><?xml version="1.0" encoding="utf-8"?>
+<file path=ppt/tags/tag58.xml><?xml version="1.0" encoding="utf-8"?>
 <p:tagLst xmlns:a="http://schemas.openxmlformats.org/drawingml/2006/main" xmlns:r="http://schemas.openxmlformats.org/officeDocument/2006/relationships" xmlns:p="http://schemas.openxmlformats.org/presentationml/2006/main">
   <p:tag name="DVSHAPEID" val="R0w1mGf9L0VwYb2q55mVTX"/>
 </p:tagLst>
 </file>
 
-<file path=ppt/tags/tag54.xml><?xml version="1.0" encoding="utf-8"?>
+<file path=ppt/tags/tag59.xml><?xml version="1.0" encoding="utf-8"?>
 <p:tagLst xmlns:a="http://schemas.openxmlformats.org/drawingml/2006/main" xmlns:r="http://schemas.openxmlformats.org/officeDocument/2006/relationships" xmlns:p="http://schemas.openxmlformats.org/presentationml/2006/main">
   <p:tag name="DVSHAPEID" val="c8hSswppBdvUlaAVXuKqm9"/>
-</p:tagLst>
-</file>
-
-<file path=ppt/tags/tag55.xml><?xml version="1.0" encoding="utf-8"?>
-<p:tagLst xmlns:a="http://schemas.openxmlformats.org/drawingml/2006/main" xmlns:r="http://schemas.openxmlformats.org/officeDocument/2006/relationships" xmlns:p="http://schemas.openxmlformats.org/presentationml/2006/main">
-  <p:tag name="DVSECTIONID" val="si0xx0H6oQJPrw0fV8RqEI"/>
-</p:tagLst>
-</file>
-
-<file path=ppt/tags/tag56.xml><?xml version="1.0" encoding="utf-8"?>
-<p:tagLst xmlns:a="http://schemas.openxmlformats.org/drawingml/2006/main" xmlns:r="http://schemas.openxmlformats.org/officeDocument/2006/relationships" xmlns:p="http://schemas.openxmlformats.org/presentationml/2006/main">
-  <p:tag name="DVSHAPEID" val="Vid20tmiVNkTOoKudIJloH"/>
-</p:tagLst>
-</file>
-
-<file path=ppt/tags/tag57.xml><?xml version="1.0" encoding="utf-8"?>
-<p:tagLst xmlns:a="http://schemas.openxmlformats.org/drawingml/2006/main" xmlns:r="http://schemas.openxmlformats.org/officeDocument/2006/relationships" xmlns:p="http://schemas.openxmlformats.org/presentationml/2006/main">
-  <p:tag name="DVSHAPEID" val="14QRPa7RbtB2dYEpvW2jhI"/>
-</p:tagLst>
-</file>
-
-<file path=ppt/tags/tag58.xml><?xml version="1.0" encoding="utf-8"?>
-<p:tagLst xmlns:a="http://schemas.openxmlformats.org/drawingml/2006/main" xmlns:r="http://schemas.openxmlformats.org/officeDocument/2006/relationships" xmlns:p="http://schemas.openxmlformats.org/presentationml/2006/main">
-  <p:tag name="DVSHAPEID" val="zrmcath1G0Kdg8c9Dcb4CR"/>
-</p:tagLst>
-</file>
-
-<file path=ppt/tags/tag59.xml><?xml version="1.0" encoding="utf-8"?>
-<p:tagLst xmlns:a="http://schemas.openxmlformats.org/drawingml/2006/main" xmlns:r="http://schemas.openxmlformats.org/officeDocument/2006/relationships" xmlns:p="http://schemas.openxmlformats.org/presentationml/2006/main">
-  <p:tag name="DVSHAPEID" val="iLaLQOcNj5qjvpvCZDA9MA"/>
 </p:tagLst>
 </file>
 
@@ -9304,49 +12569,79 @@
 
 <file path=ppt/tags/tag60.xml><?xml version="1.0" encoding="utf-8"?>
 <p:tagLst xmlns:a="http://schemas.openxmlformats.org/drawingml/2006/main" xmlns:r="http://schemas.openxmlformats.org/officeDocument/2006/relationships" xmlns:p="http://schemas.openxmlformats.org/presentationml/2006/main">
-  <p:tag name="DVSECTIONID" val="0iaJE5WSHD4oT8zisfwTaJ"/>
+  <p:tag name="DVSECTIONID" val="si0xx0H6oQJPrw0fV8RqEI"/>
 </p:tagLst>
 </file>
 
 <file path=ppt/tags/tag61.xml><?xml version="1.0" encoding="utf-8"?>
+<p:tagLst xmlns:a="http://schemas.openxmlformats.org/drawingml/2006/main" xmlns:r="http://schemas.openxmlformats.org/officeDocument/2006/relationships" xmlns:p="http://schemas.openxmlformats.org/presentationml/2006/main">
+  <p:tag name="DVSHAPEID" val="Vid20tmiVNkTOoKudIJloH"/>
+</p:tagLst>
+</file>
+
+<file path=ppt/tags/tag62.xml><?xml version="1.0" encoding="utf-8"?>
+<p:tagLst xmlns:a="http://schemas.openxmlformats.org/drawingml/2006/main" xmlns:r="http://schemas.openxmlformats.org/officeDocument/2006/relationships" xmlns:p="http://schemas.openxmlformats.org/presentationml/2006/main">
+  <p:tag name="DVSHAPEID" val="14QRPa7RbtB2dYEpvW2jhI"/>
+</p:tagLst>
+</file>
+
+<file path=ppt/tags/tag63.xml><?xml version="1.0" encoding="utf-8"?>
+<p:tagLst xmlns:a="http://schemas.openxmlformats.org/drawingml/2006/main" xmlns:r="http://schemas.openxmlformats.org/officeDocument/2006/relationships" xmlns:p="http://schemas.openxmlformats.org/presentationml/2006/main">
+  <p:tag name="DVSHAPEID" val="zrmcath1G0Kdg8c9Dcb4CR"/>
+</p:tagLst>
+</file>
+
+<file path=ppt/tags/tag64.xml><?xml version="1.0" encoding="utf-8"?>
+<p:tagLst xmlns:a="http://schemas.openxmlformats.org/drawingml/2006/main" xmlns:r="http://schemas.openxmlformats.org/officeDocument/2006/relationships" xmlns:p="http://schemas.openxmlformats.org/presentationml/2006/main">
+  <p:tag name="DVSHAPEID" val="iLaLQOcNj5qjvpvCZDA9MA"/>
+</p:tagLst>
+</file>
+
+<file path=ppt/tags/tag65.xml><?xml version="1.0" encoding="utf-8"?>
 <p:tagLst xmlns:a="http://schemas.openxmlformats.org/drawingml/2006/main" xmlns:r="http://schemas.openxmlformats.org/officeDocument/2006/relationships" xmlns:p="http://schemas.openxmlformats.org/presentationml/2006/main">
   <p:tag name="DVSECTIONID" val="0iaJE5WSHD4oT8zisfwTaJ"/>
 </p:tagLst>
 </file>
 
-<file path=ppt/tags/tag62.xml><?xml version="1.0" encoding="utf-8"?>
+<file path=ppt/tags/tag66.xml><?xml version="1.0" encoding="utf-8"?>
+<p:tagLst xmlns:a="http://schemas.openxmlformats.org/drawingml/2006/main" xmlns:r="http://schemas.openxmlformats.org/officeDocument/2006/relationships" xmlns:p="http://schemas.openxmlformats.org/presentationml/2006/main">
+  <p:tag name="DVSECTIONID" val="0iaJE5WSHD4oT8zisfwTaJ"/>
+</p:tagLst>
+</file>
+
+<file path=ppt/tags/tag67.xml><?xml version="1.0" encoding="utf-8"?>
 <p:tagLst xmlns:a="http://schemas.openxmlformats.org/drawingml/2006/main" xmlns:r="http://schemas.openxmlformats.org/officeDocument/2006/relationships" xmlns:p="http://schemas.openxmlformats.org/presentationml/2006/main">
   <p:tag name="DVSHAPEID" val="i0HwdmiQ8d6H8A1pCsPTHF"/>
 </p:tagLst>
 </file>
 
-<file path=ppt/tags/tag63.xml><?xml version="1.0" encoding="utf-8"?>
+<file path=ppt/tags/tag68.xml><?xml version="1.0" encoding="utf-8"?>
 <p:tagLst xmlns:a="http://schemas.openxmlformats.org/drawingml/2006/main" xmlns:r="http://schemas.openxmlformats.org/officeDocument/2006/relationships" xmlns:p="http://schemas.openxmlformats.org/presentationml/2006/main">
   <p:tag name="DVSECTIONID" val="kqvciFpyFbEikJbcn77mOg"/>
 </p:tagLst>
 </file>
 
-<file path=ppt/tags/tag64.xml><?xml version="1.0" encoding="utf-8"?>
+<file path=ppt/tags/tag69.xml><?xml version="1.0" encoding="utf-8"?>
 <p:tagLst xmlns:a="http://schemas.openxmlformats.org/drawingml/2006/main" xmlns:r="http://schemas.openxmlformats.org/officeDocument/2006/relationships" xmlns:p="http://schemas.openxmlformats.org/presentationml/2006/main">
   <p:tag name="DVSHAPEID" val="issGxqE1KUmyP1bgNKSvL6"/>
 </p:tagLst>
 </file>
 
-<file path=ppt/tags/tag65.xml><?xml version="1.0" encoding="utf-8"?>
+<file path=ppt/tags/tag7.xml><?xml version="1.0" encoding="utf-8"?>
+<p:tagLst xmlns:a="http://schemas.openxmlformats.org/drawingml/2006/main" xmlns:r="http://schemas.openxmlformats.org/officeDocument/2006/relationships" xmlns:p="http://schemas.openxmlformats.org/presentationml/2006/main">
+  <p:tag name="DVSHAPEID" val="fZc3oBoAnxWoX42IRwqBfE"/>
+</p:tagLst>
+</file>
+
+<file path=ppt/tags/tag70.xml><?xml version="1.0" encoding="utf-8"?>
 <p:tagLst xmlns:a="http://schemas.openxmlformats.org/drawingml/2006/main" xmlns:r="http://schemas.openxmlformats.org/officeDocument/2006/relationships" xmlns:p="http://schemas.openxmlformats.org/presentationml/2006/main">
   <p:tag name="DVSHAPEID" val="Yry5qPJr1ZPISEOMzwMSbw"/>
 </p:tagLst>
 </file>
 
-<file path=ppt/tags/tag66.xml><?xml version="1.0" encoding="utf-8"?>
+<file path=ppt/tags/tag71.xml><?xml version="1.0" encoding="utf-8"?>
 <p:tagLst xmlns:a="http://schemas.openxmlformats.org/drawingml/2006/main" xmlns:r="http://schemas.openxmlformats.org/officeDocument/2006/relationships" xmlns:p="http://schemas.openxmlformats.org/presentationml/2006/main">
   <p:tag name="DVSHAPEID" val="bXVvCMAYCeCbu18sZOiiTm"/>
-</p:tagLst>
-</file>
-
-<file path=ppt/tags/tag7.xml><?xml version="1.0" encoding="utf-8"?>
-<p:tagLst xmlns:a="http://schemas.openxmlformats.org/drawingml/2006/main" xmlns:r="http://schemas.openxmlformats.org/officeDocument/2006/relationships" xmlns:p="http://schemas.openxmlformats.org/presentationml/2006/main">
-  <p:tag name="DVSHAPEID" val="fZc3oBoAnxWoX42IRwqBfE"/>
 </p:tagLst>
 </file>
 

--- a/ppt/Diapositivas v2.pptx
+++ b/ppt/Diapositivas v2.pptx
@@ -5,30 +5,32 @@
     <p:sldMasterId id="2147483696" r:id="rId1"/>
   </p:sldMasterIdLst>
   <p:notesMasterIdLst>
-    <p:notesMasterId r:id="rId23"/>
+    <p:notesMasterId r:id="rId25"/>
   </p:notesMasterIdLst>
   <p:sldIdLst>
     <p:sldId id="256" r:id="rId2"/>
-    <p:sldId id="476" r:id="rId3"/>
-    <p:sldId id="460" r:id="rId4"/>
-    <p:sldId id="461" r:id="rId5"/>
-    <p:sldId id="448" r:id="rId6"/>
-    <p:sldId id="449" r:id="rId7"/>
-    <p:sldId id="464" r:id="rId8"/>
-    <p:sldId id="463" r:id="rId9"/>
-    <p:sldId id="473" r:id="rId10"/>
-    <p:sldId id="478" r:id="rId11"/>
-    <p:sldId id="479" r:id="rId12"/>
-    <p:sldId id="462" r:id="rId13"/>
-    <p:sldId id="450" r:id="rId14"/>
-    <p:sldId id="456" r:id="rId15"/>
-    <p:sldId id="469" r:id="rId16"/>
-    <p:sldId id="453" r:id="rId17"/>
-    <p:sldId id="466" r:id="rId18"/>
-    <p:sldId id="465" r:id="rId19"/>
-    <p:sldId id="470" r:id="rId20"/>
-    <p:sldId id="477" r:id="rId21"/>
-    <p:sldId id="475" r:id="rId22"/>
+    <p:sldId id="480" r:id="rId3"/>
+    <p:sldId id="476" r:id="rId4"/>
+    <p:sldId id="460" r:id="rId5"/>
+    <p:sldId id="461" r:id="rId6"/>
+    <p:sldId id="448" r:id="rId7"/>
+    <p:sldId id="449" r:id="rId8"/>
+    <p:sldId id="464" r:id="rId9"/>
+    <p:sldId id="463" r:id="rId10"/>
+    <p:sldId id="484" r:id="rId11"/>
+    <p:sldId id="473" r:id="rId12"/>
+    <p:sldId id="478" r:id="rId13"/>
+    <p:sldId id="462" r:id="rId14"/>
+    <p:sldId id="450" r:id="rId15"/>
+    <p:sldId id="479" r:id="rId16"/>
+    <p:sldId id="456" r:id="rId17"/>
+    <p:sldId id="469" r:id="rId18"/>
+    <p:sldId id="453" r:id="rId19"/>
+    <p:sldId id="466" r:id="rId20"/>
+    <p:sldId id="465" r:id="rId21"/>
+    <p:sldId id="470" r:id="rId22"/>
+    <p:sldId id="477" r:id="rId23"/>
+    <p:sldId id="475" r:id="rId24"/>
   </p:sldIdLst>
   <p:sldSz cx="9144000" cy="6858000" type="screen4x3"/>
   <p:notesSz cx="6858000" cy="9144000"/>
@@ -3031,7 +3033,7 @@
           <a:p>
             <a:fld id="{63D5FC4C-9EE1-4746-A368-724F618FC790}" type="datetimeFigureOut">
               <a:rPr lang="es-PE" smtClean="0"/>
-              <a:t>10/22/14</a:t>
+              <a:t>10/24/14</a:t>
             </a:fld>
             <a:endParaRPr lang="es-PE"/>
           </a:p>
@@ -3448,7 +3450,7 @@
           <a:p>
             <a:fld id="{96DE5A63-0F1F-4DC0-ADE0-CC17EBA6F230}" type="slidenum">
               <a:rPr lang="es-PE" smtClean="0"/>
-              <a:t>10</a:t>
+              <a:t>11</a:t>
             </a:fld>
             <a:endParaRPr lang="es-PE"/>
           </a:p>
@@ -3532,7 +3534,7 @@
           <a:p>
             <a:fld id="{96DE5A63-0F1F-4DC0-ADE0-CC17EBA6F230}" type="slidenum">
               <a:rPr lang="es-PE" smtClean="0"/>
-              <a:t>11</a:t>
+              <a:t>12</a:t>
             </a:fld>
             <a:endParaRPr lang="es-PE"/>
           </a:p>
@@ -3616,7 +3618,7 @@
           <a:p>
             <a:fld id="{96DE5A63-0F1F-4DC0-ADE0-CC17EBA6F230}" type="slidenum">
               <a:rPr lang="es-PE" smtClean="0"/>
-              <a:t>12</a:t>
+              <a:t>13</a:t>
             </a:fld>
             <a:endParaRPr lang="es-PE"/>
           </a:p>
@@ -3704,7 +3706,7 @@
           <a:p>
             <a:fld id="{96DE5A63-0F1F-4DC0-ADE0-CC17EBA6F230}" type="slidenum">
               <a:rPr lang="es-PE" smtClean="0"/>
-              <a:t>13</a:t>
+              <a:t>14</a:t>
             </a:fld>
             <a:endParaRPr lang="es-PE"/>
           </a:p>
@@ -3788,7 +3790,7 @@
           <a:p>
             <a:fld id="{96DE5A63-0F1F-4DC0-ADE0-CC17EBA6F230}" type="slidenum">
               <a:rPr lang="es-PE" smtClean="0"/>
-              <a:t>14</a:t>
+              <a:t>15</a:t>
             </a:fld>
             <a:endParaRPr lang="es-PE"/>
           </a:p>
@@ -3797,7 +3799,7 @@
     </p:spTree>
     <p:extLst>
       <p:ext uri="{BB962C8B-B14F-4D97-AF65-F5344CB8AC3E}">
-        <p14:creationId xmlns:p14="http://schemas.microsoft.com/office/powerpoint/2010/main" val="1461112982"/>
+        <p14:creationId xmlns:p14="http://schemas.microsoft.com/office/powerpoint/2010/main" val="3614550747"/>
       </p:ext>
     </p:extLst>
   </p:cSld>
@@ -3851,7 +3853,64 @@
           <a:bodyPr/>
           <a:lstStyle/>
           <a:p>
-            <a:endParaRPr lang="es-PE" dirty="0"/>
+            <a:pPr marL="114300" lvl="1" indent="0" defTabSz="914400">
+              <a:buFont typeface="Arial"/>
+              <a:buNone/>
+            </a:pPr>
+            <a:r>
+              <a:rPr lang="es-PE" sz="3200" dirty="0" smtClean="0"/>
+              <a:t>Extract Method</a:t>
+            </a:r>
+          </a:p>
+          <a:p>
+            <a:pPr marL="114300" lvl="1" indent="0" defTabSz="914400">
+              <a:buFont typeface="Arial"/>
+              <a:buNone/>
+            </a:pPr>
+            <a:r>
+              <a:rPr lang="es-PE" sz="3200" dirty="0" smtClean="0"/>
+              <a:t>Extract Variable</a:t>
+            </a:r>
+          </a:p>
+          <a:p>
+            <a:pPr marL="114300" lvl="1" indent="0" defTabSz="914400">
+              <a:buFont typeface="Arial"/>
+              <a:buNone/>
+            </a:pPr>
+            <a:r>
+              <a:rPr lang="es-PE" sz="3200" dirty="0" smtClean="0"/>
+              <a:t>Inline Variable (opcional Inline Method)</a:t>
+            </a:r>
+            <a:endParaRPr lang="es-PE" sz="1200" dirty="0"/>
+          </a:p>
+          <a:p>
+            <a:pPr marL="114300" lvl="1" indent="0" defTabSz="914400">
+              <a:buFont typeface="Arial"/>
+              <a:buNone/>
+            </a:pPr>
+            <a:r>
+              <a:rPr lang="es-PE" sz="1200" dirty="0" smtClean="0"/>
+              <a:t>Move</a:t>
+            </a:r>
+            <a:r>
+              <a:rPr lang="es-PE" sz="1200" baseline="0" dirty="0" smtClean="0"/>
+              <a:t> Method</a:t>
+            </a:r>
+          </a:p>
+          <a:p>
+            <a:pPr marL="114300" lvl="1" indent="0" defTabSz="914400">
+              <a:buFont typeface="Arial"/>
+              <a:buNone/>
+            </a:pPr>
+            <a:r>
+              <a:rPr lang="es-PE" sz="1200" baseline="0" smtClean="0"/>
+              <a:t>(Opcional) Edici</a:t>
+            </a:r>
+            <a:r>
+              <a:rPr lang="es-PE" sz="1200" baseline="0" smtClean="0"/>
+              <a:t>ón de código</a:t>
+            </a:r>
+            <a:endParaRPr lang="es-PE" sz="3200" dirty="0" smtClean="0"/>
           </a:p>
         </p:txBody>
       </p:sp>
@@ -3872,7 +3931,7 @@
           <a:p>
             <a:fld id="{96DE5A63-0F1F-4DC0-ADE0-CC17EBA6F230}" type="slidenum">
               <a:rPr lang="es-PE" smtClean="0"/>
-              <a:t>15</a:t>
+              <a:t>16</a:t>
             </a:fld>
             <a:endParaRPr lang="es-PE"/>
           </a:p>
@@ -3935,113 +3994,6 @@
           <a:bodyPr/>
           <a:lstStyle/>
           <a:p>
-            <a:pPr algn="l"/>
-            <a:r>
-              <a:rPr lang="es-PE" sz="1200" i="1" dirty="0" smtClean="0"/>
-              <a:t>Existe un gran catálogo de </a:t>
-            </a:r>
-            <a:r>
-              <a:rPr lang="es-PE" sz="1200" i="1" dirty="0" err="1" smtClean="0"/>
-              <a:t>refactorings</a:t>
-            </a:r>
-            <a:r>
-              <a:rPr lang="es-PE" sz="1200" i="1" baseline="0" dirty="0" smtClean="0"/>
-              <a:t> y la meta es tratar de practicar la mayor cantidad </a:t>
-            </a:r>
-            <a:endParaRPr lang="es-PE" sz="1200" i="1" dirty="0" smtClean="0"/>
-          </a:p>
-          <a:p>
-            <a:pPr algn="l"/>
-            <a:r>
-              <a:rPr lang="es-PE" sz="1200" i="1" dirty="0" smtClean="0"/>
-              <a:t>(</a:t>
-            </a:r>
-            <a:r>
-              <a:rPr lang="es-PE" sz="1200" i="1" dirty="0" err="1" smtClean="0"/>
-              <a:t>Move</a:t>
-            </a:r>
-            <a:r>
-              <a:rPr lang="es-PE" sz="1200" i="1" dirty="0" smtClean="0"/>
-              <a:t> </a:t>
-            </a:r>
-            <a:r>
-              <a:rPr lang="es-PE" sz="1200" i="1" dirty="0" err="1" smtClean="0"/>
-              <a:t>Method</a:t>
-            </a:r>
-            <a:r>
-              <a:rPr lang="es-PE" sz="1200" i="1" dirty="0" smtClean="0"/>
-              <a:t>, </a:t>
-            </a:r>
-            <a:r>
-              <a:rPr lang="es-PE" sz="1200" i="1" dirty="0" err="1" smtClean="0"/>
-              <a:t>Inline</a:t>
-            </a:r>
-            <a:r>
-              <a:rPr lang="es-PE" sz="1200" i="1" dirty="0" smtClean="0"/>
-              <a:t> </a:t>
-            </a:r>
-            <a:r>
-              <a:rPr lang="es-PE" sz="1200" i="1" dirty="0" err="1" smtClean="0"/>
-              <a:t>Method</a:t>
-            </a:r>
-            <a:r>
-              <a:rPr lang="es-PE" sz="1200" i="1" dirty="0" smtClean="0"/>
-              <a:t>, </a:t>
-            </a:r>
-            <a:r>
-              <a:rPr lang="es-PE" sz="1200" i="1" dirty="0" err="1" smtClean="0"/>
-              <a:t>Extract</a:t>
-            </a:r>
-            <a:r>
-              <a:rPr lang="es-PE" sz="1200" i="1" dirty="0" smtClean="0"/>
-              <a:t> Interface, </a:t>
-            </a:r>
-          </a:p>
-          <a:p>
-            <a:pPr algn="l"/>
-            <a:r>
-              <a:rPr lang="es-PE" sz="1200" i="1" dirty="0" err="1" smtClean="0"/>
-              <a:t>Replace</a:t>
-            </a:r>
-            <a:r>
-              <a:rPr lang="es-PE" sz="1200" i="1" dirty="0" smtClean="0"/>
-              <a:t> </a:t>
-            </a:r>
-            <a:r>
-              <a:rPr lang="es-PE" sz="1200" i="1" dirty="0" err="1" smtClean="0"/>
-              <a:t>Conditional</a:t>
-            </a:r>
-            <a:r>
-              <a:rPr lang="es-PE" sz="1200" i="1" dirty="0" smtClean="0"/>
-              <a:t> </a:t>
-            </a:r>
-            <a:r>
-              <a:rPr lang="es-PE" sz="1200" i="1" dirty="0" err="1" smtClean="0"/>
-              <a:t>with</a:t>
-            </a:r>
-            <a:r>
-              <a:rPr lang="es-PE" sz="1200" i="1" dirty="0" smtClean="0"/>
-              <a:t> </a:t>
-            </a:r>
-            <a:r>
-              <a:rPr lang="es-PE" sz="1200" i="1" dirty="0" err="1" smtClean="0"/>
-              <a:t>Polymorphism</a:t>
-            </a:r>
-            <a:r>
-              <a:rPr lang="es-PE" sz="1200" i="1" dirty="0" smtClean="0"/>
-              <a:t>, </a:t>
-            </a:r>
-            <a:r>
-              <a:rPr lang="es-PE" sz="1200" i="1" dirty="0" err="1" smtClean="0"/>
-              <a:t>etc</a:t>
-            </a:r>
-            <a:r>
-              <a:rPr lang="es-PE" sz="1200" i="1" dirty="0" smtClean="0"/>
-              <a:t>)</a:t>
-            </a:r>
-          </a:p>
-          <a:p>
-            <a:pPr algn="l"/>
             <a:endParaRPr lang="es-PE" dirty="0"/>
           </a:p>
         </p:txBody>
@@ -4063,7 +4015,7 @@
           <a:p>
             <a:fld id="{96DE5A63-0F1F-4DC0-ADE0-CC17EBA6F230}" type="slidenum">
               <a:rPr lang="es-PE" smtClean="0"/>
-              <a:t>16</a:t>
+              <a:t>17</a:t>
             </a:fld>
             <a:endParaRPr lang="es-PE"/>
           </a:p>
@@ -4072,7 +4024,7 @@
     </p:spTree>
     <p:extLst>
       <p:ext uri="{BB962C8B-B14F-4D97-AF65-F5344CB8AC3E}">
-        <p14:creationId xmlns:p14="http://schemas.microsoft.com/office/powerpoint/2010/main" val="3614550747"/>
+        <p14:creationId xmlns:p14="http://schemas.microsoft.com/office/powerpoint/2010/main" val="1461112982"/>
       </p:ext>
     </p:extLst>
   </p:cSld>
@@ -4254,7 +4206,7 @@
           <a:p>
             <a:fld id="{96DE5A63-0F1F-4DC0-ADE0-CC17EBA6F230}" type="slidenum">
               <a:rPr lang="es-PE" smtClean="0"/>
-              <a:t>17</a:t>
+              <a:t>18</a:t>
             </a:fld>
             <a:endParaRPr lang="es-PE"/>
           </a:p>
@@ -4318,6 +4270,112 @@
           <a:lstStyle/>
           <a:p>
             <a:pPr algn="l"/>
+            <a:r>
+              <a:rPr lang="es-PE" sz="1200" i="1" dirty="0" smtClean="0"/>
+              <a:t>Existe un gran catálogo de </a:t>
+            </a:r>
+            <a:r>
+              <a:rPr lang="es-PE" sz="1200" i="1" dirty="0" err="1" smtClean="0"/>
+              <a:t>refactorings</a:t>
+            </a:r>
+            <a:r>
+              <a:rPr lang="es-PE" sz="1200" i="1" baseline="0" dirty="0" smtClean="0"/>
+              <a:t> y la meta es tratar de practicar la mayor cantidad </a:t>
+            </a:r>
+            <a:endParaRPr lang="es-PE" sz="1200" i="1" dirty="0" smtClean="0"/>
+          </a:p>
+          <a:p>
+            <a:pPr algn="l"/>
+            <a:r>
+              <a:rPr lang="es-PE" sz="1200" i="1" dirty="0" smtClean="0"/>
+              <a:t>(</a:t>
+            </a:r>
+            <a:r>
+              <a:rPr lang="es-PE" sz="1200" i="1" dirty="0" err="1" smtClean="0"/>
+              <a:t>Move</a:t>
+            </a:r>
+            <a:r>
+              <a:rPr lang="es-PE" sz="1200" i="1" dirty="0" smtClean="0"/>
+              <a:t> </a:t>
+            </a:r>
+            <a:r>
+              <a:rPr lang="es-PE" sz="1200" i="1" dirty="0" err="1" smtClean="0"/>
+              <a:t>Method</a:t>
+            </a:r>
+            <a:r>
+              <a:rPr lang="es-PE" sz="1200" i="1" dirty="0" smtClean="0"/>
+              <a:t>, </a:t>
+            </a:r>
+            <a:r>
+              <a:rPr lang="es-PE" sz="1200" i="1" dirty="0" err="1" smtClean="0"/>
+              <a:t>Inline</a:t>
+            </a:r>
+            <a:r>
+              <a:rPr lang="es-PE" sz="1200" i="1" dirty="0" smtClean="0"/>
+              <a:t> </a:t>
+            </a:r>
+            <a:r>
+              <a:rPr lang="es-PE" sz="1200" i="1" dirty="0" err="1" smtClean="0"/>
+              <a:t>Method</a:t>
+            </a:r>
+            <a:r>
+              <a:rPr lang="es-PE" sz="1200" i="1" dirty="0" smtClean="0"/>
+              <a:t>, </a:t>
+            </a:r>
+            <a:r>
+              <a:rPr lang="es-PE" sz="1200" i="1" dirty="0" err="1" smtClean="0"/>
+              <a:t>Extract</a:t>
+            </a:r>
+            <a:r>
+              <a:rPr lang="es-PE" sz="1200" i="1" dirty="0" smtClean="0"/>
+              <a:t> Interface, </a:t>
+            </a:r>
+          </a:p>
+          <a:p>
+            <a:pPr algn="l"/>
+            <a:r>
+              <a:rPr lang="es-PE" sz="1200" i="1" dirty="0" err="1" smtClean="0"/>
+              <a:t>Replace</a:t>
+            </a:r>
+            <a:r>
+              <a:rPr lang="es-PE" sz="1200" i="1" dirty="0" smtClean="0"/>
+              <a:t> </a:t>
+            </a:r>
+            <a:r>
+              <a:rPr lang="es-PE" sz="1200" i="1" dirty="0" err="1" smtClean="0"/>
+              <a:t>Conditional</a:t>
+            </a:r>
+            <a:r>
+              <a:rPr lang="es-PE" sz="1200" i="1" dirty="0" smtClean="0"/>
+              <a:t> </a:t>
+            </a:r>
+            <a:r>
+              <a:rPr lang="es-PE" sz="1200" i="1" dirty="0" err="1" smtClean="0"/>
+              <a:t>with</a:t>
+            </a:r>
+            <a:r>
+              <a:rPr lang="es-PE" sz="1200" i="1" dirty="0" smtClean="0"/>
+              <a:t> </a:t>
+            </a:r>
+            <a:r>
+              <a:rPr lang="es-PE" sz="1200" i="1" dirty="0" err="1" smtClean="0"/>
+              <a:t>Polymorphism</a:t>
+            </a:r>
+            <a:r>
+              <a:rPr lang="es-PE" sz="1200" i="1" dirty="0" smtClean="0"/>
+              <a:t>, </a:t>
+            </a:r>
+            <a:r>
+              <a:rPr lang="es-PE" sz="1200" i="1" dirty="0" err="1" smtClean="0"/>
+              <a:t>etc</a:t>
+            </a:r>
+            <a:r>
+              <a:rPr lang="es-PE" sz="1200" i="1" dirty="0" smtClean="0"/>
+              <a:t>)</a:t>
+            </a:r>
+          </a:p>
+          <a:p>
+            <a:pPr algn="l"/>
             <a:endParaRPr lang="es-PE" dirty="0"/>
           </a:p>
         </p:txBody>
@@ -4339,7 +4397,7 @@
           <a:p>
             <a:fld id="{96DE5A63-0F1F-4DC0-ADE0-CC17EBA6F230}" type="slidenum">
               <a:rPr lang="es-PE" smtClean="0"/>
-              <a:t>18</a:t>
+              <a:t>19</a:t>
             </a:fld>
             <a:endParaRPr lang="es-PE"/>
           </a:p>
@@ -4424,7 +4482,7 @@
           <a:p>
             <a:fld id="{96DE5A63-0F1F-4DC0-ADE0-CC17EBA6F230}" type="slidenum">
               <a:rPr lang="es-PE" smtClean="0"/>
-              <a:t>19</a:t>
+              <a:t>20</a:t>
             </a:fld>
             <a:endParaRPr lang="es-PE"/>
           </a:p>
@@ -4526,7 +4584,7 @@
           <a:p>
             <a:fld id="{96DE5A63-0F1F-4DC0-ADE0-CC17EBA6F230}" type="slidenum">
               <a:rPr lang="es-PE" smtClean="0"/>
-              <a:t>2</a:t>
+              <a:t>3</a:t>
             </a:fld>
             <a:endParaRPr lang="es-PE"/>
           </a:p>
@@ -4611,7 +4669,7 @@
           <a:p>
             <a:fld id="{96DE5A63-0F1F-4DC0-ADE0-CC17EBA6F230}" type="slidenum">
               <a:rPr lang="es-PE" smtClean="0"/>
-              <a:t>20</a:t>
+              <a:t>21</a:t>
             </a:fld>
             <a:endParaRPr lang="es-PE"/>
           </a:p>
@@ -4696,7 +4754,92 @@
           <a:p>
             <a:fld id="{96DE5A63-0F1F-4DC0-ADE0-CC17EBA6F230}" type="slidenum">
               <a:rPr lang="es-PE" smtClean="0"/>
-              <a:t>21</a:t>
+              <a:t>22</a:t>
+            </a:fld>
+            <a:endParaRPr lang="es-PE"/>
+          </a:p>
+        </p:txBody>
+      </p:sp>
+    </p:spTree>
+    <p:extLst>
+      <p:ext uri="{BB962C8B-B14F-4D97-AF65-F5344CB8AC3E}">
+        <p14:creationId xmlns:p14="http://schemas.microsoft.com/office/powerpoint/2010/main" val="3614550747"/>
+      </p:ext>
+    </p:extLst>
+  </p:cSld>
+  <p:clrMapOvr>
+    <a:masterClrMapping/>
+  </p:clrMapOvr>
+</p:notes>
+</file>
+
+<file path=ppt/notesSlides/notesSlide22.xml><?xml version="1.0" encoding="utf-8"?>
+<p:notes xmlns:a="http://schemas.openxmlformats.org/drawingml/2006/main" xmlns:r="http://schemas.openxmlformats.org/officeDocument/2006/relationships" xmlns:p="http://schemas.openxmlformats.org/presentationml/2006/main">
+  <p:cSld>
+    <p:spTree>
+      <p:nvGrpSpPr>
+        <p:cNvPr id="1" name=""/>
+        <p:cNvGrpSpPr/>
+        <p:nvPr/>
+      </p:nvGrpSpPr>
+      <p:grpSpPr>
+        <a:xfrm>
+          <a:off x="0" y="0"/>
+          <a:ext cx="0" cy="0"/>
+          <a:chOff x="0" y="0"/>
+          <a:chExt cx="0" cy="0"/>
+        </a:xfrm>
+      </p:grpSpPr>
+      <p:sp>
+        <p:nvSpPr>
+          <p:cNvPr id="2" name="1 Marcador de imagen de diapositiva"/>
+          <p:cNvSpPr>
+            <a:spLocks noGrp="1" noRot="1" noChangeAspect="1"/>
+          </p:cNvSpPr>
+          <p:nvPr>
+            <p:ph type="sldImg"/>
+          </p:nvPr>
+        </p:nvSpPr>
+        <p:spPr/>
+      </p:sp>
+      <p:sp>
+        <p:nvSpPr>
+          <p:cNvPr id="3" name="2 Marcador de notas"/>
+          <p:cNvSpPr>
+            <a:spLocks noGrp="1"/>
+          </p:cNvSpPr>
+          <p:nvPr>
+            <p:ph type="body" idx="1"/>
+          </p:nvPr>
+        </p:nvSpPr>
+        <p:spPr/>
+        <p:txBody>
+          <a:bodyPr/>
+          <a:lstStyle/>
+          <a:p>
+            <a:pPr algn="l"/>
+            <a:endParaRPr lang="es-PE" dirty="0"/>
+          </a:p>
+        </p:txBody>
+      </p:sp>
+      <p:sp>
+        <p:nvSpPr>
+          <p:cNvPr id="4" name="3 Marcador de número de diapositiva"/>
+          <p:cNvSpPr>
+            <a:spLocks noGrp="1"/>
+          </p:cNvSpPr>
+          <p:nvPr>
+            <p:ph type="sldNum" sz="quarter" idx="10"/>
+          </p:nvPr>
+        </p:nvSpPr>
+        <p:spPr/>
+        <p:txBody>
+          <a:bodyPr/>
+          <a:lstStyle/>
+          <a:p>
+            <a:fld id="{96DE5A63-0F1F-4DC0-ADE0-CC17EBA6F230}" type="slidenum">
+              <a:rPr lang="es-PE" smtClean="0"/>
+              <a:t>23</a:t>
             </a:fld>
             <a:endParaRPr lang="es-PE"/>
           </a:p>
@@ -4798,7 +4941,7 @@
           <a:p>
             <a:fld id="{96DE5A63-0F1F-4DC0-ADE0-CC17EBA6F230}" type="slidenum">
               <a:rPr lang="es-PE" smtClean="0"/>
-              <a:t>3</a:t>
+              <a:t>4</a:t>
             </a:fld>
             <a:endParaRPr lang="es-PE"/>
           </a:p>
@@ -4900,7 +5043,7 @@
           <a:p>
             <a:fld id="{96DE5A63-0F1F-4DC0-ADE0-CC17EBA6F230}" type="slidenum">
               <a:rPr lang="es-PE" smtClean="0"/>
-              <a:t>4</a:t>
+              <a:t>5</a:t>
             </a:fld>
             <a:endParaRPr lang="es-PE"/>
           </a:p>
@@ -4988,7 +5131,7 @@
           <a:p>
             <a:fld id="{96DE5A63-0F1F-4DC0-ADE0-CC17EBA6F230}" type="slidenum">
               <a:rPr lang="es-PE" smtClean="0"/>
-              <a:t>5</a:t>
+              <a:t>6</a:t>
             </a:fld>
             <a:endParaRPr lang="es-PE"/>
           </a:p>
@@ -5117,7 +5260,7 @@
           <a:p>
             <a:fld id="{96DE5A63-0F1F-4DC0-ADE0-CC17EBA6F230}" type="slidenum">
               <a:rPr lang="es-PE" smtClean="0"/>
-              <a:t>6</a:t>
+              <a:t>7</a:t>
             </a:fld>
             <a:endParaRPr lang="es-PE"/>
           </a:p>
@@ -5201,7 +5344,7 @@
           <a:p>
             <a:fld id="{96DE5A63-0F1F-4DC0-ADE0-CC17EBA6F230}" type="slidenum">
               <a:rPr lang="es-PE" smtClean="0"/>
-              <a:t>7</a:t>
+              <a:t>8</a:t>
             </a:fld>
             <a:endParaRPr lang="es-PE"/>
           </a:p>
@@ -5285,7 +5428,7 @@
           <a:p>
             <a:fld id="{96DE5A63-0F1F-4DC0-ADE0-CC17EBA6F230}" type="slidenum">
               <a:rPr lang="es-PE" smtClean="0"/>
-              <a:t>8</a:t>
+              <a:t>9</a:t>
             </a:fld>
             <a:endParaRPr lang="es-PE"/>
           </a:p>
@@ -5369,7 +5512,7 @@
           <a:p>
             <a:fld id="{96DE5A63-0F1F-4DC0-ADE0-CC17EBA6F230}" type="slidenum">
               <a:rPr lang="es-PE" smtClean="0"/>
-              <a:t>9</a:t>
+              <a:t>10</a:t>
             </a:fld>
             <a:endParaRPr lang="es-PE"/>
           </a:p>
@@ -5570,7 +5713,7 @@
             <a:fld id="{807CB568-C05F-482F-9F26-AA302B8892DF}" type="datetimeFigureOut">
               <a:rPr lang="es-ES" smtClean="0"/>
               <a:pPr/>
-              <a:t>10/22/14</a:t>
+              <a:t>10/24/14</a:t>
             </a:fld>
             <a:endParaRPr lang="es-ES"/>
           </a:p>
@@ -5742,7 +5885,7 @@
             <a:fld id="{807CB568-C05F-482F-9F26-AA302B8892DF}" type="datetimeFigureOut">
               <a:rPr lang="es-ES" smtClean="0"/>
               <a:pPr/>
-              <a:t>10/22/14</a:t>
+              <a:t>10/24/14</a:t>
             </a:fld>
             <a:endParaRPr lang="es-ES"/>
           </a:p>
@@ -5924,7 +6067,7 @@
             <a:fld id="{807CB568-C05F-482F-9F26-AA302B8892DF}" type="datetimeFigureOut">
               <a:rPr lang="es-ES" smtClean="0"/>
               <a:pPr/>
-              <a:t>10/22/14</a:t>
+              <a:t>10/24/14</a:t>
             </a:fld>
             <a:endParaRPr lang="es-ES"/>
           </a:p>
@@ -6096,7 +6239,7 @@
             <a:fld id="{807CB568-C05F-482F-9F26-AA302B8892DF}" type="datetimeFigureOut">
               <a:rPr lang="es-ES" smtClean="0"/>
               <a:pPr/>
-              <a:t>10/22/14</a:t>
+              <a:t>10/24/14</a:t>
             </a:fld>
             <a:endParaRPr lang="es-ES"/>
           </a:p>
@@ -6344,7 +6487,7 @@
             <a:fld id="{807CB568-C05F-482F-9F26-AA302B8892DF}" type="datetimeFigureOut">
               <a:rPr lang="es-ES" smtClean="0"/>
               <a:pPr/>
-              <a:t>10/22/14</a:t>
+              <a:t>10/24/14</a:t>
             </a:fld>
             <a:endParaRPr lang="es-ES"/>
           </a:p>
@@ -6634,7 +6777,7 @@
             <a:fld id="{807CB568-C05F-482F-9F26-AA302B8892DF}" type="datetimeFigureOut">
               <a:rPr lang="es-ES" smtClean="0"/>
               <a:pPr/>
-              <a:t>10/22/14</a:t>
+              <a:t>10/24/14</a:t>
             </a:fld>
             <a:endParaRPr lang="es-ES"/>
           </a:p>
@@ -7058,7 +7201,7 @@
             <a:fld id="{807CB568-C05F-482F-9F26-AA302B8892DF}" type="datetimeFigureOut">
               <a:rPr lang="es-ES" smtClean="0"/>
               <a:pPr/>
-              <a:t>10/22/14</a:t>
+              <a:t>10/24/14</a:t>
             </a:fld>
             <a:endParaRPr lang="es-ES"/>
           </a:p>
@@ -7178,7 +7321,7 @@
             <a:fld id="{807CB568-C05F-482F-9F26-AA302B8892DF}" type="datetimeFigureOut">
               <a:rPr lang="es-ES" smtClean="0"/>
               <a:pPr/>
-              <a:t>10/22/14</a:t>
+              <a:t>10/24/14</a:t>
             </a:fld>
             <a:endParaRPr lang="es-ES"/>
           </a:p>
@@ -7275,7 +7418,7 @@
             <a:fld id="{807CB568-C05F-482F-9F26-AA302B8892DF}" type="datetimeFigureOut">
               <a:rPr lang="es-ES" smtClean="0"/>
               <a:pPr/>
-              <a:t>10/22/14</a:t>
+              <a:t>10/24/14</a:t>
             </a:fld>
             <a:endParaRPr lang="es-ES"/>
           </a:p>
@@ -7554,7 +7697,7 @@
             <a:fld id="{807CB568-C05F-482F-9F26-AA302B8892DF}" type="datetimeFigureOut">
               <a:rPr lang="es-ES" smtClean="0"/>
               <a:pPr/>
-              <a:t>10/22/14</a:t>
+              <a:t>10/24/14</a:t>
             </a:fld>
             <a:endParaRPr lang="es-ES"/>
           </a:p>
@@ -7809,7 +7952,7 @@
             <a:fld id="{807CB568-C05F-482F-9F26-AA302B8892DF}" type="datetimeFigureOut">
               <a:rPr lang="es-ES" smtClean="0"/>
               <a:pPr/>
-              <a:t>10/22/14</a:t>
+              <a:t>10/24/14</a:t>
             </a:fld>
             <a:endParaRPr lang="es-ES"/>
           </a:p>
@@ -8024,7 +8167,7 @@
             <a:fld id="{807CB568-C05F-482F-9F26-AA302B8892DF}" type="datetimeFigureOut">
               <a:rPr lang="es-ES" smtClean="0"/>
               <a:pPr/>
-              <a:t>10/22/14</a:t>
+              <a:t>10/24/14</a:t>
             </a:fld>
             <a:endParaRPr lang="es-ES"/>
           </a:p>
@@ -8706,7 +8849,7 @@
                   <a:srgbClr val="FF0000"/>
                 </a:solidFill>
               </a:rPr>
-              <a:t>Puntaje</a:t>
+              <a:t>Actividades por Hoyo</a:t>
             </a:r>
             <a:endParaRPr lang="es-PE" dirty="0">
               <a:solidFill>
@@ -8728,8 +8871,8 @@
         </p:nvSpPr>
         <p:spPr>
           <a:xfrm>
-            <a:off x="251520" y="1052736"/>
-            <a:ext cx="8712968" cy="3323987"/>
+            <a:off x="539552" y="1109996"/>
+            <a:ext cx="8352928" cy="4339650"/>
           </a:xfrm>
           <a:prstGeom prst="rect">
             <a:avLst/>
@@ -8741,52 +8884,69 @@
           </a:bodyPr>
           <a:lstStyle/>
           <a:p>
-            <a:pPr algn="ctr"/>
-            <a:r>
-              <a:rPr lang="es-PE" sz="3500" dirty="0">
-                <a:solidFill>
-                  <a:srgbClr val="00823B"/>
-                </a:solidFill>
-              </a:rPr>
-              <a:t>Penalidades</a:t>
-            </a:r>
-          </a:p>
-          <a:p>
-            <a:r>
-              <a:rPr lang="es-PE" sz="3500" dirty="0"/>
-              <a:t>+2 Cada línea modificada </a:t>
-            </a:r>
-            <a:r>
-              <a:rPr lang="es-PE" sz="3500" dirty="0" smtClean="0"/>
-              <a:t>manualmente</a:t>
-            </a:r>
-          </a:p>
-          <a:p>
-            <a:r>
-              <a:rPr lang="es-PE" sz="3500" dirty="0" smtClean="0"/>
-              <a:t>x2 Cada cambio mientras </a:t>
-            </a:r>
-            <a:r>
-              <a:rPr lang="es-PE" sz="3500" dirty="0"/>
-              <a:t>no </a:t>
-            </a:r>
-            <a:r>
-              <a:rPr lang="es-PE" sz="3500" dirty="0" smtClean="0"/>
-              <a:t>compile</a:t>
-            </a:r>
-          </a:p>
-          <a:p>
-            <a:r>
-              <a:rPr lang="es-PE" sz="3500" dirty="0" smtClean="0"/>
-              <a:t>X3 Cada cambio mientras no pasen las pruebas</a:t>
-            </a:r>
-          </a:p>
-          <a:p>
-            <a:r>
-              <a:rPr lang="es-PE" sz="3500" dirty="0" smtClean="0"/>
-              <a:t>+999 Si las pruebas no pasan al terminar el hoyo</a:t>
-            </a:r>
-            <a:endParaRPr lang="es-PE" sz="3500" dirty="0" smtClean="0"/>
+            <a:pPr marL="571500" indent="-571500">
+              <a:buFont typeface="Arial"/>
+              <a:buChar char="•"/>
+            </a:pPr>
+            <a:r>
+              <a:rPr lang="es-PE" sz="3600" dirty="0" smtClean="0"/>
+              <a:t>Calentamiento (5 min)</a:t>
+            </a:r>
+          </a:p>
+          <a:p>
+            <a:r>
+              <a:rPr lang="es-PE" sz="3200" dirty="0" smtClean="0"/>
+              <a:t>Pr</a:t>
+            </a:r>
+            <a:r>
+              <a:rPr lang="es-PE" sz="3200" dirty="0" smtClean="0"/>
+              <a:t>ácticar previamente solo los refactorings necesarios para el juego.</a:t>
+            </a:r>
+          </a:p>
+          <a:p>
+            <a:endParaRPr lang="es-PE" sz="3600" dirty="0" smtClean="0"/>
+          </a:p>
+          <a:p>
+            <a:pPr marL="571500" indent="-571500">
+              <a:buFont typeface="Arial"/>
+              <a:buChar char="•"/>
+            </a:pPr>
+            <a:r>
+              <a:rPr lang="es-PE" sz="3600" dirty="0" smtClean="0"/>
+              <a:t>Juego (10 minutos)</a:t>
+            </a:r>
+          </a:p>
+          <a:p>
+            <a:pPr marL="571500" indent="-571500">
+              <a:buFont typeface="Arial"/>
+              <a:buChar char="•"/>
+            </a:pPr>
+            <a:endParaRPr lang="es-PE" sz="3600" dirty="0"/>
+          </a:p>
+          <a:p>
+            <a:pPr marL="571500" indent="-571500">
+              <a:buFont typeface="Arial"/>
+              <a:buChar char="•"/>
+            </a:pPr>
+            <a:r>
+              <a:rPr lang="es-PE" sz="3600" dirty="0" smtClean="0"/>
+              <a:t>Discusi</a:t>
+            </a:r>
+            <a:r>
+              <a:rPr lang="es-PE" sz="3600" dirty="0" smtClean="0"/>
+              <a:t>ón</a:t>
+            </a:r>
+            <a:r>
+              <a:rPr lang="es-PE" sz="3600" dirty="0" smtClean="0"/>
+              <a:t> (2 minutos)</a:t>
+            </a:r>
+          </a:p>
+          <a:p>
+            <a:r>
+              <a:rPr lang="es-PE" sz="3200" dirty="0" smtClean="0"/>
+              <a:t>Que hemos aprendido de jugar el hoyo.</a:t>
+            </a:r>
+            <a:endParaRPr lang="es-PE" sz="3200" dirty="0" smtClean="0"/>
           </a:p>
         </p:txBody>
       </p:sp>
@@ -8796,7 +8956,7 @@
     </p:custDataLst>
     <p:extLst>
       <p:ext uri="{BB962C8B-B14F-4D97-AF65-F5344CB8AC3E}">
-        <p14:creationId xmlns:p14="http://schemas.microsoft.com/office/powerpoint/2010/main" val="2044733697"/>
+        <p14:creationId xmlns:p14="http://schemas.microsoft.com/office/powerpoint/2010/main" val="2627210013"/>
       </p:ext>
     </p:extLst>
   </p:cSld>
@@ -8845,14 +9005,12 @@
         </p:nvSpPr>
         <p:spPr>
           <a:xfrm>
-            <a:off x="457200" y="332656"/>
-            <a:ext cx="8229600" cy="1224136"/>
+            <a:off x="457200" y="160885"/>
+            <a:ext cx="8229600" cy="792088"/>
           </a:xfrm>
         </p:spPr>
         <p:txBody>
-          <a:bodyPr>
-            <a:normAutofit fontScale="90000"/>
-          </a:bodyPr>
+          <a:bodyPr/>
           <a:lstStyle/>
           <a:p>
             <a:r>
@@ -8861,30 +9019,7 @@
                   <a:srgbClr val="FF0000"/>
                 </a:solidFill>
               </a:rPr>
-              <a:t>C</a:t>
-            </a:r>
-            <a:r>
-              <a:rPr lang="es-PE" dirty="0" smtClean="0">
-                <a:solidFill>
-                  <a:srgbClr val="FF0000"/>
-                </a:solidFill>
-              </a:rPr>
-              <a:t>ómo triunfar en este desafío </a:t>
-            </a:r>
-            <a:br>
-              <a:rPr lang="es-PE" dirty="0" smtClean="0">
-                <a:solidFill>
-                  <a:srgbClr val="FF0000"/>
-                </a:solidFill>
-              </a:rPr>
-            </a:br>
-            <a:r>
-              <a:rPr lang="es-PE" dirty="0" smtClean="0">
-                <a:solidFill>
-                  <a:srgbClr val="FF0000"/>
-                </a:solidFill>
-              </a:rPr>
-              <a:t>(y en Refactoring)?</a:t>
+              <a:t>Puntaje</a:t>
             </a:r>
             <a:endParaRPr lang="es-PE" dirty="0">
               <a:solidFill>
@@ -8894,32 +9029,10 @@
           </a:p>
         </p:txBody>
       </p:sp>
-      <p:graphicFrame>
-        <p:nvGraphicFramePr>
-          <p:cNvPr id="4" name="12 Diagrama"/>
-          <p:cNvGraphicFramePr/>
-          <p:nvPr>
-            <p:extLst>
-              <p:ext uri="{D42A27DB-BD31-4B8C-83A1-F6EECF244321}">
-                <p14:modId xmlns:p14="http://schemas.microsoft.com/office/powerpoint/2010/main" val="469313183"/>
-              </p:ext>
-            </p:extLst>
-          </p:nvPr>
-        </p:nvGraphicFramePr>
-        <p:xfrm>
-          <a:off x="656531" y="3861048"/>
-          <a:ext cx="8163941" cy="1020680"/>
-        </p:xfrm>
-        <a:graphic>
-          <a:graphicData uri="http://schemas.openxmlformats.org/drawingml/2006/diagram">
-            <dgm:relIds xmlns:dgm="http://schemas.openxmlformats.org/drawingml/2006/diagram" xmlns:r="http://schemas.openxmlformats.org/officeDocument/2006/relationships" r:dm="rId6" r:lo="rId7" r:qs="rId8" r:cs="rId9"/>
-          </a:graphicData>
-        </a:graphic>
-      </p:graphicFrame>
-      <p:sp>
-        <p:nvSpPr>
-          <p:cNvPr id="5" name="2 Rectángulo"/>
-          <p:cNvSpPr/>
+      <p:sp>
+        <p:nvSpPr>
+          <p:cNvPr id="2" name="1 CuadroTexto"/>
+          <p:cNvSpPr txBox="1"/>
           <p:nvPr>
             <p:custDataLst>
               <p:tags r:id="rId3"/>
@@ -8928,39 +9041,116 @@
         </p:nvSpPr>
         <p:spPr>
           <a:xfrm>
-            <a:off x="395536" y="2187441"/>
-            <a:ext cx="8280920" cy="1169551"/>
+            <a:off x="251520" y="879224"/>
+            <a:ext cx="8712968" cy="4939814"/>
           </a:xfrm>
           <a:prstGeom prst="rect">
             <a:avLst/>
           </a:prstGeom>
+          <a:noFill/>
         </p:spPr>
         <p:txBody>
-          <a:bodyPr wrap="square">
+          <a:bodyPr wrap="square" rtlCol="0">
             <a:spAutoFit/>
           </a:bodyPr>
           <a:lstStyle/>
           <a:p>
-            <a:pPr marL="457200" indent="-457200">
-              <a:buFont typeface="Arial"/>
-              <a:buChar char="•"/>
-            </a:pPr>
+            <a:pPr algn="ctr"/>
+            <a:r>
+              <a:rPr lang="es-PE" sz="3500" dirty="0" smtClean="0">
+                <a:solidFill>
+                  <a:srgbClr val="00823B"/>
+                </a:solidFill>
+              </a:rPr>
+              <a:t>General</a:t>
+            </a:r>
+          </a:p>
+          <a:p>
             <a:r>
               <a:rPr lang="es-PE" sz="3500" dirty="0" smtClean="0"/>
-              <a:t>Baby Steps</a:t>
-            </a:r>
-            <a:endParaRPr lang="es-PE" sz="3500" dirty="0" smtClean="0"/>
-          </a:p>
-          <a:p>
-            <a:pPr marL="457200" indent="-457200">
-              <a:buFont typeface="Arial"/>
-              <a:buChar char="•"/>
-            </a:pPr>
+              <a:t>+</a:t>
+            </a:r>
+            <a:r>
+              <a:rPr lang="es-PE" sz="3500" dirty="0"/>
+              <a:t>1 </a:t>
+            </a:r>
             <a:r>
               <a:rPr lang="es-PE" sz="3500" dirty="0" smtClean="0"/>
-              <a:t>Ejecutar las pruebas constantemente</a:t>
-            </a:r>
-            <a:endParaRPr lang="es-PE" sz="3500" dirty="0" smtClean="0"/>
+              <a:t>Cada refactorización</a:t>
+            </a:r>
+          </a:p>
+          <a:p>
+            <a:r>
+              <a:rPr lang="es-PE" sz="3500" dirty="0" smtClean="0"/>
+              <a:t>+</a:t>
+            </a:r>
+            <a:r>
+              <a:rPr lang="es-PE" sz="3500" dirty="0"/>
+              <a:t>1 Copiar + </a:t>
+            </a:r>
+            <a:r>
+              <a:rPr lang="es-PE" sz="3500" dirty="0" smtClean="0"/>
+              <a:t>Pegar</a:t>
+            </a:r>
+          </a:p>
+          <a:p>
+            <a:r>
+              <a:rPr lang="es-PE" sz="3500" dirty="0"/>
+              <a:t>+1 </a:t>
+            </a:r>
+            <a:r>
+              <a:rPr lang="es-PE" sz="3500" dirty="0" smtClean="0"/>
+              <a:t>Cualquier shortcut </a:t>
+            </a:r>
+            <a:r>
+              <a:rPr lang="es-PE" sz="3500" dirty="0"/>
+              <a:t>de edición </a:t>
+            </a:r>
+            <a:r>
+              <a:rPr lang="es-PE" sz="3500" dirty="0" smtClean="0"/>
+              <a:t>código</a:t>
+            </a:r>
+          </a:p>
+          <a:p>
+            <a:r>
+              <a:rPr lang="es-PE" sz="3500" dirty="0" smtClean="0"/>
+              <a:t>+1 Eliminar una línea con código</a:t>
+            </a:r>
+          </a:p>
+          <a:p>
+            <a:r>
+              <a:rPr lang="es-PE" sz="3500" dirty="0" smtClean="0"/>
+              <a:t>+1 Crear clases, interfaces o variables</a:t>
+            </a:r>
+          </a:p>
+          <a:p>
+            <a:pPr marL="633413" indent="-633413"/>
+            <a:r>
+              <a:rPr lang="es-PE" sz="3500" dirty="0" smtClean="0"/>
+              <a:t>+</a:t>
+            </a:r>
+            <a:r>
+              <a:rPr lang="es-PE" sz="3500" dirty="0"/>
+              <a:t>0 </a:t>
+            </a:r>
+            <a:r>
+              <a:rPr lang="es-PE" sz="3500" dirty="0" smtClean="0"/>
+              <a:t>Dar formato o eliminar líneas en blanco</a:t>
+            </a:r>
+          </a:p>
+          <a:p>
+            <a:pPr marL="633413" indent="-633413"/>
+            <a:r>
+              <a:rPr lang="es-PE" sz="3500" dirty="0" smtClean="0"/>
+              <a:t>+0 Cambiar el acceso de los métodos o clases</a:t>
+            </a:r>
+          </a:p>
+          <a:p>
+            <a:pPr marL="633413" indent="-633413"/>
+            <a:r>
+              <a:rPr lang="es-PE" sz="3500" dirty="0" smtClean="0"/>
+              <a:t>+0 Cambiar un método a estático y viceversa</a:t>
+            </a:r>
           </a:p>
         </p:txBody>
       </p:sp>
@@ -8970,7 +9160,7 @@
     </p:custDataLst>
     <p:extLst>
       <p:ext uri="{BB962C8B-B14F-4D97-AF65-F5344CB8AC3E}">
-        <p14:creationId xmlns:p14="http://schemas.microsoft.com/office/powerpoint/2010/main" val="1682063905"/>
+        <p14:creationId xmlns:p14="http://schemas.microsoft.com/office/powerpoint/2010/main" val="1848309971"/>
       </p:ext>
     </p:extLst>
   </p:cSld>
@@ -9033,6 +9223,158 @@
                   <a:srgbClr val="FF0000"/>
                 </a:solidFill>
               </a:rPr>
+              <a:t>Puntaje</a:t>
+            </a:r>
+            <a:endParaRPr lang="es-PE" dirty="0">
+              <a:solidFill>
+                <a:srgbClr val="FF0000"/>
+              </a:solidFill>
+            </a:endParaRPr>
+          </a:p>
+        </p:txBody>
+      </p:sp>
+      <p:sp>
+        <p:nvSpPr>
+          <p:cNvPr id="3" name="2 Rectángulo"/>
+          <p:cNvSpPr/>
+          <p:nvPr>
+            <p:custDataLst>
+              <p:tags r:id="rId3"/>
+            </p:custDataLst>
+          </p:nvPr>
+        </p:nvSpPr>
+        <p:spPr>
+          <a:xfrm>
+            <a:off x="251520" y="1052736"/>
+            <a:ext cx="8712968" cy="3323987"/>
+          </a:xfrm>
+          <a:prstGeom prst="rect">
+            <a:avLst/>
+          </a:prstGeom>
+        </p:spPr>
+        <p:txBody>
+          <a:bodyPr wrap="square">
+            <a:spAutoFit/>
+          </a:bodyPr>
+          <a:lstStyle/>
+          <a:p>
+            <a:pPr algn="ctr"/>
+            <a:r>
+              <a:rPr lang="es-PE" sz="3500" dirty="0">
+                <a:solidFill>
+                  <a:srgbClr val="00823B"/>
+                </a:solidFill>
+              </a:rPr>
+              <a:t>Penalidades</a:t>
+            </a:r>
+          </a:p>
+          <a:p>
+            <a:r>
+              <a:rPr lang="es-PE" sz="3500" dirty="0"/>
+              <a:t>+2 Cada línea modificada </a:t>
+            </a:r>
+            <a:r>
+              <a:rPr lang="es-PE" sz="3500" dirty="0" smtClean="0"/>
+              <a:t>manualmente</a:t>
+            </a:r>
+          </a:p>
+          <a:p>
+            <a:r>
+              <a:rPr lang="es-PE" sz="3500" dirty="0" smtClean="0"/>
+              <a:t>x2 Cada cambio mientras </a:t>
+            </a:r>
+            <a:r>
+              <a:rPr lang="es-PE" sz="3500" dirty="0"/>
+              <a:t>no </a:t>
+            </a:r>
+            <a:r>
+              <a:rPr lang="es-PE" sz="3500" dirty="0" smtClean="0"/>
+              <a:t>compile</a:t>
+            </a:r>
+          </a:p>
+          <a:p>
+            <a:r>
+              <a:rPr lang="es-PE" sz="3500" dirty="0" smtClean="0"/>
+              <a:t>X3 Cada cambio mientras no pasen las pruebas</a:t>
+            </a:r>
+          </a:p>
+          <a:p>
+            <a:r>
+              <a:rPr lang="es-PE" sz="3500" dirty="0" smtClean="0"/>
+              <a:t>+999 Si las pruebas no pasan al terminar el hoyo</a:t>
+            </a:r>
+          </a:p>
+        </p:txBody>
+      </p:sp>
+    </p:spTree>
+    <p:custDataLst>
+      <p:tags r:id="rId1"/>
+    </p:custDataLst>
+    <p:extLst>
+      <p:ext uri="{BB962C8B-B14F-4D97-AF65-F5344CB8AC3E}">
+        <p14:creationId xmlns:p14="http://schemas.microsoft.com/office/powerpoint/2010/main" val="2044733697"/>
+      </p:ext>
+    </p:extLst>
+  </p:cSld>
+  <p:clrMapOvr>
+    <a:masterClrMapping/>
+  </p:clrMapOvr>
+  <p:timing>
+    <p:tnLst>
+      <p:par>
+        <p:cTn xmlns:p14="http://schemas.microsoft.com/office/powerpoint/2010/main" id="1" dur="indefinite" restart="never" nodeType="tmRoot"/>
+      </p:par>
+    </p:tnLst>
+  </p:timing>
+</p:sld>
+</file>
+
+<file path=ppt/slides/slide13.xml><?xml version="1.0" encoding="utf-8"?>
+<p:sld xmlns:a="http://schemas.openxmlformats.org/drawingml/2006/main" xmlns:r="http://schemas.openxmlformats.org/officeDocument/2006/relationships" xmlns:p="http://schemas.openxmlformats.org/presentationml/2006/main">
+  <p:cSld>
+    <p:spTree>
+      <p:nvGrpSpPr>
+        <p:cNvPr id="1" name=""/>
+        <p:cNvGrpSpPr/>
+        <p:nvPr/>
+      </p:nvGrpSpPr>
+      <p:grpSpPr>
+        <a:xfrm>
+          <a:off x="0" y="0"/>
+          <a:ext cx="0" cy="0"/>
+          <a:chOff x="0" y="0"/>
+          <a:chExt cx="0" cy="0"/>
+        </a:xfrm>
+      </p:grpSpPr>
+      <p:sp>
+        <p:nvSpPr>
+          <p:cNvPr id="18" name="1 Título"/>
+          <p:cNvSpPr>
+            <a:spLocks noGrp="1"/>
+          </p:cNvSpPr>
+          <p:nvPr>
+            <p:ph type="title"/>
+            <p:custDataLst>
+              <p:tags r:id="rId2"/>
+            </p:custDataLst>
+          </p:nvPr>
+        </p:nvSpPr>
+        <p:spPr>
+          <a:xfrm>
+            <a:off x="457200" y="160885"/>
+            <a:ext cx="8229600" cy="792088"/>
+          </a:xfrm>
+        </p:spPr>
+        <p:txBody>
+          <a:bodyPr/>
+          <a:lstStyle/>
+          <a:p>
+            <a:r>
+              <a:rPr lang="es-PE" dirty="0" smtClean="0">
+                <a:solidFill>
+                  <a:srgbClr val="FF0000"/>
+                </a:solidFill>
+              </a:rPr>
               <a:t>Equipo Ganador</a:t>
             </a:r>
             <a:endParaRPr lang="es-PE" dirty="0">
@@ -9111,7 +9453,7 @@
 </p:sld>
 </file>
 
-<file path=ppt/slides/slide13.xml><?xml version="1.0" encoding="utf-8"?>
+<file path=ppt/slides/slide14.xml><?xml version="1.0" encoding="utf-8"?>
 <p:sld xmlns:a="http://schemas.openxmlformats.org/drawingml/2006/main" xmlns:r="http://schemas.openxmlformats.org/officeDocument/2006/relationships" xmlns:p="http://schemas.openxmlformats.org/presentationml/2006/main">
   <p:cSld>
     <p:spTree>
@@ -9259,121 +9601,6 @@
 </p:sld>
 </file>
 
-<file path=ppt/slides/slide14.xml><?xml version="1.0" encoding="utf-8"?>
-<p:sld xmlns:a="http://schemas.openxmlformats.org/drawingml/2006/main" xmlns:r="http://schemas.openxmlformats.org/officeDocument/2006/relationships" xmlns:p="http://schemas.openxmlformats.org/presentationml/2006/main">
-  <p:cSld>
-    <p:spTree>
-      <p:nvGrpSpPr>
-        <p:cNvPr id="1" name=""/>
-        <p:cNvGrpSpPr/>
-        <p:nvPr/>
-      </p:nvGrpSpPr>
-      <p:grpSpPr>
-        <a:xfrm>
-          <a:off x="0" y="0"/>
-          <a:ext cx="0" cy="0"/>
-          <a:chOff x="0" y="0"/>
-          <a:chExt cx="0" cy="0"/>
-        </a:xfrm>
-      </p:grpSpPr>
-      <p:pic>
-        <p:nvPicPr>
-          <p:cNvPr id="4" name="3 Imagen"/>
-          <p:cNvPicPr>
-            <a:picLocks noChangeAspect="1"/>
-          </p:cNvPicPr>
-          <p:nvPr>
-            <p:custDataLst>
-              <p:tags r:id="rId2"/>
-            </p:custDataLst>
-          </p:nvPr>
-        </p:nvPicPr>
-        <p:blipFill>
-          <a:blip r:embed="rId6" cstate="print">
-            <a:extLst>
-              <a:ext uri="{28A0092B-C50C-407E-A947-70E740481C1C}">
-                <a14:useLocalDpi xmlns:a14="http://schemas.microsoft.com/office/drawing/2010/main"/>
-              </a:ext>
-            </a:extLst>
-          </a:blip>
-          <a:stretch>
-            <a:fillRect/>
-          </a:stretch>
-        </p:blipFill>
-        <p:spPr>
-          <a:xfrm>
-            <a:off x="-381804" y="13016"/>
-            <a:ext cx="9913822" cy="7173416"/>
-          </a:xfrm>
-          <a:prstGeom prst="rect">
-            <a:avLst/>
-          </a:prstGeom>
-        </p:spPr>
-      </p:pic>
-      <p:sp>
-        <p:nvSpPr>
-          <p:cNvPr id="2" name="1 Título"/>
-          <p:cNvSpPr>
-            <a:spLocks noGrp="1"/>
-          </p:cNvSpPr>
-          <p:nvPr>
-            <p:ph type="ctrTitle"/>
-            <p:custDataLst>
-              <p:tags r:id="rId3"/>
-            </p:custDataLst>
-          </p:nvPr>
-        </p:nvSpPr>
-        <p:spPr>
-          <a:xfrm>
-            <a:off x="-20748" y="87136"/>
-            <a:ext cx="9144000" cy="1093136"/>
-          </a:xfrm>
-        </p:spPr>
-        <p:txBody>
-          <a:bodyPr>
-            <a:normAutofit fontScale="90000"/>
-          </a:bodyPr>
-          <a:lstStyle/>
-          <a:p>
-            <a:r>
-              <a:rPr lang="es-PE" sz="11500" b="1" spc="300" dirty="0" smtClean="0">
-                <a:solidFill>
-                  <a:srgbClr val="FFFFFF"/>
-                </a:solidFill>
-              </a:rPr>
-              <a:t>DEMO</a:t>
-            </a:r>
-            <a:endParaRPr lang="es-ES" sz="9600" b="1" spc="300" dirty="0">
-              <a:solidFill>
-                <a:srgbClr val="FFFFFF"/>
-              </a:solidFill>
-            </a:endParaRPr>
-          </a:p>
-        </p:txBody>
-      </p:sp>
-    </p:spTree>
-    <p:custDataLst>
-      <p:tags r:id="rId1"/>
-    </p:custDataLst>
-    <p:extLst>
-      <p:ext uri="{BB962C8B-B14F-4D97-AF65-F5344CB8AC3E}">
-        <p14:creationId xmlns:p14="http://schemas.microsoft.com/office/powerpoint/2010/main" val="3149365002"/>
-      </p:ext>
-    </p:extLst>
-  </p:cSld>
-  <p:clrMapOvr>
-    <a:masterClrMapping/>
-  </p:clrMapOvr>
-  <p:timing>
-    <p:tnLst>
-      <p:par>
-        <p:cTn xmlns:p14="http://schemas.microsoft.com/office/powerpoint/2010/main" id="1" dur="indefinite" restart="never" nodeType="tmRoot"/>
-      </p:par>
-    </p:tnLst>
-  </p:timing>
-</p:sld>
-</file>
-
 <file path=ppt/slides/slide15.xml><?xml version="1.0" encoding="utf-8"?>
 <p:sld xmlns:a="http://schemas.openxmlformats.org/drawingml/2006/main" xmlns:r="http://schemas.openxmlformats.org/officeDocument/2006/relationships" xmlns:p="http://schemas.openxmlformats.org/presentationml/2006/main">
   <p:cSld>
@@ -9391,78 +9618,127 @@
           <a:chExt cx="0" cy="0"/>
         </a:xfrm>
       </p:grpSpPr>
-      <p:pic>
-        <p:nvPicPr>
-          <p:cNvPr id="3" name="2 Imagen"/>
-          <p:cNvPicPr>
-            <a:picLocks noChangeAspect="1"/>
-          </p:cNvPicPr>
-          <p:nvPr>
+      <p:sp>
+        <p:nvSpPr>
+          <p:cNvPr id="18" name="1 Título"/>
+          <p:cNvSpPr>
+            <a:spLocks noGrp="1"/>
+          </p:cNvSpPr>
+          <p:nvPr>
+            <p:ph type="title"/>
             <p:custDataLst>
               <p:tags r:id="rId2"/>
             </p:custDataLst>
           </p:nvPr>
-        </p:nvPicPr>
-        <p:blipFill>
-          <a:blip r:embed="rId6">
-            <a:extLst>
-              <a:ext uri="{28A0092B-C50C-407E-A947-70E740481C1C}">
-                <a14:useLocalDpi xmlns:a14="http://schemas.microsoft.com/office/drawing/2010/main"/>
-              </a:ext>
-            </a:extLst>
-          </a:blip>
-          <a:stretch>
-            <a:fillRect/>
-          </a:stretch>
-        </p:blipFill>
+        </p:nvSpPr>
         <p:spPr>
           <a:xfrm>
-            <a:off x="-249282" y="-2112"/>
-            <a:ext cx="9717826" cy="6858000"/>
+            <a:off x="457200" y="332656"/>
+            <a:ext cx="8229600" cy="1224136"/>
+          </a:xfrm>
+        </p:spPr>
+        <p:txBody>
+          <a:bodyPr>
+            <a:normAutofit fontScale="90000"/>
+          </a:bodyPr>
+          <a:lstStyle/>
+          <a:p>
+            <a:r>
+              <a:rPr lang="es-PE" dirty="0" smtClean="0">
+                <a:solidFill>
+                  <a:srgbClr val="FF0000"/>
+                </a:solidFill>
+              </a:rPr>
+              <a:t>Cómo triunfar en este desafío </a:t>
+            </a:r>
+            <a:br>
+              <a:rPr lang="es-PE" dirty="0" smtClean="0">
+                <a:solidFill>
+                  <a:srgbClr val="FF0000"/>
+                </a:solidFill>
+              </a:rPr>
+            </a:br>
+            <a:r>
+              <a:rPr lang="es-PE" dirty="0" smtClean="0">
+                <a:solidFill>
+                  <a:srgbClr val="FF0000"/>
+                </a:solidFill>
+              </a:rPr>
+              <a:t>(y en Refactoring)?</a:t>
+            </a:r>
+            <a:endParaRPr lang="es-PE" dirty="0">
+              <a:solidFill>
+                <a:srgbClr val="FF0000"/>
+              </a:solidFill>
+            </a:endParaRPr>
+          </a:p>
+        </p:txBody>
+      </p:sp>
+      <p:graphicFrame>
+        <p:nvGraphicFramePr>
+          <p:cNvPr id="4" name="12 Diagrama"/>
+          <p:cNvGraphicFramePr/>
+          <p:nvPr>
+            <p:extLst>
+              <p:ext uri="{D42A27DB-BD31-4B8C-83A1-F6EECF244321}">
+                <p14:modId xmlns:p14="http://schemas.microsoft.com/office/powerpoint/2010/main" val="469313183"/>
+              </p:ext>
+            </p:extLst>
+          </p:nvPr>
+        </p:nvGraphicFramePr>
+        <p:xfrm>
+          <a:off x="656531" y="3861048"/>
+          <a:ext cx="8163941" cy="1020680"/>
+        </p:xfrm>
+        <a:graphic>
+          <a:graphicData uri="http://schemas.openxmlformats.org/drawingml/2006/diagram">
+            <dgm:relIds xmlns:dgm="http://schemas.openxmlformats.org/drawingml/2006/diagram" xmlns:r="http://schemas.openxmlformats.org/officeDocument/2006/relationships" r:dm="rId6" r:lo="rId7" r:qs="rId8" r:cs="rId9"/>
+          </a:graphicData>
+        </a:graphic>
+      </p:graphicFrame>
+      <p:sp>
+        <p:nvSpPr>
+          <p:cNvPr id="5" name="2 Rectángulo"/>
+          <p:cNvSpPr/>
+          <p:nvPr>
+            <p:custDataLst>
+              <p:tags r:id="rId3"/>
+            </p:custDataLst>
+          </p:nvPr>
+        </p:nvSpPr>
+        <p:spPr>
+          <a:xfrm>
+            <a:off x="395536" y="2187441"/>
+            <a:ext cx="8280920" cy="1169551"/>
           </a:xfrm>
           <a:prstGeom prst="rect">
             <a:avLst/>
           </a:prstGeom>
         </p:spPr>
-      </p:pic>
-      <p:sp>
-        <p:nvSpPr>
-          <p:cNvPr id="2" name="1 Título"/>
-          <p:cNvSpPr>
-            <a:spLocks noGrp="1"/>
-          </p:cNvSpPr>
-          <p:nvPr>
-            <p:ph type="ctrTitle"/>
-            <p:custDataLst>
-              <p:tags r:id="rId3"/>
-            </p:custDataLst>
-          </p:nvPr>
-        </p:nvSpPr>
-        <p:spPr>
-          <a:xfrm>
-            <a:off x="704264" y="5517232"/>
-            <a:ext cx="7810734" cy="1093136"/>
-          </a:xfrm>
-        </p:spPr>
-        <p:txBody>
-          <a:bodyPr>
-            <a:normAutofit fontScale="90000"/>
+        <p:txBody>
+          <a:bodyPr wrap="square">
+            <a:spAutoFit/>
           </a:bodyPr>
           <a:lstStyle/>
           <a:p>
-            <a:r>
-              <a:rPr lang="es-PE" sz="11500" b="1" spc="300" dirty="0" smtClean="0">
-                <a:solidFill>
-                  <a:schemeClr val="bg1"/>
-                </a:solidFill>
-              </a:rPr>
-              <a:t>1st COURSE</a:t>
-            </a:r>
-            <a:endParaRPr lang="es-ES" sz="9600" b="1" spc="300" dirty="0">
-              <a:solidFill>
-                <a:schemeClr val="bg1"/>
-              </a:solidFill>
-            </a:endParaRPr>
+            <a:pPr marL="457200" indent="-457200">
+              <a:buFont typeface="Arial"/>
+              <a:buChar char="•"/>
+            </a:pPr>
+            <a:r>
+              <a:rPr lang="es-PE" sz="3500" dirty="0" smtClean="0"/>
+              <a:t>Baby Steps</a:t>
+            </a:r>
+          </a:p>
+          <a:p>
+            <a:pPr marL="457200" indent="-457200">
+              <a:buFont typeface="Arial"/>
+              <a:buChar char="•"/>
+            </a:pPr>
+            <a:r>
+              <a:rPr lang="es-PE" sz="3500" dirty="0" smtClean="0"/>
+              <a:t>Ejecutar las pruebas constantemente</a:t>
+            </a:r>
           </a:p>
         </p:txBody>
       </p:sp>
@@ -9472,7 +9748,7 @@
     </p:custDataLst>
     <p:extLst>
       <p:ext uri="{BB962C8B-B14F-4D97-AF65-F5344CB8AC3E}">
-        <p14:creationId xmlns:p14="http://schemas.microsoft.com/office/powerpoint/2010/main" val="2661519987"/>
+        <p14:creationId xmlns:p14="http://schemas.microsoft.com/office/powerpoint/2010/main" val="1682063905"/>
       </p:ext>
     </p:extLst>
   </p:cSld>
@@ -9506,23 +9782,57 @@
           <a:chExt cx="0" cy="0"/>
         </a:xfrm>
       </p:grpSpPr>
-      <p:sp>
-        <p:nvSpPr>
-          <p:cNvPr id="18" name="1 Título"/>
-          <p:cNvSpPr>
-            <a:spLocks noGrp="1"/>
-          </p:cNvSpPr>
-          <p:nvPr>
-            <p:ph type="title"/>
+      <p:pic>
+        <p:nvPicPr>
+          <p:cNvPr id="4" name="3 Imagen"/>
+          <p:cNvPicPr>
+            <a:picLocks noChangeAspect="1"/>
+          </p:cNvPicPr>
+          <p:nvPr>
             <p:custDataLst>
               <p:tags r:id="rId2"/>
             </p:custDataLst>
           </p:nvPr>
-        </p:nvSpPr>
+        </p:nvPicPr>
+        <p:blipFill>
+          <a:blip r:embed="rId6" cstate="print">
+            <a:extLst>
+              <a:ext uri="{28A0092B-C50C-407E-A947-70E740481C1C}">
+                <a14:useLocalDpi xmlns:a14="http://schemas.microsoft.com/office/drawing/2010/main"/>
+              </a:ext>
+            </a:extLst>
+          </a:blip>
+          <a:stretch>
+            <a:fillRect/>
+          </a:stretch>
+        </p:blipFill>
         <p:spPr>
           <a:xfrm>
-            <a:off x="457200" y="1589389"/>
-            <a:ext cx="8229600" cy="792088"/>
+            <a:off x="-381804" y="13016"/>
+            <a:ext cx="9913822" cy="7173416"/>
+          </a:xfrm>
+          <a:prstGeom prst="rect">
+            <a:avLst/>
+          </a:prstGeom>
+        </p:spPr>
+      </p:pic>
+      <p:sp>
+        <p:nvSpPr>
+          <p:cNvPr id="2" name="1 Título"/>
+          <p:cNvSpPr>
+            <a:spLocks noGrp="1"/>
+          </p:cNvSpPr>
+          <p:nvPr>
+            <p:ph type="ctrTitle"/>
+            <p:custDataLst>
+              <p:tags r:id="rId3"/>
+            </p:custDataLst>
+          </p:nvPr>
+        </p:nvSpPr>
+        <p:spPr>
+          <a:xfrm>
+            <a:off x="-20748" y="87136"/>
+            <a:ext cx="9144000" cy="1093136"/>
           </a:xfrm>
         </p:spPr>
         <p:txBody>
@@ -9532,53 +9842,18 @@
           <a:lstStyle/>
           <a:p>
             <a:r>
-              <a:rPr lang="es-PE" sz="4800" dirty="0" smtClean="0">
+              <a:rPr lang="es-PE" sz="11500" b="1" spc="300" dirty="0" smtClean="0">
                 <a:solidFill>
-                  <a:srgbClr val="FF0000"/>
+                  <a:srgbClr val="FFFFFF"/>
                 </a:solidFill>
               </a:rPr>
-              <a:t>Objetivo</a:t>
-            </a:r>
-            <a:endParaRPr lang="es-PE" sz="4800" dirty="0">
+              <a:t>DEMO</a:t>
+            </a:r>
+            <a:endParaRPr lang="es-ES" sz="9600" b="1" spc="300" dirty="0">
               <a:solidFill>
-                <a:srgbClr val="FF0000"/>
+                <a:srgbClr val="FFFFFF"/>
               </a:solidFill>
             </a:endParaRPr>
-          </a:p>
-        </p:txBody>
-      </p:sp>
-      <p:sp>
-        <p:nvSpPr>
-          <p:cNvPr id="2" name="1 CuadroTexto"/>
-          <p:cNvSpPr txBox="1"/>
-          <p:nvPr>
-            <p:custDataLst>
-              <p:tags r:id="rId3"/>
-            </p:custDataLst>
-          </p:nvPr>
-        </p:nvSpPr>
-        <p:spPr>
-          <a:xfrm>
-            <a:off x="611560" y="2507644"/>
-            <a:ext cx="8064896" cy="1323439"/>
-          </a:xfrm>
-          <a:prstGeom prst="rect">
-            <a:avLst/>
-          </a:prstGeom>
-          <a:noFill/>
-        </p:spPr>
-        <p:txBody>
-          <a:bodyPr wrap="square" rtlCol="0">
-            <a:spAutoFit/>
-          </a:bodyPr>
-          <a:lstStyle/>
-          <a:p>
-            <a:pPr algn="ctr"/>
-            <a:r>
-              <a:rPr lang="es-PE" sz="4000" dirty="0" smtClean="0"/>
-              <a:t>Aprender y practicar refactorizaciones atómicas y complejas.</a:t>
-            </a:r>
-            <a:endParaRPr lang="es-PE" sz="4000" dirty="0"/>
           </a:p>
         </p:txBody>
       </p:sp>
@@ -9588,7 +9863,7 @@
     </p:custDataLst>
     <p:extLst>
       <p:ext uri="{BB962C8B-B14F-4D97-AF65-F5344CB8AC3E}">
-        <p14:creationId xmlns:p14="http://schemas.microsoft.com/office/powerpoint/2010/main" val="426973170"/>
+        <p14:creationId xmlns:p14="http://schemas.microsoft.com/office/powerpoint/2010/main" val="3149365002"/>
       </p:ext>
     </p:extLst>
   </p:cSld>
@@ -9622,23 +9897,57 @@
           <a:chExt cx="0" cy="0"/>
         </a:xfrm>
       </p:grpSpPr>
-      <p:sp>
-        <p:nvSpPr>
-          <p:cNvPr id="18" name="1 Título"/>
-          <p:cNvSpPr>
-            <a:spLocks noGrp="1"/>
-          </p:cNvSpPr>
-          <p:nvPr>
-            <p:ph type="title"/>
+      <p:pic>
+        <p:nvPicPr>
+          <p:cNvPr id="3" name="2 Imagen"/>
+          <p:cNvPicPr>
+            <a:picLocks noChangeAspect="1"/>
+          </p:cNvPicPr>
+          <p:nvPr>
             <p:custDataLst>
               <p:tags r:id="rId2"/>
             </p:custDataLst>
           </p:nvPr>
-        </p:nvSpPr>
+        </p:nvPicPr>
+        <p:blipFill>
+          <a:blip r:embed="rId6">
+            <a:extLst>
+              <a:ext uri="{28A0092B-C50C-407E-A947-70E740481C1C}">
+                <a14:useLocalDpi xmlns:a14="http://schemas.microsoft.com/office/drawing/2010/main"/>
+              </a:ext>
+            </a:extLst>
+          </a:blip>
+          <a:stretch>
+            <a:fillRect/>
+          </a:stretch>
+        </p:blipFill>
         <p:spPr>
           <a:xfrm>
-            <a:off x="457200" y="1589389"/>
-            <a:ext cx="8229600" cy="792088"/>
+            <a:off x="-249282" y="-2112"/>
+            <a:ext cx="9717826" cy="6858000"/>
+          </a:xfrm>
+          <a:prstGeom prst="rect">
+            <a:avLst/>
+          </a:prstGeom>
+        </p:spPr>
+      </p:pic>
+      <p:sp>
+        <p:nvSpPr>
+          <p:cNvPr id="2" name="1 Título"/>
+          <p:cNvSpPr>
+            <a:spLocks noGrp="1"/>
+          </p:cNvSpPr>
+          <p:nvPr>
+            <p:ph type="ctrTitle"/>
+            <p:custDataLst>
+              <p:tags r:id="rId3"/>
+            </p:custDataLst>
+          </p:nvPr>
+        </p:nvSpPr>
+        <p:spPr>
+          <a:xfrm>
+            <a:off x="704264" y="5517232"/>
+            <a:ext cx="7810734" cy="1093136"/>
           </a:xfrm>
         </p:spPr>
         <p:txBody>
@@ -9648,60 +9957,18 @@
           <a:lstStyle/>
           <a:p>
             <a:r>
-              <a:rPr lang="es-PE" sz="4800" dirty="0" smtClean="0">
+              <a:rPr lang="es-PE" sz="11500" b="1" spc="300" dirty="0" smtClean="0">
                 <a:solidFill>
-                  <a:srgbClr val="FF0000"/>
+                  <a:schemeClr val="bg1"/>
                 </a:solidFill>
               </a:rPr>
-              <a:t>Descripción</a:t>
-            </a:r>
-            <a:endParaRPr lang="es-PE" sz="4800" dirty="0">
+              <a:t>1st COURSE</a:t>
+            </a:r>
+            <a:endParaRPr lang="es-ES" sz="9600" b="1" spc="300" dirty="0">
               <a:solidFill>
-                <a:srgbClr val="FF0000"/>
+                <a:schemeClr val="bg1"/>
               </a:solidFill>
             </a:endParaRPr>
-          </a:p>
-        </p:txBody>
-      </p:sp>
-      <p:sp>
-        <p:nvSpPr>
-          <p:cNvPr id="2" name="1 CuadroTexto"/>
-          <p:cNvSpPr txBox="1"/>
-          <p:nvPr>
-            <p:custDataLst>
-              <p:tags r:id="rId3"/>
-            </p:custDataLst>
-          </p:nvPr>
-        </p:nvSpPr>
-        <p:spPr>
-          <a:xfrm>
-            <a:off x="611560" y="2507644"/>
-            <a:ext cx="8064896" cy="1323439"/>
-          </a:xfrm>
-          <a:prstGeom prst="rect">
-            <a:avLst/>
-          </a:prstGeom>
-          <a:noFill/>
-        </p:spPr>
-        <p:txBody>
-          <a:bodyPr wrap="square" rtlCol="0">
-            <a:spAutoFit/>
-          </a:bodyPr>
-          <a:lstStyle/>
-          <a:p>
-            <a:pPr algn="ctr"/>
-            <a:r>
-              <a:rPr lang="es-PE" sz="4000" dirty="0"/>
-              <a:t>El código </a:t>
-            </a:r>
-            <a:r>
-              <a:rPr lang="es-PE" sz="4000" dirty="0" smtClean="0"/>
-              <a:t>representa el dominio de </a:t>
-            </a:r>
-            <a:r>
-              <a:rPr lang="es-PE" sz="4000" dirty="0"/>
-              <a:t>una tienda online de bicicletas.</a:t>
-            </a:r>
           </a:p>
         </p:txBody>
       </p:sp>
@@ -9711,7 +9978,7 @@
     </p:custDataLst>
     <p:extLst>
       <p:ext uri="{BB962C8B-B14F-4D97-AF65-F5344CB8AC3E}">
-        <p14:creationId xmlns:p14="http://schemas.microsoft.com/office/powerpoint/2010/main" val="2864752739"/>
+        <p14:creationId xmlns:p14="http://schemas.microsoft.com/office/powerpoint/2010/main" val="2661519987"/>
       </p:ext>
     </p:extLst>
   </p:cSld>
@@ -9760,7 +10027,7 @@
         </p:nvSpPr>
         <p:spPr>
           <a:xfrm>
-            <a:off x="457200" y="162000"/>
+            <a:off x="457200" y="1589389"/>
             <a:ext cx="8229600" cy="792088"/>
           </a:xfrm>
         </p:spPr>
@@ -9776,7 +10043,7 @@
                   <a:srgbClr val="FF0000"/>
                 </a:solidFill>
               </a:rPr>
-              <a:t>Reglas</a:t>
+              <a:t>Objetivo</a:t>
             </a:r>
             <a:endParaRPr lang="es-PE" sz="4800" dirty="0">
               <a:solidFill>
@@ -9798,8 +10065,8 @@
         </p:nvSpPr>
         <p:spPr>
           <a:xfrm>
-            <a:off x="251520" y="908720"/>
-            <a:ext cx="8640960" cy="1569660"/>
+            <a:off x="611560" y="2507644"/>
+            <a:ext cx="8064896" cy="1323439"/>
           </a:xfrm>
           <a:prstGeom prst="rect">
             <a:avLst/>
@@ -9814,130 +10081,20 @@
           <a:p>
             <a:pPr algn="ctr"/>
             <a:r>
-              <a:rPr lang="es-PE" sz="3200" dirty="0" smtClean="0"/>
-              <a:t>Es un juego de 3 hoyos, todos los equipos comenzarán en el </a:t>
-            </a:r>
-            <a:r>
-              <a:rPr lang="es-PE" sz="3200" dirty="0" err="1" smtClean="0"/>
-              <a:t>tee</a:t>
-            </a:r>
-            <a:r>
-              <a:rPr lang="es-PE" sz="3200" dirty="0" smtClean="0"/>
-              <a:t> y en los siguientes hoyos de manera simultanea.</a:t>
-            </a:r>
-          </a:p>
-        </p:txBody>
-      </p:sp>
-      <p:sp>
-        <p:nvSpPr>
-          <p:cNvPr id="3" name="2 Rectángulo"/>
-          <p:cNvSpPr/>
-          <p:nvPr>
-            <p:custDataLst>
-              <p:tags r:id="rId4"/>
-            </p:custDataLst>
-          </p:nvPr>
-        </p:nvSpPr>
-        <p:spPr>
-          <a:xfrm>
-            <a:off x="251520" y="5229200"/>
-            <a:ext cx="8640960" cy="1077218"/>
-          </a:xfrm>
-          <a:prstGeom prst="rect">
-            <a:avLst/>
-          </a:prstGeom>
-        </p:spPr>
-        <p:txBody>
-          <a:bodyPr wrap="square">
-            <a:spAutoFit/>
-          </a:bodyPr>
-          <a:lstStyle/>
-          <a:p>
-            <a:pPr algn="ctr"/>
-            <a:r>
-              <a:rPr lang="es-PE" sz="3200" dirty="0" smtClean="0"/>
-              <a:t>El tiempo por hoyo es 12 minutos, al finalizar cada hoyo el mejor equipo mostrará sus resultados.</a:t>
-            </a:r>
-            <a:endParaRPr lang="es-PE" sz="3200" dirty="0"/>
-          </a:p>
-        </p:txBody>
-      </p:sp>
-      <p:pic>
-        <p:nvPicPr>
-          <p:cNvPr id="1027" name="Picture 3"/>
-          <p:cNvPicPr>
-            <a:picLocks noChangeAspect="1" noChangeArrowheads="1"/>
-          </p:cNvPicPr>
-          <p:nvPr>
-            <p:custDataLst>
-              <p:tags r:id="rId5"/>
-            </p:custDataLst>
-          </p:nvPr>
-        </p:nvPicPr>
-        <p:blipFill>
-          <a:blip r:embed="rId8">
-            <a:extLst>
-              <a:ext uri="{28A0092B-C50C-407E-A947-70E740481C1C}">
-                <a14:useLocalDpi xmlns:a14="http://schemas.microsoft.com/office/drawing/2010/main"/>
-              </a:ext>
-            </a:extLst>
-          </a:blip>
-          <a:srcRect/>
-          <a:stretch>
-            <a:fillRect/>
-          </a:stretch>
-        </p:blipFill>
-        <p:spPr bwMode="auto">
-          <a:xfrm>
-            <a:off x="3137609" y="2564904"/>
-            <a:ext cx="3306599" cy="2576714"/>
-          </a:xfrm>
-          <a:prstGeom prst="rect">
-            <a:avLst/>
-          </a:prstGeom>
-          <a:ln>
-            <a:noFill/>
-          </a:ln>
-          <a:effectLst>
-            <a:softEdge rad="112500"/>
-          </a:effectLst>
-          <a:extLst>
-            <a:ext uri="{909E8E84-426E-40dd-AFC4-6F175D3DCCD1}">
-              <a14:hiddenFill xmlns:a14="http://schemas.microsoft.com/office/drawing/2010/main">
-                <a:solidFill>
-                  <a:schemeClr val="accent1"/>
-                </a:solidFill>
-              </a14:hiddenFill>
-            </a:ext>
-            <a:ext uri="{91240B29-F687-4f45-9708-019B960494DF}">
-              <a14:hiddenLine xmlns:a14="http://schemas.microsoft.com/office/drawing/2010/main" w="9525">
-                <a:solidFill>
-                  <a:schemeClr val="tx1"/>
-                </a:solidFill>
-                <a:miter lim="800000"/>
-                <a:headEnd/>
-                <a:tailEnd/>
-              </a14:hiddenLine>
-            </a:ext>
-            <a:ext uri="{AF507438-7753-43e0-B8FC-AC1667EBCBE1}">
-              <a14:hiddenEffects xmlns:a14="http://schemas.microsoft.com/office/drawing/2010/main">
-                <a:effectLst>
-                  <a:outerShdw dist="35921" dir="2700000" algn="ctr" rotWithShape="0">
-                    <a:schemeClr val="bg2"/>
-                  </a:outerShdw>
-                </a:effectLst>
-              </a14:hiddenEffects>
-            </a:ext>
-          </a:extLst>
-        </p:spPr>
-      </p:pic>
+              <a:rPr lang="es-PE" sz="4000" dirty="0" smtClean="0"/>
+              <a:t>Aprender y practicar refactorizaciones atómicas y complejas.</a:t>
+            </a:r>
+            <a:endParaRPr lang="es-PE" sz="4000" dirty="0"/>
+          </a:p>
+        </p:txBody>
+      </p:sp>
     </p:spTree>
     <p:custDataLst>
       <p:tags r:id="rId1"/>
     </p:custDataLst>
     <p:extLst>
       <p:ext uri="{BB962C8B-B14F-4D97-AF65-F5344CB8AC3E}">
-        <p14:creationId xmlns:p14="http://schemas.microsoft.com/office/powerpoint/2010/main" val="3539184923"/>
+        <p14:creationId xmlns:p14="http://schemas.microsoft.com/office/powerpoint/2010/main" val="426973170"/>
       </p:ext>
     </p:extLst>
   </p:cSld>
@@ -9973,52 +10130,63 @@
       </p:grpSpPr>
       <p:sp>
         <p:nvSpPr>
-          <p:cNvPr id="5" name="1 Título"/>
+          <p:cNvPr id="18" name="1 Título"/>
           <p:cNvSpPr>
             <a:spLocks noGrp="1"/>
           </p:cNvSpPr>
           <p:nvPr>
             <p:ph type="title"/>
+            <p:custDataLst>
+              <p:tags r:id="rId2"/>
+            </p:custDataLst>
           </p:nvPr>
         </p:nvSpPr>
         <p:spPr>
           <a:xfrm>
-            <a:off x="503220" y="332656"/>
-            <a:ext cx="8229600" cy="720080"/>
+            <a:off x="457200" y="1589389"/>
+            <a:ext cx="8229600" cy="792088"/>
           </a:xfrm>
         </p:spPr>
         <p:txBody>
-          <a:bodyPr vert="horz" lIns="91440" tIns="45720" rIns="91440" bIns="45720" rtlCol="0" anchor="ctr">
+          <a:bodyPr>
             <a:normAutofit fontScale="90000"/>
           </a:bodyPr>
           <a:lstStyle/>
           <a:p>
             <a:r>
-              <a:rPr lang="es-PE" sz="4800" dirty="0">
+              <a:rPr lang="es-PE" sz="4800" dirty="0" smtClean="0">
                 <a:solidFill>
                   <a:srgbClr val="FF0000"/>
                 </a:solidFill>
               </a:rPr>
-              <a:t>Próximos Pasos</a:t>
-            </a:r>
-          </a:p>
-        </p:txBody>
-      </p:sp>
-      <p:sp>
-        <p:nvSpPr>
-          <p:cNvPr id="6" name="2 Marcador de contenido"/>
-          <p:cNvSpPr>
-            <a:spLocks noGrp="1"/>
-          </p:cNvSpPr>
-          <p:nvPr>
-            <p:ph idx="1"/>
+              <a:t>Descripción</a:t>
+            </a:r>
+            <a:endParaRPr lang="es-PE" sz="4800" dirty="0">
+              <a:solidFill>
+                <a:srgbClr val="FF0000"/>
+              </a:solidFill>
+            </a:endParaRPr>
+          </a:p>
+        </p:txBody>
+      </p:sp>
+      <p:sp>
+        <p:nvSpPr>
+          <p:cNvPr id="2" name="1 CuadroTexto"/>
+          <p:cNvSpPr txBox="1"/>
+          <p:nvPr>
+            <p:custDataLst>
+              <p:tags r:id="rId3"/>
+            </p:custDataLst>
           </p:nvPr>
         </p:nvSpPr>
         <p:spPr>
           <a:xfrm>
-            <a:off x="627641" y="1556792"/>
-            <a:ext cx="7980759" cy="4154984"/>
+            <a:off x="611560" y="2507644"/>
+            <a:ext cx="8064896" cy="1323439"/>
           </a:xfrm>
+          <a:prstGeom prst="rect">
+            <a:avLst/>
+          </a:prstGeom>
           <a:noFill/>
         </p:spPr>
         <p:txBody>
@@ -10027,40 +10195,18 @@
           </a:bodyPr>
           <a:lstStyle/>
           <a:p>
-            <a:pPr marL="0" algn="ctr" defTabSz="914400"/>
+            <a:pPr algn="ctr"/>
             <a:r>
               <a:rPr lang="es-PE" sz="4000" dirty="0"/>
-              <a:t>Practiquen este u otro Kata en su casa.</a:t>
-            </a:r>
-          </a:p>
-          <a:p>
-            <a:pPr marL="0" indent="0" algn="ctr" defTabSz="914400">
-              <a:buNone/>
-            </a:pPr>
-            <a:endParaRPr lang="es-PE" sz="4000" dirty="0"/>
-          </a:p>
-          <a:p>
-            <a:pPr marL="0" algn="ctr" defTabSz="914400"/>
+              <a:t>El código </a:t>
+            </a:r>
+            <a:r>
+              <a:rPr lang="es-PE" sz="4000" dirty="0" smtClean="0"/>
+              <a:t>representa el dominio de </a:t>
+            </a:r>
             <a:r>
               <a:rPr lang="es-PE" sz="4000" dirty="0"/>
-              <a:t>Organicen sus propios </a:t>
-            </a:r>
-            <a:r>
-              <a:rPr lang="es-PE" sz="4000" dirty="0" smtClean="0"/>
-              <a:t>Dojos en </a:t>
-            </a:r>
-            <a:r>
-              <a:rPr lang="es-PE" sz="4000" dirty="0"/>
-              <a:t>su trabajo o comunidad. </a:t>
-            </a:r>
-          </a:p>
-          <a:p>
-            <a:pPr marL="0" indent="0" algn="ctr" defTabSz="914400">
-              <a:buNone/>
-            </a:pPr>
-            <a:r>
-              <a:rPr lang="es-PE" sz="4000" dirty="0"/>
-              <a:t>(pueden utilizar esta presentación)</a:t>
+              <a:t>una tienda online de bicicletas.</a:t>
             </a:r>
           </a:p>
         </p:txBody>
@@ -10071,7 +10217,7 @@
     </p:custDataLst>
     <p:extLst>
       <p:ext uri="{BB962C8B-B14F-4D97-AF65-F5344CB8AC3E}">
-        <p14:creationId xmlns:p14="http://schemas.microsoft.com/office/powerpoint/2010/main" val="2616784292"/>
+        <p14:creationId xmlns:p14="http://schemas.microsoft.com/office/powerpoint/2010/main" val="2864752739"/>
       </p:ext>
     </p:extLst>
   </p:cSld>
@@ -10107,6 +10253,526 @@
       </p:grpSpPr>
       <p:sp>
         <p:nvSpPr>
+          <p:cNvPr id="4" name="Text Box 2"/>
+          <p:cNvSpPr txBox="1">
+            <a:spLocks noChangeArrowheads="1"/>
+          </p:cNvSpPr>
+          <p:nvPr/>
+        </p:nvSpPr>
+        <p:spPr bwMode="auto">
+          <a:xfrm>
+            <a:off x="3668803" y="1031136"/>
+            <a:ext cx="4800600" cy="3429000"/>
+          </a:xfrm>
+          <a:prstGeom prst="rect">
+            <a:avLst/>
+          </a:prstGeom>
+          <a:noFill/>
+          <a:ln w="9525">
+            <a:noFill/>
+            <a:round/>
+            <a:headEnd/>
+            <a:tailEnd/>
+          </a:ln>
+        </p:spPr>
+        <p:txBody>
+          <a:bodyPr lIns="90000" tIns="46800" rIns="90000" bIns="46800"/>
+          <a:lstStyle/>
+          <a:p>
+            <a:pPr marL="319088" indent="-315913" algn="r">
+              <a:spcBef>
+                <a:spcPts val="700"/>
+              </a:spcBef>
+              <a:buClrTx/>
+              <a:buSzPct val="60000"/>
+              <a:buFontTx/>
+              <a:buNone/>
+              <a:tabLst>
+                <a:tab pos="319088" algn="l"/>
+                <a:tab pos="776288" algn="l"/>
+                <a:tab pos="1233488" algn="l"/>
+                <a:tab pos="1690688" algn="l"/>
+                <a:tab pos="2147888" algn="l"/>
+                <a:tab pos="2605088" algn="l"/>
+                <a:tab pos="3062288" algn="l"/>
+                <a:tab pos="3519488" algn="l"/>
+                <a:tab pos="3976688" algn="l"/>
+                <a:tab pos="4433888" algn="l"/>
+                <a:tab pos="4891088" algn="l"/>
+                <a:tab pos="5348288" algn="l"/>
+                <a:tab pos="5805488" algn="l"/>
+                <a:tab pos="6262688" algn="l"/>
+                <a:tab pos="6719888" algn="l"/>
+                <a:tab pos="7177088" algn="l"/>
+                <a:tab pos="7634288" algn="l"/>
+                <a:tab pos="8091488" algn="l"/>
+                <a:tab pos="8548688" algn="l"/>
+                <a:tab pos="9005888" algn="l"/>
+                <a:tab pos="9463088" algn="l"/>
+              </a:tabLst>
+            </a:pPr>
+            <a:r>
+              <a:rPr lang="es-PE" sz="4000" b="1" dirty="0" smtClean="0">
+                <a:solidFill>
+                  <a:srgbClr val="000000"/>
+                </a:solidFill>
+              </a:rPr>
+              <a:t>Angel Núñez</a:t>
+            </a:r>
+            <a:endParaRPr lang="es-PE" sz="4000" b="1" dirty="0">
+              <a:solidFill>
+                <a:srgbClr val="000000"/>
+              </a:solidFill>
+            </a:endParaRPr>
+          </a:p>
+          <a:p>
+            <a:pPr marL="319088" indent="-315913" algn="r">
+              <a:spcBef>
+                <a:spcPts val="700"/>
+              </a:spcBef>
+              <a:buSzPct val="60000"/>
+              <a:tabLst>
+                <a:tab pos="319088" algn="l"/>
+                <a:tab pos="776288" algn="l"/>
+                <a:tab pos="1233488" algn="l"/>
+                <a:tab pos="1690688" algn="l"/>
+                <a:tab pos="2147888" algn="l"/>
+                <a:tab pos="2605088" algn="l"/>
+                <a:tab pos="3062288" algn="l"/>
+                <a:tab pos="3519488" algn="l"/>
+                <a:tab pos="3976688" algn="l"/>
+                <a:tab pos="4433888" algn="l"/>
+                <a:tab pos="4891088" algn="l"/>
+                <a:tab pos="5348288" algn="l"/>
+                <a:tab pos="5805488" algn="l"/>
+                <a:tab pos="6262688" algn="l"/>
+                <a:tab pos="6719888" algn="l"/>
+                <a:tab pos="7177088" algn="l"/>
+                <a:tab pos="7634288" algn="l"/>
+                <a:tab pos="8091488" algn="l"/>
+                <a:tab pos="8548688" algn="l"/>
+                <a:tab pos="9005888" algn="l"/>
+                <a:tab pos="9463088" algn="l"/>
+              </a:tabLst>
+            </a:pPr>
+            <a:r>
+              <a:rPr lang="es-PE" sz="2000" b="1" dirty="0" smtClean="0">
+                <a:solidFill>
+                  <a:schemeClr val="tx1">
+                    <a:lumMod val="65000"/>
+                    <a:lumOff val="35000"/>
+                  </a:schemeClr>
+                </a:solidFill>
+              </a:rPr>
+              <a:t>Agile Coach &amp; Trainer</a:t>
+            </a:r>
+            <a:endParaRPr lang="es-PE" sz="2000" b="1" dirty="0">
+              <a:solidFill>
+                <a:schemeClr val="tx1">
+                  <a:lumMod val="65000"/>
+                  <a:lumOff val="35000"/>
+                </a:schemeClr>
+              </a:solidFill>
+            </a:endParaRPr>
+          </a:p>
+          <a:p>
+            <a:pPr marL="319088" indent="-315913" algn="r">
+              <a:spcBef>
+                <a:spcPts val="700"/>
+              </a:spcBef>
+              <a:buClrTx/>
+              <a:buSzPct val="60000"/>
+              <a:buFontTx/>
+              <a:buNone/>
+              <a:tabLst>
+                <a:tab pos="319088" algn="l"/>
+                <a:tab pos="776288" algn="l"/>
+                <a:tab pos="1233488" algn="l"/>
+                <a:tab pos="1690688" algn="l"/>
+                <a:tab pos="2147888" algn="l"/>
+                <a:tab pos="2605088" algn="l"/>
+                <a:tab pos="3062288" algn="l"/>
+                <a:tab pos="3519488" algn="l"/>
+                <a:tab pos="3976688" algn="l"/>
+                <a:tab pos="4433888" algn="l"/>
+                <a:tab pos="4891088" algn="l"/>
+                <a:tab pos="5348288" algn="l"/>
+                <a:tab pos="5805488" algn="l"/>
+                <a:tab pos="6262688" algn="l"/>
+                <a:tab pos="6719888" algn="l"/>
+                <a:tab pos="7177088" algn="l"/>
+                <a:tab pos="7634288" algn="l"/>
+                <a:tab pos="8091488" algn="l"/>
+                <a:tab pos="8548688" algn="l"/>
+                <a:tab pos="9005888" algn="l"/>
+                <a:tab pos="9463088" algn="l"/>
+              </a:tabLst>
+            </a:pPr>
+            <a:r>
+              <a:rPr lang="es-PE" sz="2000" b="1" dirty="0">
+                <a:solidFill>
+                  <a:schemeClr val="tx1">
+                    <a:lumMod val="65000"/>
+                    <a:lumOff val="35000"/>
+                  </a:schemeClr>
+                </a:solidFill>
+              </a:rPr>
+              <a:t>CSP | CSM | PMI-ACP | CSPO | CSD</a:t>
+            </a:r>
+            <a:endParaRPr lang="es-PE" sz="2000" b="1" i="1" dirty="0">
+              <a:solidFill>
+                <a:srgbClr val="F6640A"/>
+              </a:solidFill>
+            </a:endParaRPr>
+          </a:p>
+          <a:p>
+            <a:pPr marL="319088" indent="-315913" algn="r">
+              <a:spcBef>
+                <a:spcPts val="700"/>
+              </a:spcBef>
+              <a:buClrTx/>
+              <a:buSzPct val="60000"/>
+              <a:buFontTx/>
+              <a:buNone/>
+              <a:tabLst>
+                <a:tab pos="319088" algn="l"/>
+                <a:tab pos="776288" algn="l"/>
+                <a:tab pos="1233488" algn="l"/>
+                <a:tab pos="1690688" algn="l"/>
+                <a:tab pos="2147888" algn="l"/>
+                <a:tab pos="2605088" algn="l"/>
+                <a:tab pos="3062288" algn="l"/>
+                <a:tab pos="3519488" algn="l"/>
+                <a:tab pos="3976688" algn="l"/>
+                <a:tab pos="4433888" algn="l"/>
+                <a:tab pos="4891088" algn="l"/>
+                <a:tab pos="5348288" algn="l"/>
+                <a:tab pos="5805488" algn="l"/>
+                <a:tab pos="6262688" algn="l"/>
+                <a:tab pos="6719888" algn="l"/>
+                <a:tab pos="7177088" algn="l"/>
+                <a:tab pos="7634288" algn="l"/>
+                <a:tab pos="8091488" algn="l"/>
+                <a:tab pos="8548688" algn="l"/>
+                <a:tab pos="9005888" algn="l"/>
+                <a:tab pos="9463088" algn="l"/>
+              </a:tabLst>
+            </a:pPr>
+            <a:r>
+              <a:rPr lang="es-PE" sz="2800" dirty="0" smtClean="0">
+                <a:solidFill>
+                  <a:schemeClr val="tx2">
+                    <a:lumMod val="85000"/>
+                    <a:lumOff val="15000"/>
+                  </a:schemeClr>
+                </a:solidFill>
+                <a:hlinkClick r:id="rId2"/>
+              </a:rPr>
+              <a:t>angel.nunez@kleer.la</a:t>
+            </a:r>
+            <a:endParaRPr lang="es-PE" sz="2800" dirty="0" smtClean="0">
+              <a:solidFill>
+                <a:schemeClr val="tx2">
+                  <a:lumMod val="85000"/>
+                  <a:lumOff val="15000"/>
+                </a:schemeClr>
+              </a:solidFill>
+            </a:endParaRPr>
+          </a:p>
+          <a:p>
+            <a:pPr marL="319088" indent="-315913" algn="r">
+              <a:spcBef>
+                <a:spcPts val="700"/>
+              </a:spcBef>
+              <a:buClrTx/>
+              <a:buSzPct val="60000"/>
+              <a:buFontTx/>
+              <a:buNone/>
+              <a:tabLst>
+                <a:tab pos="319088" algn="l"/>
+                <a:tab pos="776288" algn="l"/>
+                <a:tab pos="1233488" algn="l"/>
+                <a:tab pos="1690688" algn="l"/>
+                <a:tab pos="2147888" algn="l"/>
+                <a:tab pos="2605088" algn="l"/>
+                <a:tab pos="3062288" algn="l"/>
+                <a:tab pos="3519488" algn="l"/>
+                <a:tab pos="3976688" algn="l"/>
+                <a:tab pos="4433888" algn="l"/>
+                <a:tab pos="4891088" algn="l"/>
+                <a:tab pos="5348288" algn="l"/>
+                <a:tab pos="5805488" algn="l"/>
+                <a:tab pos="6262688" algn="l"/>
+                <a:tab pos="6719888" algn="l"/>
+                <a:tab pos="7177088" algn="l"/>
+                <a:tab pos="7634288" algn="l"/>
+                <a:tab pos="8091488" algn="l"/>
+                <a:tab pos="8548688" algn="l"/>
+                <a:tab pos="9005888" algn="l"/>
+                <a:tab pos="9463088" algn="l"/>
+              </a:tabLst>
+            </a:pPr>
+            <a:r>
+              <a:rPr lang="es-PE" sz="2800" b="1" dirty="0" smtClean="0">
+                <a:solidFill>
+                  <a:schemeClr val="tx2">
+                    <a:lumMod val="85000"/>
+                    <a:lumOff val="15000"/>
+                  </a:schemeClr>
+                </a:solidFill>
+              </a:rPr>
+              <a:t>@snahider</a:t>
+            </a:r>
+            <a:endParaRPr lang="es-PE" sz="2800" b="1" dirty="0">
+              <a:solidFill>
+                <a:schemeClr val="tx2">
+                  <a:lumMod val="85000"/>
+                  <a:lumOff val="15000"/>
+                </a:schemeClr>
+              </a:solidFill>
+            </a:endParaRPr>
+          </a:p>
+          <a:p>
+            <a:pPr marL="319088" indent="-315913" algn="r">
+              <a:spcBef>
+                <a:spcPts val="700"/>
+              </a:spcBef>
+              <a:buClrTx/>
+              <a:buSzPct val="60000"/>
+              <a:buFontTx/>
+              <a:buNone/>
+              <a:tabLst>
+                <a:tab pos="319088" algn="l"/>
+                <a:tab pos="776288" algn="l"/>
+                <a:tab pos="1233488" algn="l"/>
+                <a:tab pos="1690688" algn="l"/>
+                <a:tab pos="2147888" algn="l"/>
+                <a:tab pos="2605088" algn="l"/>
+                <a:tab pos="3062288" algn="l"/>
+                <a:tab pos="3519488" algn="l"/>
+                <a:tab pos="3976688" algn="l"/>
+                <a:tab pos="4433888" algn="l"/>
+                <a:tab pos="4891088" algn="l"/>
+                <a:tab pos="5348288" algn="l"/>
+                <a:tab pos="5805488" algn="l"/>
+                <a:tab pos="6262688" algn="l"/>
+                <a:tab pos="6719888" algn="l"/>
+                <a:tab pos="7177088" algn="l"/>
+                <a:tab pos="7634288" algn="l"/>
+                <a:tab pos="8091488" algn="l"/>
+                <a:tab pos="8548688" algn="l"/>
+                <a:tab pos="9005888" algn="l"/>
+                <a:tab pos="9463088" algn="l"/>
+              </a:tabLst>
+            </a:pPr>
+            <a:endParaRPr lang="es-PE" sz="2000" i="1" dirty="0">
+              <a:solidFill>
+                <a:srgbClr val="F6640A"/>
+              </a:solidFill>
+            </a:endParaRPr>
+          </a:p>
+          <a:p>
+            <a:pPr marL="319088" indent="-315913" algn="r">
+              <a:spcBef>
+                <a:spcPts val="700"/>
+              </a:spcBef>
+              <a:buClrTx/>
+              <a:buSzPct val="60000"/>
+              <a:buFontTx/>
+              <a:buNone/>
+              <a:tabLst>
+                <a:tab pos="319088" algn="l"/>
+                <a:tab pos="776288" algn="l"/>
+                <a:tab pos="1233488" algn="l"/>
+                <a:tab pos="1690688" algn="l"/>
+                <a:tab pos="2147888" algn="l"/>
+                <a:tab pos="2605088" algn="l"/>
+                <a:tab pos="3062288" algn="l"/>
+                <a:tab pos="3519488" algn="l"/>
+                <a:tab pos="3976688" algn="l"/>
+                <a:tab pos="4433888" algn="l"/>
+                <a:tab pos="4891088" algn="l"/>
+                <a:tab pos="5348288" algn="l"/>
+                <a:tab pos="5805488" algn="l"/>
+                <a:tab pos="6262688" algn="l"/>
+                <a:tab pos="6719888" algn="l"/>
+                <a:tab pos="7177088" algn="l"/>
+                <a:tab pos="7634288" algn="l"/>
+                <a:tab pos="8091488" algn="l"/>
+                <a:tab pos="8548688" algn="l"/>
+                <a:tab pos="9005888" algn="l"/>
+                <a:tab pos="9463088" algn="l"/>
+              </a:tabLst>
+            </a:pPr>
+            <a:endParaRPr lang="es-PE" sz="2000" i="1" dirty="0">
+              <a:solidFill>
+                <a:schemeClr val="tx1"/>
+              </a:solidFill>
+            </a:endParaRPr>
+          </a:p>
+        </p:txBody>
+      </p:sp>
+      <p:pic>
+        <p:nvPicPr>
+          <p:cNvPr id="5" name="Picture 4"/>
+          <p:cNvPicPr>
+            <a:picLocks noChangeAspect="1"/>
+          </p:cNvPicPr>
+          <p:nvPr/>
+        </p:nvPicPr>
+        <p:blipFill>
+          <a:blip r:embed="rId3" cstate="email">
+            <a:clrChange>
+              <a:clrFrom>
+                <a:srgbClr val="FFFFFF"/>
+              </a:clrFrom>
+              <a:clrTo>
+                <a:srgbClr val="FFFFFF">
+                  <a:alpha val="0"/>
+                </a:srgbClr>
+              </a:clrTo>
+            </a:clrChange>
+            <a:extLst>
+              <a:ext uri="{28A0092B-C50C-407E-A947-70E740481C1C}">
+                <a14:useLocalDpi xmlns:a14="http://schemas.microsoft.com/office/drawing/2010/main"/>
+              </a:ext>
+            </a:extLst>
+          </a:blip>
+          <a:stretch>
+            <a:fillRect/>
+          </a:stretch>
+        </p:blipFill>
+        <p:spPr>
+          <a:xfrm>
+            <a:off x="4357489" y="3064062"/>
+            <a:ext cx="724978" cy="724978"/>
+          </a:xfrm>
+          <a:prstGeom prst="rect">
+            <a:avLst/>
+          </a:prstGeom>
+        </p:spPr>
+      </p:pic>
+      <p:pic>
+        <p:nvPicPr>
+          <p:cNvPr id="6" name="Picture 5"/>
+          <p:cNvPicPr>
+            <a:picLocks noChangeAspect="1"/>
+          </p:cNvPicPr>
+          <p:nvPr/>
+        </p:nvPicPr>
+        <p:blipFill>
+          <a:blip r:embed="rId4" cstate="email">
+            <a:extLst>
+              <a:ext uri="{28A0092B-C50C-407E-A947-70E740481C1C}">
+                <a14:useLocalDpi xmlns:a14="http://schemas.microsoft.com/office/drawing/2010/main"/>
+              </a:ext>
+            </a:extLst>
+          </a:blip>
+          <a:stretch>
+            <a:fillRect/>
+          </a:stretch>
+        </p:blipFill>
+        <p:spPr>
+          <a:xfrm>
+            <a:off x="4504639" y="2631273"/>
+            <a:ext cx="381000" cy="381000"/>
+          </a:xfrm>
+          <a:prstGeom prst="rect">
+            <a:avLst/>
+          </a:prstGeom>
+        </p:spPr>
+      </p:pic>
+      <p:pic>
+        <p:nvPicPr>
+          <p:cNvPr id="8" name="Picture 7"/>
+          <p:cNvPicPr>
+            <a:picLocks noChangeAspect="1"/>
+          </p:cNvPicPr>
+          <p:nvPr/>
+        </p:nvPicPr>
+        <p:blipFill>
+          <a:blip r:embed="rId5" cstate="email">
+            <a:extLst>
+              <a:ext uri="{28A0092B-C50C-407E-A947-70E740481C1C}">
+                <a14:useLocalDpi xmlns:a14="http://schemas.microsoft.com/office/drawing/2010/main"/>
+              </a:ext>
+            </a:extLst>
+          </a:blip>
+          <a:stretch>
+            <a:fillRect/>
+          </a:stretch>
+        </p:blipFill>
+        <p:spPr>
+          <a:xfrm>
+            <a:off x="766814" y="1182614"/>
+            <a:ext cx="3041386" cy="3041386"/>
+          </a:xfrm>
+          <a:prstGeom prst="rect">
+            <a:avLst/>
+          </a:prstGeom>
+        </p:spPr>
+      </p:pic>
+      <p:pic>
+        <p:nvPicPr>
+          <p:cNvPr id="9" name="Picture 8"/>
+          <p:cNvPicPr>
+            <a:picLocks noChangeAspect="1"/>
+          </p:cNvPicPr>
+          <p:nvPr/>
+        </p:nvPicPr>
+        <p:blipFill rotWithShape="1">
+          <a:blip r:embed="rId6" cstate="email">
+            <a:extLst>
+              <a:ext uri="{28A0092B-C50C-407E-A947-70E740481C1C}">
+                <a14:useLocalDpi xmlns:a14="http://schemas.microsoft.com/office/drawing/2010/main"/>
+              </a:ext>
+            </a:extLst>
+          </a:blip>
+          <a:srcRect r="13820"/>
+          <a:stretch/>
+        </p:blipFill>
+        <p:spPr>
+          <a:xfrm>
+            <a:off x="683568" y="4969813"/>
+            <a:ext cx="7880342" cy="1555531"/>
+          </a:xfrm>
+          <a:prstGeom prst="rect">
+            <a:avLst/>
+          </a:prstGeom>
+        </p:spPr>
+      </p:pic>
+    </p:spTree>
+    <p:extLst>
+      <p:ext uri="{BB962C8B-B14F-4D97-AF65-F5344CB8AC3E}">
+        <p14:creationId xmlns:p14="http://schemas.microsoft.com/office/powerpoint/2010/main" val="1689324965"/>
+      </p:ext>
+    </p:extLst>
+  </p:cSld>
+  <p:clrMapOvr>
+    <a:masterClrMapping/>
+  </p:clrMapOvr>
+</p:sld>
+</file>
+
+<file path=ppt/slides/slide20.xml><?xml version="1.0" encoding="utf-8"?>
+<p:sld xmlns:a="http://schemas.openxmlformats.org/drawingml/2006/main" xmlns:r="http://schemas.openxmlformats.org/officeDocument/2006/relationships" xmlns:p="http://schemas.openxmlformats.org/presentationml/2006/main">
+  <p:cSld>
+    <p:spTree>
+      <p:nvGrpSpPr>
+        <p:cNvPr id="1" name=""/>
+        <p:cNvGrpSpPr/>
+        <p:nvPr/>
+      </p:nvGrpSpPr>
+      <p:grpSpPr>
+        <a:xfrm>
+          <a:off x="0" y="0"/>
+          <a:ext cx="0" cy="0"/>
+          <a:chOff x="0" y="0"/>
+          <a:chExt cx="0" cy="0"/>
+        </a:xfrm>
+      </p:grpSpPr>
+      <p:sp>
+        <p:nvSpPr>
           <p:cNvPr id="18" name="1 Título"/>
           <p:cNvSpPr>
             <a:spLocks noGrp="1"/>
@@ -10120,23 +10786,25 @@
         </p:nvSpPr>
         <p:spPr>
           <a:xfrm>
-            <a:off x="457200" y="160885"/>
+            <a:off x="457200" y="162000"/>
             <a:ext cx="8229600" cy="792088"/>
           </a:xfrm>
         </p:spPr>
         <p:txBody>
-          <a:bodyPr/>
+          <a:bodyPr>
+            <a:normAutofit fontScale="90000"/>
+          </a:bodyPr>
           <a:lstStyle/>
           <a:p>
             <a:r>
-              <a:rPr lang="es-PE" dirty="0" smtClean="0">
+              <a:rPr lang="es-PE" sz="4800" dirty="0" smtClean="0">
                 <a:solidFill>
                   <a:srgbClr val="FF0000"/>
                 </a:solidFill>
               </a:rPr>
-              <a:t>Objetivos</a:t>
-            </a:r>
-            <a:endParaRPr lang="es-PE" dirty="0">
+              <a:t>Reglas</a:t>
+            </a:r>
+            <a:endParaRPr lang="es-PE" sz="4800" dirty="0">
               <a:solidFill>
                 <a:srgbClr val="FF0000"/>
               </a:solidFill>
@@ -10146,7 +10814,7 @@
       </p:sp>
       <p:sp>
         <p:nvSpPr>
-          <p:cNvPr id="9" name="8 CuadroTexto"/>
+          <p:cNvPr id="2" name="1 CuadroTexto"/>
           <p:cNvSpPr txBox="1"/>
           <p:nvPr>
             <p:custDataLst>
@@ -10156,8 +10824,8 @@
         </p:nvSpPr>
         <p:spPr>
           <a:xfrm>
-            <a:off x="294033" y="1155516"/>
-            <a:ext cx="8568951" cy="3785652"/>
+            <a:off x="251520" y="908720"/>
+            <a:ext cx="8640960" cy="1569660"/>
           </a:xfrm>
           <a:prstGeom prst="rect">
             <a:avLst/>
@@ -10170,78 +10838,107 @@
           </a:bodyPr>
           <a:lstStyle/>
           <a:p>
-            <a:pPr marL="457200" indent="-457200">
-              <a:buFont typeface="Arial"/>
-              <a:buChar char="•"/>
-            </a:pPr>
-            <a:r>
-              <a:rPr lang="es-PE" sz="3000" dirty="0" smtClean="0"/>
-              <a:t>Aprender </a:t>
-            </a:r>
-            <a:r>
-              <a:rPr lang="es-PE" sz="3000" dirty="0"/>
-              <a:t>y compartir diversas técnicas de refactorización</a:t>
-            </a:r>
-            <a:r>
-              <a:rPr lang="es-PE" sz="3000" dirty="0" smtClean="0"/>
-              <a:t>.</a:t>
-            </a:r>
-          </a:p>
-          <a:p>
-            <a:pPr marL="457200" indent="-457200">
-              <a:buFont typeface="Arial"/>
-              <a:buChar char="•"/>
-            </a:pPr>
-            <a:endParaRPr lang="es-PE" sz="3000" dirty="0"/>
-          </a:p>
-          <a:p>
-            <a:pPr marL="457200" indent="-457200">
-              <a:buFont typeface="Arial"/>
-              <a:buChar char="•"/>
-            </a:pPr>
-            <a:r>
-              <a:rPr lang="es-PE" sz="3000" dirty="0" smtClean="0"/>
-              <a:t>Experimentar </a:t>
-            </a:r>
-            <a:r>
-              <a:rPr lang="es-PE" sz="3000" dirty="0"/>
-              <a:t>la refactorización mientras se aplica de forma correcta y disciplinada</a:t>
-            </a:r>
-            <a:r>
-              <a:rPr lang="es-PE" sz="3000" dirty="0" smtClean="0"/>
-              <a:t>.</a:t>
-            </a:r>
-          </a:p>
-          <a:p>
-            <a:pPr marL="457200" indent="-457200">
-              <a:buFont typeface="Arial"/>
-              <a:buChar char="•"/>
-            </a:pPr>
-            <a:endParaRPr lang="es-PE" sz="3000" dirty="0"/>
-          </a:p>
-          <a:p>
-            <a:pPr marL="457200" indent="-457200">
-              <a:buFont typeface="Arial"/>
-              <a:buChar char="•"/>
-            </a:pPr>
-            <a:r>
-              <a:rPr lang="es-PE" sz="3000" dirty="0" smtClean="0"/>
-              <a:t>Familiarizarse </a:t>
-            </a:r>
-            <a:r>
-              <a:rPr lang="es-PE" sz="3000" dirty="0"/>
-              <a:t>y ver los beneficios de los refactorings automatizados que proveen los IDES.</a:t>
-            </a:r>
-          </a:p>
-        </p:txBody>
-      </p:sp>
+            <a:pPr algn="ctr"/>
+            <a:r>
+              <a:rPr lang="es-PE" sz="3200" dirty="0" smtClean="0"/>
+              <a:t>Es un juego de </a:t>
+            </a:r>
+            <a:r>
+              <a:rPr lang="es-PE" sz="3200" dirty="0" smtClean="0"/>
+              <a:t>4 </a:t>
+            </a:r>
+            <a:r>
+              <a:rPr lang="es-PE" sz="3200" dirty="0" smtClean="0"/>
+              <a:t>hoyos, todos los equipos comenzarán en el tee y en los siguientes hoyos de manera simultanea.</a:t>
+            </a:r>
+          </a:p>
+        </p:txBody>
+      </p:sp>
+      <p:sp>
+        <p:nvSpPr>
+          <p:cNvPr id="3" name="2 Rectángulo"/>
+          <p:cNvSpPr/>
+          <p:nvPr>
+            <p:custDataLst>
+              <p:tags r:id="rId4"/>
+            </p:custDataLst>
+          </p:nvPr>
+        </p:nvSpPr>
+        <p:spPr>
+          <a:xfrm>
+            <a:off x="251520" y="5580528"/>
+            <a:ext cx="8640960" cy="584776"/>
+          </a:xfrm>
+          <a:prstGeom prst="rect">
+            <a:avLst/>
+          </a:prstGeom>
+        </p:spPr>
+        <p:txBody>
+          <a:bodyPr wrap="square">
+            <a:spAutoFit/>
+          </a:bodyPr>
+          <a:lstStyle/>
+          <a:p>
+            <a:pPr algn="ctr"/>
+            <a:r>
+              <a:rPr lang="es-PE" sz="3200" dirty="0" smtClean="0"/>
+              <a:t>El tiempo </a:t>
+            </a:r>
+            <a:r>
+              <a:rPr lang="es-PE" sz="3200" dirty="0" smtClean="0"/>
+              <a:t>de ejecuci</a:t>
+            </a:r>
+            <a:r>
+              <a:rPr lang="es-PE" sz="3200" dirty="0" smtClean="0"/>
+              <a:t>ón </a:t>
+            </a:r>
+            <a:r>
+              <a:rPr lang="es-PE" sz="3200" dirty="0" smtClean="0"/>
+              <a:t>por </a:t>
+            </a:r>
+            <a:r>
+              <a:rPr lang="es-PE" sz="3200" dirty="0" smtClean="0"/>
+              <a:t>hoyo es </a:t>
+            </a:r>
+            <a:r>
+              <a:rPr lang="es-PE" sz="3200" dirty="0" smtClean="0"/>
+              <a:t>10 minutos</a:t>
+            </a:r>
+            <a:endParaRPr lang="es-PE" sz="3200" dirty="0"/>
+          </a:p>
+        </p:txBody>
+      </p:sp>
+      <p:pic>
+        <p:nvPicPr>
+          <p:cNvPr id="4" name="Picture 3"/>
+          <p:cNvPicPr>
+            <a:picLocks noChangeAspect="1"/>
+          </p:cNvPicPr>
+          <p:nvPr/>
+        </p:nvPicPr>
+        <p:blipFill>
+          <a:blip r:embed="rId7"/>
+          <a:stretch>
+            <a:fillRect/>
+          </a:stretch>
+        </p:blipFill>
+        <p:spPr>
+          <a:xfrm>
+            <a:off x="3059832" y="2771735"/>
+            <a:ext cx="3024336" cy="2745497"/>
+          </a:xfrm>
+          <a:prstGeom prst="rect">
+            <a:avLst/>
+          </a:prstGeom>
+        </p:spPr>
+      </p:pic>
     </p:spTree>
     <p:custDataLst>
       <p:tags r:id="rId1"/>
     </p:custDataLst>
     <p:extLst>
       <p:ext uri="{BB962C8B-B14F-4D97-AF65-F5344CB8AC3E}">
-        <p14:creationId xmlns:p14="http://schemas.microsoft.com/office/powerpoint/2010/main" val="3484589936"/>
+        <p14:creationId xmlns:p14="http://schemas.microsoft.com/office/powerpoint/2010/main" val="3539184923"/>
       </p:ext>
     </p:extLst>
   </p:cSld>
@@ -10258,7 +10955,141 @@
 </p:sld>
 </file>
 
-<file path=ppt/slides/slide20.xml><?xml version="1.0" encoding="utf-8"?>
+<file path=ppt/slides/slide21.xml><?xml version="1.0" encoding="utf-8"?>
+<p:sld xmlns:a="http://schemas.openxmlformats.org/drawingml/2006/main" xmlns:r="http://schemas.openxmlformats.org/officeDocument/2006/relationships" xmlns:p="http://schemas.openxmlformats.org/presentationml/2006/main">
+  <p:cSld>
+    <p:spTree>
+      <p:nvGrpSpPr>
+        <p:cNvPr id="1" name=""/>
+        <p:cNvGrpSpPr/>
+        <p:nvPr/>
+      </p:nvGrpSpPr>
+      <p:grpSpPr>
+        <a:xfrm>
+          <a:off x="0" y="0"/>
+          <a:ext cx="0" cy="0"/>
+          <a:chOff x="0" y="0"/>
+          <a:chExt cx="0" cy="0"/>
+        </a:xfrm>
+      </p:grpSpPr>
+      <p:sp>
+        <p:nvSpPr>
+          <p:cNvPr id="5" name="1 Título"/>
+          <p:cNvSpPr>
+            <a:spLocks noGrp="1"/>
+          </p:cNvSpPr>
+          <p:nvPr>
+            <p:ph type="title"/>
+          </p:nvPr>
+        </p:nvSpPr>
+        <p:spPr>
+          <a:xfrm>
+            <a:off x="503220" y="332656"/>
+            <a:ext cx="8229600" cy="720080"/>
+          </a:xfrm>
+        </p:spPr>
+        <p:txBody>
+          <a:bodyPr vert="horz" lIns="91440" tIns="45720" rIns="91440" bIns="45720" rtlCol="0" anchor="ctr">
+            <a:normAutofit fontScale="90000"/>
+          </a:bodyPr>
+          <a:lstStyle/>
+          <a:p>
+            <a:r>
+              <a:rPr lang="es-PE" sz="4800" dirty="0">
+                <a:solidFill>
+                  <a:srgbClr val="FF0000"/>
+                </a:solidFill>
+              </a:rPr>
+              <a:t>Próximos Pasos</a:t>
+            </a:r>
+          </a:p>
+        </p:txBody>
+      </p:sp>
+      <p:sp>
+        <p:nvSpPr>
+          <p:cNvPr id="6" name="2 Marcador de contenido"/>
+          <p:cNvSpPr>
+            <a:spLocks noGrp="1"/>
+          </p:cNvSpPr>
+          <p:nvPr>
+            <p:ph idx="1"/>
+          </p:nvPr>
+        </p:nvSpPr>
+        <p:spPr>
+          <a:xfrm>
+            <a:off x="627641" y="1556792"/>
+            <a:ext cx="7980759" cy="4154984"/>
+          </a:xfrm>
+          <a:noFill/>
+        </p:spPr>
+        <p:txBody>
+          <a:bodyPr wrap="square" rtlCol="0">
+            <a:spAutoFit/>
+          </a:bodyPr>
+          <a:lstStyle/>
+          <a:p>
+            <a:pPr marL="0" algn="ctr" defTabSz="914400"/>
+            <a:r>
+              <a:rPr lang="es-PE" sz="4000" dirty="0"/>
+              <a:t>Practiquen este u otro Kata en su casa.</a:t>
+            </a:r>
+          </a:p>
+          <a:p>
+            <a:pPr marL="0" indent="0" algn="ctr" defTabSz="914400">
+              <a:buNone/>
+            </a:pPr>
+            <a:endParaRPr lang="es-PE" sz="4000" dirty="0"/>
+          </a:p>
+          <a:p>
+            <a:pPr marL="0" algn="ctr" defTabSz="914400"/>
+            <a:r>
+              <a:rPr lang="es-PE" sz="4000" dirty="0"/>
+              <a:t>Organicen sus propios </a:t>
+            </a:r>
+            <a:r>
+              <a:rPr lang="es-PE" sz="4000" dirty="0" smtClean="0"/>
+              <a:t>Dojos en </a:t>
+            </a:r>
+            <a:r>
+              <a:rPr lang="es-PE" sz="4000" dirty="0"/>
+              <a:t>su trabajo o comunidad. </a:t>
+            </a:r>
+          </a:p>
+          <a:p>
+            <a:pPr marL="0" indent="0" algn="ctr" defTabSz="914400">
+              <a:buNone/>
+            </a:pPr>
+            <a:r>
+              <a:rPr lang="es-PE" sz="4000" dirty="0"/>
+              <a:t>(pueden utilizar esta presentación)</a:t>
+            </a:r>
+          </a:p>
+        </p:txBody>
+      </p:sp>
+    </p:spTree>
+    <p:custDataLst>
+      <p:tags r:id="rId1"/>
+    </p:custDataLst>
+    <p:extLst>
+      <p:ext uri="{BB962C8B-B14F-4D97-AF65-F5344CB8AC3E}">
+        <p14:creationId xmlns:p14="http://schemas.microsoft.com/office/powerpoint/2010/main" val="2616784292"/>
+      </p:ext>
+    </p:extLst>
+  </p:cSld>
+  <p:clrMapOvr>
+    <a:masterClrMapping/>
+  </p:clrMapOvr>
+  <p:timing>
+    <p:tnLst>
+      <p:par>
+        <p:cTn xmlns:p14="http://schemas.microsoft.com/office/powerpoint/2010/main" id="1" dur="indefinite" restart="never" nodeType="tmRoot"/>
+      </p:par>
+    </p:tnLst>
+  </p:timing>
+</p:sld>
+</file>
+
+<file path=ppt/slides/slide22.xml><?xml version="1.0" encoding="utf-8"?>
 <p:sld xmlns:a="http://schemas.openxmlformats.org/drawingml/2006/main" xmlns:r="http://schemas.openxmlformats.org/officeDocument/2006/relationships" xmlns:p="http://schemas.openxmlformats.org/presentationml/2006/main">
   <p:cSld>
     <p:spTree>
@@ -10524,7 +11355,7 @@
 </p:sld>
 </file>
 
-<file path=ppt/slides/slide21.xml><?xml version="1.0" encoding="utf-8"?>
+<file path=ppt/slides/slide23.xml><?xml version="1.0" encoding="utf-8"?>
 <p:sld xmlns:a="http://schemas.openxmlformats.org/drawingml/2006/main" xmlns:r="http://schemas.openxmlformats.org/officeDocument/2006/relationships" xmlns:p="http://schemas.openxmlformats.org/presentationml/2006/main">
   <p:cSld>
     <p:spTree>
@@ -10738,6 +11569,176 @@
                   <a:srgbClr val="FF0000"/>
                 </a:solidFill>
               </a:rPr>
+              <a:t>Objetivos</a:t>
+            </a:r>
+            <a:endParaRPr lang="es-PE" dirty="0">
+              <a:solidFill>
+                <a:srgbClr val="FF0000"/>
+              </a:solidFill>
+            </a:endParaRPr>
+          </a:p>
+        </p:txBody>
+      </p:sp>
+      <p:sp>
+        <p:nvSpPr>
+          <p:cNvPr id="9" name="8 CuadroTexto"/>
+          <p:cNvSpPr txBox="1"/>
+          <p:nvPr>
+            <p:custDataLst>
+              <p:tags r:id="rId3"/>
+            </p:custDataLst>
+          </p:nvPr>
+        </p:nvSpPr>
+        <p:spPr>
+          <a:xfrm>
+            <a:off x="294033" y="1155516"/>
+            <a:ext cx="8568951" cy="3785652"/>
+          </a:xfrm>
+          <a:prstGeom prst="rect">
+            <a:avLst/>
+          </a:prstGeom>
+          <a:noFill/>
+        </p:spPr>
+        <p:txBody>
+          <a:bodyPr wrap="square" rtlCol="0">
+            <a:spAutoFit/>
+          </a:bodyPr>
+          <a:lstStyle/>
+          <a:p>
+            <a:pPr marL="457200" indent="-457200">
+              <a:buFont typeface="Arial"/>
+              <a:buChar char="•"/>
+            </a:pPr>
+            <a:r>
+              <a:rPr lang="es-PE" sz="3000" dirty="0" smtClean="0"/>
+              <a:t>Aprender </a:t>
+            </a:r>
+            <a:r>
+              <a:rPr lang="es-PE" sz="3000" dirty="0"/>
+              <a:t>y compartir diversas técnicas de refactorización</a:t>
+            </a:r>
+            <a:r>
+              <a:rPr lang="es-PE" sz="3000" dirty="0" smtClean="0"/>
+              <a:t>.</a:t>
+            </a:r>
+          </a:p>
+          <a:p>
+            <a:pPr marL="457200" indent="-457200">
+              <a:buFont typeface="Arial"/>
+              <a:buChar char="•"/>
+            </a:pPr>
+            <a:endParaRPr lang="es-PE" sz="3000" dirty="0"/>
+          </a:p>
+          <a:p>
+            <a:pPr marL="457200" indent="-457200">
+              <a:buFont typeface="Arial"/>
+              <a:buChar char="•"/>
+            </a:pPr>
+            <a:r>
+              <a:rPr lang="es-PE" sz="3000" dirty="0" smtClean="0"/>
+              <a:t>Experimentar </a:t>
+            </a:r>
+            <a:r>
+              <a:rPr lang="es-PE" sz="3000" dirty="0"/>
+              <a:t>la refactorización mientras se aplica de forma correcta y disciplinada</a:t>
+            </a:r>
+            <a:r>
+              <a:rPr lang="es-PE" sz="3000" dirty="0" smtClean="0"/>
+              <a:t>.</a:t>
+            </a:r>
+          </a:p>
+          <a:p>
+            <a:pPr marL="457200" indent="-457200">
+              <a:buFont typeface="Arial"/>
+              <a:buChar char="•"/>
+            </a:pPr>
+            <a:endParaRPr lang="es-PE" sz="3000" dirty="0"/>
+          </a:p>
+          <a:p>
+            <a:pPr marL="457200" indent="-457200">
+              <a:buFont typeface="Arial"/>
+              <a:buChar char="•"/>
+            </a:pPr>
+            <a:r>
+              <a:rPr lang="es-PE" sz="3000" dirty="0" smtClean="0"/>
+              <a:t>Familiarizarse </a:t>
+            </a:r>
+            <a:r>
+              <a:rPr lang="es-PE" sz="3000" dirty="0"/>
+              <a:t>y ver los beneficios de los refactorings automatizados que proveen los IDES.</a:t>
+            </a:r>
+          </a:p>
+        </p:txBody>
+      </p:sp>
+    </p:spTree>
+    <p:custDataLst>
+      <p:tags r:id="rId1"/>
+    </p:custDataLst>
+    <p:extLst>
+      <p:ext uri="{BB962C8B-B14F-4D97-AF65-F5344CB8AC3E}">
+        <p14:creationId xmlns:p14="http://schemas.microsoft.com/office/powerpoint/2010/main" val="3484589936"/>
+      </p:ext>
+    </p:extLst>
+  </p:cSld>
+  <p:clrMapOvr>
+    <a:masterClrMapping/>
+  </p:clrMapOvr>
+  <p:timing>
+    <p:tnLst>
+      <p:par>
+        <p:cTn xmlns:p14="http://schemas.microsoft.com/office/powerpoint/2010/main" id="1" dur="indefinite" restart="never" nodeType="tmRoot"/>
+      </p:par>
+    </p:tnLst>
+  </p:timing>
+</p:sld>
+</file>
+
+<file path=ppt/slides/slide4.xml><?xml version="1.0" encoding="utf-8"?>
+<p:sld xmlns:a="http://schemas.openxmlformats.org/drawingml/2006/main" xmlns:r="http://schemas.openxmlformats.org/officeDocument/2006/relationships" xmlns:p="http://schemas.openxmlformats.org/presentationml/2006/main">
+  <p:cSld>
+    <p:spTree>
+      <p:nvGrpSpPr>
+        <p:cNvPr id="1" name=""/>
+        <p:cNvGrpSpPr/>
+        <p:nvPr/>
+      </p:nvGrpSpPr>
+      <p:grpSpPr>
+        <a:xfrm>
+          <a:off x="0" y="0"/>
+          <a:ext cx="0" cy="0"/>
+          <a:chOff x="0" y="0"/>
+          <a:chExt cx="0" cy="0"/>
+        </a:xfrm>
+      </p:grpSpPr>
+      <p:sp>
+        <p:nvSpPr>
+          <p:cNvPr id="18" name="1 Título"/>
+          <p:cNvSpPr>
+            <a:spLocks noGrp="1"/>
+          </p:cNvSpPr>
+          <p:nvPr>
+            <p:ph type="title"/>
+            <p:custDataLst>
+              <p:tags r:id="rId2"/>
+            </p:custDataLst>
+          </p:nvPr>
+        </p:nvSpPr>
+        <p:spPr>
+          <a:xfrm>
+            <a:off x="457200" y="160885"/>
+            <a:ext cx="8229600" cy="792088"/>
+          </a:xfrm>
+        </p:spPr>
+        <p:txBody>
+          <a:bodyPr/>
+          <a:lstStyle/>
+          <a:p>
+            <a:r>
+              <a:rPr lang="es-PE" dirty="0" smtClean="0">
+                <a:solidFill>
+                  <a:srgbClr val="FF0000"/>
+                </a:solidFill>
+              </a:rPr>
               <a:t>Descripción</a:t>
             </a:r>
             <a:endParaRPr lang="es-PE" dirty="0">
@@ -10859,7 +11860,7 @@
 </p:sld>
 </file>
 
-<file path=ppt/slides/slide4.xml><?xml version="1.0" encoding="utf-8"?>
+<file path=ppt/slides/slide5.xml><?xml version="1.0" encoding="utf-8"?>
 <p:sld xmlns:a="http://schemas.openxmlformats.org/drawingml/2006/main" xmlns:r="http://schemas.openxmlformats.org/officeDocument/2006/relationships" xmlns:p="http://schemas.openxmlformats.org/presentationml/2006/main">
   <p:cSld>
     <p:spTree>
@@ -11103,7 +12104,7 @@
 </p:sld>
 </file>
 
-<file path=ppt/slides/slide5.xml><?xml version="1.0" encoding="utf-8"?>
+<file path=ppt/slides/slide6.xml><?xml version="1.0" encoding="utf-8"?>
 <p:sld xmlns:a="http://schemas.openxmlformats.org/drawingml/2006/main" xmlns:r="http://schemas.openxmlformats.org/officeDocument/2006/relationships" xmlns:p="http://schemas.openxmlformats.org/presentationml/2006/main">
   <p:cSld>
     <p:spTree>
@@ -11313,7 +12314,7 @@
 </p:sld>
 </file>
 
-<file path=ppt/slides/slide6.xml><?xml version="1.0" encoding="utf-8"?>
+<file path=ppt/slides/slide7.xml><?xml version="1.0" encoding="utf-8"?>
 <p:sld xmlns:a="http://schemas.openxmlformats.org/drawingml/2006/main" xmlns:r="http://schemas.openxmlformats.org/officeDocument/2006/relationships" xmlns:p="http://schemas.openxmlformats.org/presentationml/2006/main">
   <p:cSld>
     <p:spTree>
@@ -11542,7 +12543,7 @@
 </p:sld>
 </file>
 
-<file path=ppt/slides/slide7.xml><?xml version="1.0" encoding="utf-8"?>
+<file path=ppt/slides/slide8.xml><?xml version="1.0" encoding="utf-8"?>
 <p:sld xmlns:a="http://schemas.openxmlformats.org/drawingml/2006/main" xmlns:r="http://schemas.openxmlformats.org/officeDocument/2006/relationships" xmlns:p="http://schemas.openxmlformats.org/presentationml/2006/main">
   <p:cSld>
     <p:spTree>
@@ -11750,7 +12751,7 @@
 </p:sld>
 </file>
 
-<file path=ppt/slides/slide8.xml><?xml version="1.0" encoding="utf-8"?>
+<file path=ppt/slides/slide9.xml><?xml version="1.0" encoding="utf-8"?>
 <p:sld xmlns:a="http://schemas.openxmlformats.org/drawingml/2006/main" xmlns:r="http://schemas.openxmlformats.org/officeDocument/2006/relationships" xmlns:p="http://schemas.openxmlformats.org/presentationml/2006/main">
   <p:cSld>
     <p:spTree>
@@ -11847,7 +12848,7 @@
             </a:br>
             <a:r>
               <a:rPr lang="es-PE" sz="2800" dirty="0" smtClean="0"/>
-              <a:t>(El código se encuentra en VS2010 y Eclipse)</a:t>
+              <a:t>(El código se encuentra en VS2012 y Eclipse)</a:t>
             </a:r>
           </a:p>
           <a:p>
@@ -11996,225 +12997,6 @@
     <p:extLst>
       <p:ext uri="{BB962C8B-B14F-4D97-AF65-F5344CB8AC3E}">
         <p14:creationId xmlns:p14="http://schemas.microsoft.com/office/powerpoint/2010/main" val="1571014780"/>
-      </p:ext>
-    </p:extLst>
-  </p:cSld>
-  <p:clrMapOvr>
-    <a:masterClrMapping/>
-  </p:clrMapOvr>
-  <p:timing>
-    <p:tnLst>
-      <p:par>
-        <p:cTn xmlns:p14="http://schemas.microsoft.com/office/powerpoint/2010/main" id="1" dur="indefinite" restart="never" nodeType="tmRoot"/>
-      </p:par>
-    </p:tnLst>
-  </p:timing>
-</p:sld>
-</file>
-
-<file path=ppt/slides/slide9.xml><?xml version="1.0" encoding="utf-8"?>
-<p:sld xmlns:a="http://schemas.openxmlformats.org/drawingml/2006/main" xmlns:r="http://schemas.openxmlformats.org/officeDocument/2006/relationships" xmlns:p="http://schemas.openxmlformats.org/presentationml/2006/main">
-  <p:cSld>
-    <p:spTree>
-      <p:nvGrpSpPr>
-        <p:cNvPr id="1" name=""/>
-        <p:cNvGrpSpPr/>
-        <p:nvPr/>
-      </p:nvGrpSpPr>
-      <p:grpSpPr>
-        <a:xfrm>
-          <a:off x="0" y="0"/>
-          <a:ext cx="0" cy="0"/>
-          <a:chOff x="0" y="0"/>
-          <a:chExt cx="0" cy="0"/>
-        </a:xfrm>
-      </p:grpSpPr>
-      <p:sp>
-        <p:nvSpPr>
-          <p:cNvPr id="18" name="1 Título"/>
-          <p:cNvSpPr>
-            <a:spLocks noGrp="1"/>
-          </p:cNvSpPr>
-          <p:nvPr>
-            <p:ph type="title"/>
-            <p:custDataLst>
-              <p:tags r:id="rId2"/>
-            </p:custDataLst>
-          </p:nvPr>
-        </p:nvSpPr>
-        <p:spPr>
-          <a:xfrm>
-            <a:off x="457200" y="160885"/>
-            <a:ext cx="8229600" cy="792088"/>
-          </a:xfrm>
-        </p:spPr>
-        <p:txBody>
-          <a:bodyPr/>
-          <a:lstStyle/>
-          <a:p>
-            <a:r>
-              <a:rPr lang="es-PE" dirty="0" smtClean="0">
-                <a:solidFill>
-                  <a:srgbClr val="FF0000"/>
-                </a:solidFill>
-              </a:rPr>
-              <a:t>Puntaje</a:t>
-            </a:r>
-            <a:endParaRPr lang="es-PE" dirty="0">
-              <a:solidFill>
-                <a:srgbClr val="FF0000"/>
-              </a:solidFill>
-            </a:endParaRPr>
-          </a:p>
-        </p:txBody>
-      </p:sp>
-      <p:sp>
-        <p:nvSpPr>
-          <p:cNvPr id="2" name="1 CuadroTexto"/>
-          <p:cNvSpPr txBox="1"/>
-          <p:nvPr>
-            <p:custDataLst>
-              <p:tags r:id="rId3"/>
-            </p:custDataLst>
-          </p:nvPr>
-        </p:nvSpPr>
-        <p:spPr>
-          <a:xfrm>
-            <a:off x="251520" y="879224"/>
-            <a:ext cx="8712968" cy="4939814"/>
-          </a:xfrm>
-          <a:prstGeom prst="rect">
-            <a:avLst/>
-          </a:prstGeom>
-          <a:noFill/>
-        </p:spPr>
-        <p:txBody>
-          <a:bodyPr wrap="square" rtlCol="0">
-            <a:spAutoFit/>
-          </a:bodyPr>
-          <a:lstStyle/>
-          <a:p>
-            <a:pPr algn="ctr"/>
-            <a:r>
-              <a:rPr lang="es-PE" sz="3500" dirty="0" smtClean="0">
-                <a:solidFill>
-                  <a:srgbClr val="00823B"/>
-                </a:solidFill>
-              </a:rPr>
-              <a:t>General</a:t>
-            </a:r>
-          </a:p>
-          <a:p>
-            <a:r>
-              <a:rPr lang="es-PE" sz="3500" dirty="0" smtClean="0"/>
-              <a:t>+</a:t>
-            </a:r>
-            <a:r>
-              <a:rPr lang="es-PE" sz="3500" dirty="0"/>
-              <a:t>1 </a:t>
-            </a:r>
-            <a:r>
-              <a:rPr lang="es-PE" sz="3500" dirty="0" smtClean="0"/>
-              <a:t>Cada refactorización</a:t>
-            </a:r>
-          </a:p>
-          <a:p>
-            <a:r>
-              <a:rPr lang="es-PE" sz="3500" dirty="0" smtClean="0"/>
-              <a:t>+</a:t>
-            </a:r>
-            <a:r>
-              <a:rPr lang="es-PE" sz="3500" dirty="0"/>
-              <a:t>1 Copiar + </a:t>
-            </a:r>
-            <a:r>
-              <a:rPr lang="es-PE" sz="3500" dirty="0" smtClean="0"/>
-              <a:t>Pegar</a:t>
-            </a:r>
-          </a:p>
-          <a:p>
-            <a:r>
-              <a:rPr lang="es-PE" sz="3500" dirty="0"/>
-              <a:t>+1 </a:t>
-            </a:r>
-            <a:r>
-              <a:rPr lang="es-PE" sz="3500" dirty="0" smtClean="0"/>
-              <a:t>Cualquier shortcut </a:t>
-            </a:r>
-            <a:r>
-              <a:rPr lang="es-PE" sz="3500" dirty="0"/>
-              <a:t>de edición </a:t>
-            </a:r>
-            <a:r>
-              <a:rPr lang="es-PE" sz="3500" dirty="0" smtClean="0"/>
-              <a:t>código</a:t>
-            </a:r>
-          </a:p>
-          <a:p>
-            <a:r>
-              <a:rPr lang="es-PE" sz="3500" dirty="0" smtClean="0"/>
-              <a:t>+1 Eliminar una l</a:t>
-            </a:r>
-            <a:r>
-              <a:rPr lang="es-PE" sz="3500" dirty="0" smtClean="0"/>
-              <a:t>ínea con código</a:t>
-            </a:r>
-            <a:endParaRPr lang="es-PE" sz="3500" dirty="0" smtClean="0"/>
-          </a:p>
-          <a:p>
-            <a:r>
-              <a:rPr lang="es-PE" sz="3500" dirty="0" smtClean="0"/>
-              <a:t>+1 Crear clases, interfaces o variables</a:t>
-            </a:r>
-            <a:endParaRPr lang="es-PE" sz="3500" dirty="0" smtClean="0"/>
-          </a:p>
-          <a:p>
-            <a:pPr marL="633413" indent="-633413"/>
-            <a:r>
-              <a:rPr lang="es-PE" sz="3500" dirty="0" smtClean="0"/>
-              <a:t>+</a:t>
-            </a:r>
-            <a:r>
-              <a:rPr lang="es-PE" sz="3500" dirty="0"/>
-              <a:t>0 </a:t>
-            </a:r>
-            <a:r>
-              <a:rPr lang="es-PE" sz="3500" dirty="0" smtClean="0"/>
-              <a:t>Dar formato o eliminar líneas en blanco</a:t>
-            </a:r>
-          </a:p>
-          <a:p>
-            <a:pPr marL="633413" indent="-633413"/>
-            <a:r>
-              <a:rPr lang="es-PE" sz="3500" dirty="0" smtClean="0"/>
-              <a:t>+0 Cambiar el acceso de los métodos o </a:t>
-            </a:r>
-            <a:r>
-              <a:rPr lang="es-PE" sz="3500" dirty="0" smtClean="0"/>
-              <a:t>clases</a:t>
-            </a:r>
-          </a:p>
-          <a:p>
-            <a:pPr marL="633413" indent="-633413"/>
-            <a:r>
-              <a:rPr lang="es-PE" sz="3500" dirty="0" smtClean="0"/>
-              <a:t>+0 Cambiar un m</a:t>
-            </a:r>
-            <a:r>
-              <a:rPr lang="es-PE" sz="3500" dirty="0" smtClean="0"/>
-              <a:t>étodo a estático y viceversa</a:t>
-            </a:r>
-            <a:endParaRPr lang="es-PE" sz="3500" dirty="0" smtClean="0"/>
-          </a:p>
-        </p:txBody>
-      </p:sp>
-    </p:spTree>
-    <p:custDataLst>
-      <p:tags r:id="rId1"/>
-    </p:custDataLst>
-    <p:extLst>
-      <p:ext uri="{BB962C8B-B14F-4D97-AF65-F5344CB8AC3E}">
-        <p14:creationId xmlns:p14="http://schemas.microsoft.com/office/powerpoint/2010/main" val="1848309971"/>
       </p:ext>
     </p:extLst>
   </p:cSld>
@@ -12389,19 +13171,19 @@
 
 <file path=ppt/tags/tag33.xml><?xml version="1.0" encoding="utf-8"?>
 <p:tagLst xmlns:a="http://schemas.openxmlformats.org/drawingml/2006/main" xmlns:r="http://schemas.openxmlformats.org/officeDocument/2006/relationships" xmlns:p="http://schemas.openxmlformats.org/presentationml/2006/main">
-  <p:tag name="DVSECTIONID" val="YfG4E73kWElduy0UjbxFmN"/>
+  <p:tag name="DVSECTIONID" val="yhVriMrcMxMBEvBfJ6iNZl"/>
 </p:tagLst>
 </file>
 
 <file path=ppt/tags/tag34.xml><?xml version="1.0" encoding="utf-8"?>
 <p:tagLst xmlns:a="http://schemas.openxmlformats.org/drawingml/2006/main" xmlns:r="http://schemas.openxmlformats.org/officeDocument/2006/relationships" xmlns:p="http://schemas.openxmlformats.org/presentationml/2006/main">
-  <p:tag name="DVSHAPEID" val="eh04WSBvw0QEXlYejESuDS"/>
+  <p:tag name="DVSHAPEID" val="90uPZmUu51RrS53OLUCh6h"/>
 </p:tagLst>
 </file>
 
 <file path=ppt/tags/tag35.xml><?xml version="1.0" encoding="utf-8"?>
 <p:tagLst xmlns:a="http://schemas.openxmlformats.org/drawingml/2006/main" xmlns:r="http://schemas.openxmlformats.org/officeDocument/2006/relationships" xmlns:p="http://schemas.openxmlformats.org/presentationml/2006/main">
-  <p:tag name="DVSHAPEID" val="JpO4dpMeMP8Ctq8I8ErinR"/>
+  <p:tag name="DVSHAPEID" val="hSI7X2B6ytEOPMiuY9hrrg"/>
 </p:tagLst>
 </file>
 
@@ -12419,7 +13201,7 @@
 
 <file path=ppt/tags/tag38.xml><?xml version="1.0" encoding="utf-8"?>
 <p:tagLst xmlns:a="http://schemas.openxmlformats.org/drawingml/2006/main" xmlns:r="http://schemas.openxmlformats.org/officeDocument/2006/relationships" xmlns:p="http://schemas.openxmlformats.org/presentationml/2006/main">
-  <p:tag name="DVSHAPEID" val="HwlSQDv3HCKlxAgSFcJie0"/>
+  <p:tag name="DVSHAPEID" val="JpO4dpMeMP8Ctq8I8ErinR"/>
 </p:tagLst>
 </file>
 
@@ -12485,13 +13267,13 @@
 
 <file path=ppt/tags/tag48.xml><?xml version="1.0" encoding="utf-8"?>
 <p:tagLst xmlns:a="http://schemas.openxmlformats.org/drawingml/2006/main" xmlns:r="http://schemas.openxmlformats.org/officeDocument/2006/relationships" xmlns:p="http://schemas.openxmlformats.org/presentationml/2006/main">
-  <p:tag name="DVSECTIONID" val="6QaPdUBZCvLe6jwlmKcsxw"/>
+  <p:tag name="DVSECTIONID" val="YfG4E73kWElduy0UjbxFmN"/>
 </p:tagLst>
 </file>
 
 <file path=ppt/tags/tag49.xml><?xml version="1.0" encoding="utf-8"?>
 <p:tagLst xmlns:a="http://schemas.openxmlformats.org/drawingml/2006/main" xmlns:r="http://schemas.openxmlformats.org/officeDocument/2006/relationships" xmlns:p="http://schemas.openxmlformats.org/presentationml/2006/main">
-  <p:tag name="DVSHAPEID" val="3ZrrSBbxeMU7bha5DBZVmc"/>
+  <p:tag name="DVSHAPEID" val="eh04WSBvw0QEXlYejESuDS"/>
 </p:tagLst>
 </file>
 
@@ -12503,61 +13285,61 @@
 
 <file path=ppt/tags/tag50.xml><?xml version="1.0" encoding="utf-8"?>
 <p:tagLst xmlns:a="http://schemas.openxmlformats.org/drawingml/2006/main" xmlns:r="http://schemas.openxmlformats.org/officeDocument/2006/relationships" xmlns:p="http://schemas.openxmlformats.org/presentationml/2006/main">
-  <p:tag name="DVSHAPEID" val="PSNNPDIc0KOBXyNb6c5JvR"/>
+  <p:tag name="DVSHAPEID" val="HwlSQDv3HCKlxAgSFcJie0"/>
 </p:tagLst>
 </file>
 
 <file path=ppt/tags/tag51.xml><?xml version="1.0" encoding="utf-8"?>
 <p:tagLst xmlns:a="http://schemas.openxmlformats.org/drawingml/2006/main" xmlns:r="http://schemas.openxmlformats.org/officeDocument/2006/relationships" xmlns:p="http://schemas.openxmlformats.org/presentationml/2006/main">
-  <p:tag name="DVSECTIONID" val="Tc0IDerxZaJLSWvmvYtXWf"/>
+  <p:tag name="DVSECTIONID" val="6QaPdUBZCvLe6jwlmKcsxw"/>
 </p:tagLst>
 </file>
 
 <file path=ppt/tags/tag52.xml><?xml version="1.0" encoding="utf-8"?>
 <p:tagLst xmlns:a="http://schemas.openxmlformats.org/drawingml/2006/main" xmlns:r="http://schemas.openxmlformats.org/officeDocument/2006/relationships" xmlns:p="http://schemas.openxmlformats.org/presentationml/2006/main">
-  <p:tag name="DVSHAPEID" val="vhGohSKmLnQQazD4MxP1L9"/>
+  <p:tag name="DVSHAPEID" val="3ZrrSBbxeMU7bha5DBZVmc"/>
 </p:tagLst>
 </file>
 
 <file path=ppt/tags/tag53.xml><?xml version="1.0" encoding="utf-8"?>
 <p:tagLst xmlns:a="http://schemas.openxmlformats.org/drawingml/2006/main" xmlns:r="http://schemas.openxmlformats.org/officeDocument/2006/relationships" xmlns:p="http://schemas.openxmlformats.org/presentationml/2006/main">
-  <p:tag name="DVSHAPEID" val="izjBhruNQDHXnv7rmPsDZr"/>
+  <p:tag name="DVSHAPEID" val="PSNNPDIc0KOBXyNb6c5JvR"/>
 </p:tagLst>
 </file>
 
 <file path=ppt/tags/tag54.xml><?xml version="1.0" encoding="utf-8"?>
 <p:tagLst xmlns:a="http://schemas.openxmlformats.org/drawingml/2006/main" xmlns:r="http://schemas.openxmlformats.org/officeDocument/2006/relationships" xmlns:p="http://schemas.openxmlformats.org/presentationml/2006/main">
-  <p:tag name="DVSECTIONID" val="pVSrOL96EEiAWXOuhmy5wA"/>
+  <p:tag name="DVSECTIONID" val="Tc0IDerxZaJLSWvmvYtXWf"/>
 </p:tagLst>
 </file>
 
 <file path=ppt/tags/tag55.xml><?xml version="1.0" encoding="utf-8"?>
 <p:tagLst xmlns:a="http://schemas.openxmlformats.org/drawingml/2006/main" xmlns:r="http://schemas.openxmlformats.org/officeDocument/2006/relationships" xmlns:p="http://schemas.openxmlformats.org/presentationml/2006/main">
-  <p:tag name="DVSHAPEID" val="K7ney2pxUt5mZ64FAjSYwd"/>
+  <p:tag name="DVSHAPEID" val="vhGohSKmLnQQazD4MxP1L9"/>
 </p:tagLst>
 </file>
 
 <file path=ppt/tags/tag56.xml><?xml version="1.0" encoding="utf-8"?>
 <p:tagLst xmlns:a="http://schemas.openxmlformats.org/drawingml/2006/main" xmlns:r="http://schemas.openxmlformats.org/officeDocument/2006/relationships" xmlns:p="http://schemas.openxmlformats.org/presentationml/2006/main">
-  <p:tag name="DVSHAPEID" val="8cb7WkbZz8aQPcd3TsniIe"/>
+  <p:tag name="DVSHAPEID" val="izjBhruNQDHXnv7rmPsDZr"/>
 </p:tagLst>
 </file>
 
 <file path=ppt/tags/tag57.xml><?xml version="1.0" encoding="utf-8"?>
 <p:tagLst xmlns:a="http://schemas.openxmlformats.org/drawingml/2006/main" xmlns:r="http://schemas.openxmlformats.org/officeDocument/2006/relationships" xmlns:p="http://schemas.openxmlformats.org/presentationml/2006/main">
-  <p:tag name="DVSECTIONID" val="ulrzQ0fdZzADN4QbpFoSw5"/>
+  <p:tag name="DVSECTIONID" val="pVSrOL96EEiAWXOuhmy5wA"/>
 </p:tagLst>
 </file>
 
 <file path=ppt/tags/tag58.xml><?xml version="1.0" encoding="utf-8"?>
 <p:tagLst xmlns:a="http://schemas.openxmlformats.org/drawingml/2006/main" xmlns:r="http://schemas.openxmlformats.org/officeDocument/2006/relationships" xmlns:p="http://schemas.openxmlformats.org/presentationml/2006/main">
-  <p:tag name="DVSHAPEID" val="R0w1mGf9L0VwYb2q55mVTX"/>
+  <p:tag name="DVSHAPEID" val="K7ney2pxUt5mZ64FAjSYwd"/>
 </p:tagLst>
 </file>
 
 <file path=ppt/tags/tag59.xml><?xml version="1.0" encoding="utf-8"?>
 <p:tagLst xmlns:a="http://schemas.openxmlformats.org/drawingml/2006/main" xmlns:r="http://schemas.openxmlformats.org/officeDocument/2006/relationships" xmlns:p="http://schemas.openxmlformats.org/presentationml/2006/main">
-  <p:tag name="DVSHAPEID" val="c8hSswppBdvUlaAVXuKqm9"/>
+  <p:tag name="DVSHAPEID" val="8cb7WkbZz8aQPcd3TsniIe"/>
 </p:tagLst>
 </file>
 
@@ -12569,61 +13351,61 @@
 
 <file path=ppt/tags/tag60.xml><?xml version="1.0" encoding="utf-8"?>
 <p:tagLst xmlns:a="http://schemas.openxmlformats.org/drawingml/2006/main" xmlns:r="http://schemas.openxmlformats.org/officeDocument/2006/relationships" xmlns:p="http://schemas.openxmlformats.org/presentationml/2006/main">
-  <p:tag name="DVSECTIONID" val="si0xx0H6oQJPrw0fV8RqEI"/>
+  <p:tag name="DVSECTIONID" val="ulrzQ0fdZzADN4QbpFoSw5"/>
 </p:tagLst>
 </file>
 
 <file path=ppt/tags/tag61.xml><?xml version="1.0" encoding="utf-8"?>
 <p:tagLst xmlns:a="http://schemas.openxmlformats.org/drawingml/2006/main" xmlns:r="http://schemas.openxmlformats.org/officeDocument/2006/relationships" xmlns:p="http://schemas.openxmlformats.org/presentationml/2006/main">
-  <p:tag name="DVSHAPEID" val="Vid20tmiVNkTOoKudIJloH"/>
+  <p:tag name="DVSHAPEID" val="R0w1mGf9L0VwYb2q55mVTX"/>
 </p:tagLst>
 </file>
 
 <file path=ppt/tags/tag62.xml><?xml version="1.0" encoding="utf-8"?>
 <p:tagLst xmlns:a="http://schemas.openxmlformats.org/drawingml/2006/main" xmlns:r="http://schemas.openxmlformats.org/officeDocument/2006/relationships" xmlns:p="http://schemas.openxmlformats.org/presentationml/2006/main">
-  <p:tag name="DVSHAPEID" val="14QRPa7RbtB2dYEpvW2jhI"/>
+  <p:tag name="DVSHAPEID" val="c8hSswppBdvUlaAVXuKqm9"/>
 </p:tagLst>
 </file>
 
 <file path=ppt/tags/tag63.xml><?xml version="1.0" encoding="utf-8"?>
 <p:tagLst xmlns:a="http://schemas.openxmlformats.org/drawingml/2006/main" xmlns:r="http://schemas.openxmlformats.org/officeDocument/2006/relationships" xmlns:p="http://schemas.openxmlformats.org/presentationml/2006/main">
-  <p:tag name="DVSHAPEID" val="zrmcath1G0Kdg8c9Dcb4CR"/>
+  <p:tag name="DVSECTIONID" val="si0xx0H6oQJPrw0fV8RqEI"/>
 </p:tagLst>
 </file>
 
 <file path=ppt/tags/tag64.xml><?xml version="1.0" encoding="utf-8"?>
 <p:tagLst xmlns:a="http://schemas.openxmlformats.org/drawingml/2006/main" xmlns:r="http://schemas.openxmlformats.org/officeDocument/2006/relationships" xmlns:p="http://schemas.openxmlformats.org/presentationml/2006/main">
-  <p:tag name="DVSHAPEID" val="iLaLQOcNj5qjvpvCZDA9MA"/>
+  <p:tag name="DVSHAPEID" val="Vid20tmiVNkTOoKudIJloH"/>
 </p:tagLst>
 </file>
 
 <file path=ppt/tags/tag65.xml><?xml version="1.0" encoding="utf-8"?>
 <p:tagLst xmlns:a="http://schemas.openxmlformats.org/drawingml/2006/main" xmlns:r="http://schemas.openxmlformats.org/officeDocument/2006/relationships" xmlns:p="http://schemas.openxmlformats.org/presentationml/2006/main">
-  <p:tag name="DVSECTIONID" val="0iaJE5WSHD4oT8zisfwTaJ"/>
+  <p:tag name="DVSHAPEID" val="14QRPa7RbtB2dYEpvW2jhI"/>
 </p:tagLst>
 </file>
 
 <file path=ppt/tags/tag66.xml><?xml version="1.0" encoding="utf-8"?>
 <p:tagLst xmlns:a="http://schemas.openxmlformats.org/drawingml/2006/main" xmlns:r="http://schemas.openxmlformats.org/officeDocument/2006/relationships" xmlns:p="http://schemas.openxmlformats.org/presentationml/2006/main">
-  <p:tag name="DVSECTIONID" val="0iaJE5WSHD4oT8zisfwTaJ"/>
+  <p:tag name="DVSHAPEID" val="zrmcath1G0Kdg8c9Dcb4CR"/>
 </p:tagLst>
 </file>
 
 <file path=ppt/tags/tag67.xml><?xml version="1.0" encoding="utf-8"?>
 <p:tagLst xmlns:a="http://schemas.openxmlformats.org/drawingml/2006/main" xmlns:r="http://schemas.openxmlformats.org/officeDocument/2006/relationships" xmlns:p="http://schemas.openxmlformats.org/presentationml/2006/main">
-  <p:tag name="DVSHAPEID" val="i0HwdmiQ8d6H8A1pCsPTHF"/>
+  <p:tag name="DVSECTIONID" val="0iaJE5WSHD4oT8zisfwTaJ"/>
 </p:tagLst>
 </file>
 
 <file path=ppt/tags/tag68.xml><?xml version="1.0" encoding="utf-8"?>
 <p:tagLst xmlns:a="http://schemas.openxmlformats.org/drawingml/2006/main" xmlns:r="http://schemas.openxmlformats.org/officeDocument/2006/relationships" xmlns:p="http://schemas.openxmlformats.org/presentationml/2006/main">
-  <p:tag name="DVSECTIONID" val="kqvciFpyFbEikJbcn77mOg"/>
+  <p:tag name="DVSECTIONID" val="0iaJE5WSHD4oT8zisfwTaJ"/>
 </p:tagLst>
 </file>
 
 <file path=ppt/tags/tag69.xml><?xml version="1.0" encoding="utf-8"?>
 <p:tagLst xmlns:a="http://schemas.openxmlformats.org/drawingml/2006/main" xmlns:r="http://schemas.openxmlformats.org/officeDocument/2006/relationships" xmlns:p="http://schemas.openxmlformats.org/presentationml/2006/main">
-  <p:tag name="DVSHAPEID" val="issGxqE1KUmyP1bgNKSvL6"/>
+  <p:tag name="DVSHAPEID" val="i0HwdmiQ8d6H8A1pCsPTHF"/>
 </p:tagLst>
 </file>
 
@@ -12635,11 +13417,23 @@
 
 <file path=ppt/tags/tag70.xml><?xml version="1.0" encoding="utf-8"?>
 <p:tagLst xmlns:a="http://schemas.openxmlformats.org/drawingml/2006/main" xmlns:r="http://schemas.openxmlformats.org/officeDocument/2006/relationships" xmlns:p="http://schemas.openxmlformats.org/presentationml/2006/main">
+  <p:tag name="DVSECTIONID" val="kqvciFpyFbEikJbcn77mOg"/>
+</p:tagLst>
+</file>
+
+<file path=ppt/tags/tag71.xml><?xml version="1.0" encoding="utf-8"?>
+<p:tagLst xmlns:a="http://schemas.openxmlformats.org/drawingml/2006/main" xmlns:r="http://schemas.openxmlformats.org/officeDocument/2006/relationships" xmlns:p="http://schemas.openxmlformats.org/presentationml/2006/main">
+  <p:tag name="DVSHAPEID" val="issGxqE1KUmyP1bgNKSvL6"/>
+</p:tagLst>
+</file>
+
+<file path=ppt/tags/tag72.xml><?xml version="1.0" encoding="utf-8"?>
+<p:tagLst xmlns:a="http://schemas.openxmlformats.org/drawingml/2006/main" xmlns:r="http://schemas.openxmlformats.org/officeDocument/2006/relationships" xmlns:p="http://schemas.openxmlformats.org/presentationml/2006/main">
   <p:tag name="DVSHAPEID" val="Yry5qPJr1ZPISEOMzwMSbw"/>
 </p:tagLst>
 </file>
 
-<file path=ppt/tags/tag71.xml><?xml version="1.0" encoding="utf-8"?>
+<file path=ppt/tags/tag73.xml><?xml version="1.0" encoding="utf-8"?>
 <p:tagLst xmlns:a="http://schemas.openxmlformats.org/drawingml/2006/main" xmlns:r="http://schemas.openxmlformats.org/officeDocument/2006/relationships" xmlns:p="http://schemas.openxmlformats.org/presentationml/2006/main">
   <p:tag name="DVSHAPEID" val="bXVvCMAYCeCbu18sZOiiTm"/>
 </p:tagLst>

--- a/ppt/Diapositivas v2.pptx
+++ b/ppt/Diapositivas v2.pptx
@@ -3904,11 +3904,7 @@
             </a:pPr>
             <a:r>
               <a:rPr lang="es-PE" sz="1200" baseline="0" smtClean="0"/>
-              <a:t>(Opcional) Edici</a:t>
-            </a:r>
-            <a:r>
-              <a:rPr lang="es-PE" sz="1200" baseline="0" smtClean="0"/>
-              <a:t>ón de código</a:t>
+              <a:t>(Opcional) Edición de código</a:t>
             </a:r>
             <a:endParaRPr lang="es-PE" sz="3200" dirty="0" smtClean="0"/>
           </a:p>
@@ -8896,11 +8892,7 @@
           <a:p>
             <a:r>
               <a:rPr lang="es-PE" sz="3200" dirty="0" smtClean="0"/>
-              <a:t>Pr</a:t>
-            </a:r>
-            <a:r>
-              <a:rPr lang="es-PE" sz="3200" dirty="0" smtClean="0"/>
-              <a:t>ácticar previamente solo los refactorings necesarios para el juego.</a:t>
+              <a:t>Prácticar previamente solo los refactorings necesarios para el juego.</a:t>
             </a:r>
           </a:p>
           <a:p>
@@ -8930,15 +8922,7 @@
             </a:pPr>
             <a:r>
               <a:rPr lang="es-PE" sz="3600" dirty="0" smtClean="0"/>
-              <a:t>Discusi</a:t>
-            </a:r>
-            <a:r>
-              <a:rPr lang="es-PE" sz="3600" dirty="0" smtClean="0"/>
-              <a:t>ón</a:t>
-            </a:r>
-            <a:r>
-              <a:rPr lang="es-PE" sz="3600" dirty="0" smtClean="0"/>
-              <a:t> (2 minutos)</a:t>
+              <a:t>Discusión (2 minutos)</a:t>
             </a:r>
           </a:p>
           <a:p>
@@ -8946,7 +8930,6 @@
               <a:rPr lang="es-PE" sz="3200" dirty="0" smtClean="0"/>
               <a:t>Que hemos aprendido de jugar el hoyo.</a:t>
             </a:r>
-            <a:endParaRPr lang="es-PE" sz="3200" dirty="0" smtClean="0"/>
           </a:p>
         </p:txBody>
       </p:sp>
@@ -9831,25 +9814,25 @@
         </p:nvSpPr>
         <p:spPr>
           <a:xfrm>
-            <a:off x="-20748" y="87136"/>
+            <a:off x="-20748" y="116632"/>
             <a:ext cx="9144000" cy="1093136"/>
           </a:xfrm>
         </p:spPr>
         <p:txBody>
           <a:bodyPr>
-            <a:normAutofit fontScale="90000"/>
+            <a:noAutofit/>
           </a:bodyPr>
           <a:lstStyle/>
           <a:p>
             <a:r>
-              <a:rPr lang="es-PE" sz="11500" b="1" spc="300" dirty="0" smtClean="0">
+              <a:rPr lang="es-PE" sz="8800" b="1" spc="300" dirty="0" smtClean="0">
                 <a:solidFill>
                   <a:srgbClr val="FFFFFF"/>
                 </a:solidFill>
               </a:rPr>
-              <a:t>DEMO</a:t>
-            </a:r>
-            <a:endParaRPr lang="es-ES" sz="9600" b="1" spc="300" dirty="0">
+              <a:t>CALENTAMIENTO</a:t>
+            </a:r>
+            <a:endParaRPr lang="es-ES" sz="7200" b="1" spc="300" dirty="0">
               <a:solidFill>
                 <a:srgbClr val="FFFFFF"/>
               </a:solidFill>
@@ -10841,15 +10824,7 @@
             <a:pPr algn="ctr"/>
             <a:r>
               <a:rPr lang="es-PE" sz="3200" dirty="0" smtClean="0"/>
-              <a:t>Es un juego de </a:t>
-            </a:r>
-            <a:r>
-              <a:rPr lang="es-PE" sz="3200" dirty="0" smtClean="0"/>
-              <a:t>4 </a:t>
-            </a:r>
-            <a:r>
-              <a:rPr lang="es-PE" sz="3200" dirty="0" smtClean="0"/>
-              <a:t>hoyos, todos los equipos comenzarán en el tee y en los siguientes hoyos de manera simultanea.</a:t>
+              <a:t>Es un juego de 4 hoyos, todos los equipos comenzarán en el tee y en los siguientes hoyos de manera simultanea.</a:t>
             </a:r>
           </a:p>
         </p:txBody>
@@ -10882,27 +10857,7 @@
             <a:pPr algn="ctr"/>
             <a:r>
               <a:rPr lang="es-PE" sz="3200" dirty="0" smtClean="0"/>
-              <a:t>El tiempo </a:t>
-            </a:r>
-            <a:r>
-              <a:rPr lang="es-PE" sz="3200" dirty="0" smtClean="0"/>
-              <a:t>de ejecuci</a:t>
-            </a:r>
-            <a:r>
-              <a:rPr lang="es-PE" sz="3200" dirty="0" smtClean="0"/>
-              <a:t>ón </a:t>
-            </a:r>
-            <a:r>
-              <a:rPr lang="es-PE" sz="3200" dirty="0" smtClean="0"/>
-              <a:t>por </a:t>
-            </a:r>
-            <a:r>
-              <a:rPr lang="es-PE" sz="3200" dirty="0" smtClean="0"/>
-              <a:t>hoyo es </a:t>
-            </a:r>
-            <a:r>
-              <a:rPr lang="es-PE" sz="3200" dirty="0" smtClean="0"/>
-              <a:t>10 minutos</a:t>
+              <a:t>El tiempo de ejecución por hoyo es 10 minutos</a:t>
             </a:r>
             <a:endParaRPr lang="es-PE" sz="3200" dirty="0"/>
           </a:p>
